--- a/doc/manuscript/figures_tables/C_variable_mapping_fig.pptx
+++ b/doc/manuscript/figures_tables/C_variable_mapping_fig.pptx
@@ -198,7 +198,7 @@
           <a:p>
             <a:fld id="{DB657656-E537-AA48-B575-F7F3A3DBC2DD}" type="datetimeFigureOut">
               <a:rPr lang="en-US" smtClean="0"/>
-              <a:t>4/15/22</a:t>
+              <a:t>4/18/22</a:t>
             </a:fld>
             <a:endParaRPr lang="en-US"/>
           </a:p>
@@ -764,7 +764,7 @@
           <a:p>
             <a:fld id="{6298E0E3-79FA-3742-AA7B-873C13C8E065}" type="datetimeFigureOut">
               <a:rPr lang="en-US" smtClean="0"/>
-              <a:t>4/15/22</a:t>
+              <a:t>4/18/22</a:t>
             </a:fld>
             <a:endParaRPr lang="en-US"/>
           </a:p>
@@ -934,7 +934,7 @@
           <a:p>
             <a:fld id="{6298E0E3-79FA-3742-AA7B-873C13C8E065}" type="datetimeFigureOut">
               <a:rPr lang="en-US" smtClean="0"/>
-              <a:t>4/15/22</a:t>
+              <a:t>4/18/22</a:t>
             </a:fld>
             <a:endParaRPr lang="en-US"/>
           </a:p>
@@ -1114,7 +1114,7 @@
           <a:p>
             <a:fld id="{6298E0E3-79FA-3742-AA7B-873C13C8E065}" type="datetimeFigureOut">
               <a:rPr lang="en-US" smtClean="0"/>
-              <a:t>4/15/22</a:t>
+              <a:t>4/18/22</a:t>
             </a:fld>
             <a:endParaRPr lang="en-US"/>
           </a:p>
@@ -1284,7 +1284,7 @@
           <a:p>
             <a:fld id="{6298E0E3-79FA-3742-AA7B-873C13C8E065}" type="datetimeFigureOut">
               <a:rPr lang="en-US" smtClean="0"/>
-              <a:t>4/15/22</a:t>
+              <a:t>4/18/22</a:t>
             </a:fld>
             <a:endParaRPr lang="en-US"/>
           </a:p>
@@ -1528,7 +1528,7 @@
           <a:p>
             <a:fld id="{6298E0E3-79FA-3742-AA7B-873C13C8E065}" type="datetimeFigureOut">
               <a:rPr lang="en-US" smtClean="0"/>
-              <a:t>4/15/22</a:t>
+              <a:t>4/18/22</a:t>
             </a:fld>
             <a:endParaRPr lang="en-US"/>
           </a:p>
@@ -1760,7 +1760,7 @@
           <a:p>
             <a:fld id="{6298E0E3-79FA-3742-AA7B-873C13C8E065}" type="datetimeFigureOut">
               <a:rPr lang="en-US" smtClean="0"/>
-              <a:t>4/15/22</a:t>
+              <a:t>4/18/22</a:t>
             </a:fld>
             <a:endParaRPr lang="en-US"/>
           </a:p>
@@ -2127,7 +2127,7 @@
           <a:p>
             <a:fld id="{6298E0E3-79FA-3742-AA7B-873C13C8E065}" type="datetimeFigureOut">
               <a:rPr lang="en-US" smtClean="0"/>
-              <a:t>4/15/22</a:t>
+              <a:t>4/18/22</a:t>
             </a:fld>
             <a:endParaRPr lang="en-US"/>
           </a:p>
@@ -2245,7 +2245,7 @@
           <a:p>
             <a:fld id="{6298E0E3-79FA-3742-AA7B-873C13C8E065}" type="datetimeFigureOut">
               <a:rPr lang="en-US" smtClean="0"/>
-              <a:t>4/15/22</a:t>
+              <a:t>4/18/22</a:t>
             </a:fld>
             <a:endParaRPr lang="en-US"/>
           </a:p>
@@ -2340,7 +2340,7 @@
           <a:p>
             <a:fld id="{6298E0E3-79FA-3742-AA7B-873C13C8E065}" type="datetimeFigureOut">
               <a:rPr lang="en-US" smtClean="0"/>
-              <a:t>4/15/22</a:t>
+              <a:t>4/18/22</a:t>
             </a:fld>
             <a:endParaRPr lang="en-US"/>
           </a:p>
@@ -2617,7 +2617,7 @@
           <a:p>
             <a:fld id="{6298E0E3-79FA-3742-AA7B-873C13C8E065}" type="datetimeFigureOut">
               <a:rPr lang="en-US" smtClean="0"/>
-              <a:t>4/15/22</a:t>
+              <a:t>4/18/22</a:t>
             </a:fld>
             <a:endParaRPr lang="en-US"/>
           </a:p>
@@ -2874,7 +2874,7 @@
           <a:p>
             <a:fld id="{6298E0E3-79FA-3742-AA7B-873C13C8E065}" type="datetimeFigureOut">
               <a:rPr lang="en-US" smtClean="0"/>
-              <a:t>4/15/22</a:t>
+              <a:t>4/18/22</a:t>
             </a:fld>
             <a:endParaRPr lang="en-US"/>
           </a:p>
@@ -3087,7 +3087,7 @@
           <a:p>
             <a:fld id="{6298E0E3-79FA-3742-AA7B-873C13C8E065}" type="datetimeFigureOut">
               <a:rPr lang="en-US" smtClean="0"/>
-              <a:t>4/15/22</a:t>
+              <a:t>4/18/22</a:t>
             </a:fld>
             <a:endParaRPr lang="en-US"/>
           </a:p>
@@ -3670,8 +3670,8 @@
         </p:nvCxnSpPr>
         <p:spPr>
           <a:xfrm>
-            <a:off x="1504175" y="4812237"/>
-            <a:ext cx="880095" cy="1617030"/>
+            <a:off x="1504175" y="4187204"/>
+            <a:ext cx="880095" cy="2242063"/>
           </a:xfrm>
           <a:prstGeom prst="line">
             <a:avLst/>
@@ -4514,7 +4514,7 @@
                     <a:schemeClr val="tx1"/>
                   </a:solidFill>
                 </a:rPr>
-                <a:t>▼woody.mortality </a:t>
+                <a:t>▼*woody.mortality </a:t>
               </a:r>
               <a:r>
                 <a:rPr lang="en-US" sz="1000" i="1" baseline="30000" dirty="0">
@@ -4596,7 +4596,15 @@
                     <a:schemeClr val="tx1"/>
                   </a:solidFill>
                 </a:rPr>
-                <a:t> delta.biomass</a:t>
+                <a:t>*</a:t>
+              </a:r>
+              <a:r>
+                <a:rPr lang="en-US" sz="1000" i="1" dirty="0" err="1">
+                  <a:solidFill>
+                    <a:schemeClr val="tx1"/>
+                  </a:solidFill>
+                </a:rPr>
+                <a:t>delta.biomass</a:t>
               </a:r>
               <a:endParaRPr lang="en-US" sz="1000" dirty="0">
                 <a:solidFill>
@@ -4805,7 +4813,7 @@
                     <a:schemeClr val="tx1"/>
                   </a:solidFill>
                 </a:rPr>
-                <a:t>▲ </a:t>
+                <a:t>▲*</a:t>
               </a:r>
               <a:r>
                 <a:rPr lang="en-US" sz="1000" i="1" dirty="0">
@@ -4972,7 +4980,7 @@
                     <a:schemeClr val="tx1"/>
                   </a:solidFill>
                 </a:rPr>
-                <a:t> delta.deadwood </a:t>
+                <a:t>*delta.deadwood </a:t>
               </a:r>
               <a:r>
                 <a:rPr lang="en-US" sz="1000" i="1" baseline="30000" dirty="0" err="1">
@@ -5608,7 +5616,7 @@
         </p:nvSpPr>
         <p:spPr>
           <a:xfrm>
-            <a:off x="158935" y="4689126"/>
+            <a:off x="158935" y="4064093"/>
             <a:ext cx="1345240" cy="246221"/>
           </a:xfrm>
           <a:prstGeom prst="rect">
@@ -5739,7 +5747,31 @@
                     <a:schemeClr val="tx1"/>
                   </a:solidFill>
                 </a:rPr>
-                <a:t> delta.SOM, delta.SOC</a:t>
+                <a:t>*</a:t>
+              </a:r>
+              <a:r>
+                <a:rPr lang="en-US" sz="1000" i="1" dirty="0" err="1">
+                  <a:solidFill>
+                    <a:schemeClr val="tx1"/>
+                  </a:solidFill>
+                </a:rPr>
+                <a:t>delta.SOM</a:t>
+              </a:r>
+              <a:r>
+                <a:rPr lang="en-US" sz="1000" i="1" dirty="0">
+                  <a:solidFill>
+                    <a:schemeClr val="tx1"/>
+                  </a:solidFill>
+                </a:rPr>
+                <a:t>, *</a:t>
+              </a:r>
+              <a:r>
+                <a:rPr lang="en-US" sz="1000" i="1" dirty="0" err="1">
+                  <a:solidFill>
+                    <a:schemeClr val="tx1"/>
+                  </a:solidFill>
+                </a:rPr>
+                <a:t>delta.SOC</a:t>
               </a:r>
               <a:endParaRPr lang="en-US" sz="1000" dirty="0">
                 <a:solidFill>
@@ -6260,7 +6292,7 @@
                     <a:schemeClr val="tx1"/>
                   </a:solidFill>
                 </a:rPr>
-                <a:t> delta.O.horizon </a:t>
+                <a:t>*delta.O.horizon </a:t>
               </a:r>
               <a:r>
                 <a:rPr lang="en-US" sz="1000" baseline="30000" dirty="0" err="1">
@@ -6334,7 +6366,7 @@
                     <a:schemeClr val="tx1"/>
                   </a:solidFill>
                 </a:rPr>
-                <a:t>O.horizon </a:t>
+                <a:t>*O.horizon </a:t>
               </a:r>
               <a:r>
                 <a:rPr lang="en-US" sz="1000" i="1" baseline="30000" dirty="0" err="1">
@@ -6577,7 +6609,15 @@
                     <a:schemeClr val="tx1"/>
                   </a:solidFill>
                 </a:rPr>
-                <a:t> delta.biomass_root</a:t>
+                <a:t>*</a:t>
+              </a:r>
+              <a:r>
+                <a:rPr lang="en-US" sz="1000" i="1" dirty="0" err="1">
+                  <a:solidFill>
+                    <a:schemeClr val="tx1"/>
+                  </a:solidFill>
+                </a:rPr>
+                <a:t>delta.biomass_root</a:t>
               </a:r>
               <a:endParaRPr lang="en-US" sz="1000" dirty="0">
                 <a:solidFill>
@@ -6765,7 +6805,7 @@
                     <a:schemeClr val="tx1"/>
                   </a:solidFill>
                 </a:rPr>
-                <a:t>▼woody.mortality_root</a:t>
+                <a:t>▼*woody.mortality_root</a:t>
               </a:r>
             </a:p>
           </p:txBody>
@@ -7396,7 +7436,15 @@
                     <a:schemeClr val="tx1"/>
                   </a:solidFill>
                 </a:rPr>
-                <a:t> delta.deadwood_standing</a:t>
+                <a:t>*</a:t>
+              </a:r>
+              <a:r>
+                <a:rPr lang="en-US" sz="1000" i="1" dirty="0" err="1">
+                  <a:solidFill>
+                    <a:schemeClr val="tx1"/>
+                  </a:solidFill>
+                </a:rPr>
+                <a:t>delta.deadwood_standing</a:t>
               </a:r>
               <a:endParaRPr lang="en-US" sz="1000" dirty="0">
                 <a:solidFill>
@@ -7695,7 +7743,15 @@
                     <a:schemeClr val="tx1"/>
                   </a:solidFill>
                 </a:rPr>
-                <a:t> delta.deadwood_down</a:t>
+                <a:t>*</a:t>
+              </a:r>
+              <a:r>
+                <a:rPr lang="en-US" sz="1000" i="1" dirty="0" err="1">
+                  <a:solidFill>
+                    <a:schemeClr val="tx1"/>
+                  </a:solidFill>
+                </a:rPr>
+                <a:t>delta.deadwood_down</a:t>
               </a:r>
               <a:endParaRPr lang="en-US" sz="1000" dirty="0">
                 <a:solidFill>
@@ -8221,6 +8277,14 @@
                 </a:rPr>
                 <a:t> delta.agb</a:t>
               </a:r>
+              <a:r>
+                <a:rPr lang="en-US" sz="1000" i="1" baseline="30000" dirty="0">
+                  <a:solidFill>
+                    <a:schemeClr val="tx1"/>
+                  </a:solidFill>
+                </a:rPr>
+                <a:t> c</a:t>
+              </a:r>
               <a:endParaRPr lang="en-US" sz="1000" dirty="0">
                 <a:solidFill>
                   <a:schemeClr val="tx1"/>
@@ -8244,10 +8308,10 @@
         </p:nvGrpSpPr>
         <p:grpSpPr>
           <a:xfrm>
-            <a:off x="99630" y="5666922"/>
-            <a:ext cx="1523094" cy="1890161"/>
+            <a:off x="99630" y="5249240"/>
+            <a:ext cx="1737360" cy="2394390"/>
             <a:chOff x="94689" y="5167981"/>
-            <a:chExt cx="1523094" cy="1890161"/>
+            <a:chExt cx="1523094" cy="1961044"/>
           </a:xfrm>
         </p:grpSpPr>
         <p:grpSp>
@@ -8265,9 +8329,9 @@
           <p:grpSpPr>
             <a:xfrm>
               <a:off x="165029" y="5244259"/>
-              <a:ext cx="1371600" cy="1223293"/>
+              <a:ext cx="1371600" cy="1293633"/>
               <a:chOff x="90095" y="47552"/>
-              <a:chExt cx="1371600" cy="1223293"/>
+              <a:chExt cx="1371600" cy="1293633"/>
             </a:xfrm>
           </p:grpSpPr>
           <p:sp>
@@ -8284,7 +8348,7 @@
             </p:nvSpPr>
             <p:spPr>
               <a:xfrm>
-                <a:off x="90095" y="780186"/>
+                <a:off x="90095" y="850526"/>
                 <a:ext cx="1371600" cy="246221"/>
               </a:xfrm>
               <a:prstGeom prst="rect">
@@ -8334,7 +8398,7 @@
                       <a:schemeClr val="tx1"/>
                     </a:solidFill>
                   </a:rPr>
-                  <a:t>influx variable(s)</a:t>
+                  <a:t>influx (gain) variable(s)</a:t>
                 </a:r>
                 <a:endParaRPr lang="en-US" sz="1000" dirty="0">
                   <a:solidFill>
@@ -8358,7 +8422,7 @@
             </p:nvSpPr>
             <p:spPr>
               <a:xfrm>
-                <a:off x="90095" y="1024624"/>
+                <a:off x="90095" y="1094964"/>
                 <a:ext cx="1371600" cy="246221"/>
               </a:xfrm>
               <a:prstGeom prst="rect">
@@ -8400,7 +8464,7 @@
                       <a:schemeClr val="tx1"/>
                     </a:solidFill>
                   </a:rPr>
-                  <a:t>▼ outflux variable(s)</a:t>
+                  <a:t>▼ outflux (loss) variable(s)</a:t>
                 </a:r>
                 <a:endParaRPr lang="en-US" sz="1000" dirty="0">
                   <a:solidFill>
@@ -8425,7 +8489,7 @@
             <p:spPr>
               <a:xfrm>
                 <a:off x="90095" y="536478"/>
-                <a:ext cx="1371600" cy="246221"/>
+                <a:ext cx="1371600" cy="314048"/>
               </a:xfrm>
               <a:prstGeom prst="rect">
                 <a:avLst/>
@@ -8474,7 +8538,7 @@
                       <a:schemeClr val="tx1"/>
                     </a:solidFill>
                   </a:rPr>
-                  <a:t> increment variable(s)</a:t>
+                  <a:t> net increment (stock change) variable(s)</a:t>
                 </a:r>
                 <a:endParaRPr lang="en-US" sz="1000" dirty="0">
                   <a:solidFill>
@@ -8540,7 +8604,7 @@
                       <a:schemeClr val="tx1"/>
                     </a:solidFill>
                   </a:rPr>
-                  <a:t>ForC variable(s)</a:t>
+                  <a:t>stock variable(s)</a:t>
                 </a:r>
               </a:p>
             </p:txBody>
@@ -8622,9 +8686,9 @@
           <p:grpSpPr>
             <a:xfrm>
               <a:off x="204580" y="6504144"/>
-              <a:ext cx="1212221" cy="553998"/>
+              <a:ext cx="1160378" cy="624881"/>
               <a:chOff x="152739" y="1395185"/>
-              <a:chExt cx="1212221" cy="553998"/>
+              <a:chExt cx="1160378" cy="624881"/>
             </a:xfrm>
           </p:grpSpPr>
           <p:sp>
@@ -8641,7 +8705,7 @@
             </p:nvSpPr>
             <p:spPr>
               <a:xfrm>
-                <a:off x="152739" y="1698005"/>
+                <a:off x="152739" y="1773845"/>
                 <a:ext cx="253595" cy="246221"/>
               </a:xfrm>
               <a:prstGeom prst="rect">
@@ -8715,7 +8779,7 @@
             <p:spPr>
               <a:xfrm>
                 <a:off x="317878" y="1395185"/>
-                <a:ext cx="1047082" cy="553998"/>
+                <a:ext cx="995239" cy="579770"/>
               </a:xfrm>
               <a:prstGeom prst="rect">
                 <a:avLst/>
@@ -8741,6 +8805,20 @@
               <a:p>
                 <a:r>
                   <a:rPr lang="en-US" sz="1000" dirty="0"/>
+                  <a:t>new </a:t>
+                </a:r>
+                <a:r>
+                  <a:rPr lang="en-US" sz="1000" dirty="0" err="1"/>
+                  <a:t>ForC</a:t>
+                </a:r>
+                <a:r>
+                  <a:rPr lang="en-US" sz="1000" dirty="0"/>
+                  <a:t> variable</a:t>
+                </a:r>
+              </a:p>
+              <a:p>
+                <a:r>
+                  <a:rPr lang="en-US" sz="1000" dirty="0"/>
                   <a:t>no ForC variable</a:t>
                 </a:r>
               </a:p>
@@ -8760,7 +8838,7 @@
             </p:nvCxnSpPr>
             <p:spPr>
               <a:xfrm>
-                <a:off x="212834" y="1677903"/>
+                <a:off x="212834" y="1621023"/>
                 <a:ext cx="133407" cy="0"/>
               </a:xfrm>
               <a:prstGeom prst="straightConnector1">
@@ -9282,7 +9360,7 @@
                     <a:schemeClr val="tx1"/>
                   </a:solidFill>
                 </a:rPr>
-                <a:t>△  </a:t>
+                <a:t>△*</a:t>
               </a:r>
               <a:r>
                 <a:rPr lang="en-US" sz="1000" i="1" dirty="0">
@@ -9637,7 +9715,7 @@
                     <a:schemeClr val="tx1"/>
                   </a:solidFill>
                 </a:rPr>
-                <a:t>△  </a:t>
+                <a:t>△*</a:t>
               </a:r>
               <a:r>
                 <a:rPr lang="en-US" sz="1000" i="1" dirty="0">
@@ -9651,6 +9729,41 @@
           </p:txBody>
         </p:sp>
       </p:grpSp>
+      <p:sp>
+        <p:nvSpPr>
+          <p:cNvPr id="112" name="Rectangle 111">
+            <a:extLst>
+              <a:ext uri="{FF2B5EF4-FFF2-40B4-BE49-F238E27FC236}">
+                <a16:creationId xmlns:a16="http://schemas.microsoft.com/office/drawing/2014/main" id="{9CB43B45-D894-AA4A-B813-F79DEF4B36CE}"/>
+              </a:ext>
+            </a:extLst>
+          </p:cNvPr>
+          <p:cNvSpPr/>
+          <p:nvPr/>
+        </p:nvSpPr>
+        <p:spPr>
+          <a:xfrm>
+            <a:off x="247150" y="7229184"/>
+            <a:ext cx="248787" cy="246221"/>
+          </a:xfrm>
+          <a:prstGeom prst="rect">
+            <a:avLst/>
+          </a:prstGeom>
+        </p:spPr>
+        <p:txBody>
+          <a:bodyPr wrap="none">
+            <a:spAutoFit/>
+          </a:bodyPr>
+          <a:lstStyle/>
+          <a:p>
+            <a:pPr algn="ctr"/>
+            <a:r>
+              <a:rPr lang="en-US" sz="1000" dirty="0"/>
+              <a:t>*</a:t>
+            </a:r>
+          </a:p>
+        </p:txBody>
+      </p:sp>
     </p:spTree>
     <p:extLst>
       <p:ext uri="{BB962C8B-B14F-4D97-AF65-F5344CB8AC3E}">

--- a/doc/manuscript/figures_tables/C_variable_mapping_fig.pptx
+++ b/doc/manuscript/figures_tables/C_variable_mapping_fig.pptx
@@ -198,7 +198,7 @@
           <a:p>
             <a:fld id="{DB657656-E537-AA48-B575-F7F3A3DBC2DD}" type="datetimeFigureOut">
               <a:rPr lang="en-US" smtClean="0"/>
-              <a:t>4/18/22</a:t>
+              <a:t>5/8/23</a:t>
             </a:fld>
             <a:endParaRPr lang="en-US"/>
           </a:p>
@@ -764,7 +764,7 @@
           <a:p>
             <a:fld id="{6298E0E3-79FA-3742-AA7B-873C13C8E065}" type="datetimeFigureOut">
               <a:rPr lang="en-US" smtClean="0"/>
-              <a:t>4/18/22</a:t>
+              <a:t>5/8/23</a:t>
             </a:fld>
             <a:endParaRPr lang="en-US"/>
           </a:p>
@@ -934,7 +934,7 @@
           <a:p>
             <a:fld id="{6298E0E3-79FA-3742-AA7B-873C13C8E065}" type="datetimeFigureOut">
               <a:rPr lang="en-US" smtClean="0"/>
-              <a:t>4/18/22</a:t>
+              <a:t>5/8/23</a:t>
             </a:fld>
             <a:endParaRPr lang="en-US"/>
           </a:p>
@@ -1114,7 +1114,7 @@
           <a:p>
             <a:fld id="{6298E0E3-79FA-3742-AA7B-873C13C8E065}" type="datetimeFigureOut">
               <a:rPr lang="en-US" smtClean="0"/>
-              <a:t>4/18/22</a:t>
+              <a:t>5/8/23</a:t>
             </a:fld>
             <a:endParaRPr lang="en-US"/>
           </a:p>
@@ -1284,7 +1284,7 @@
           <a:p>
             <a:fld id="{6298E0E3-79FA-3742-AA7B-873C13C8E065}" type="datetimeFigureOut">
               <a:rPr lang="en-US" smtClean="0"/>
-              <a:t>4/18/22</a:t>
+              <a:t>5/8/23</a:t>
             </a:fld>
             <a:endParaRPr lang="en-US"/>
           </a:p>
@@ -1528,7 +1528,7 @@
           <a:p>
             <a:fld id="{6298E0E3-79FA-3742-AA7B-873C13C8E065}" type="datetimeFigureOut">
               <a:rPr lang="en-US" smtClean="0"/>
-              <a:t>4/18/22</a:t>
+              <a:t>5/8/23</a:t>
             </a:fld>
             <a:endParaRPr lang="en-US"/>
           </a:p>
@@ -1760,7 +1760,7 @@
           <a:p>
             <a:fld id="{6298E0E3-79FA-3742-AA7B-873C13C8E065}" type="datetimeFigureOut">
               <a:rPr lang="en-US" smtClean="0"/>
-              <a:t>4/18/22</a:t>
+              <a:t>5/8/23</a:t>
             </a:fld>
             <a:endParaRPr lang="en-US"/>
           </a:p>
@@ -2127,7 +2127,7 @@
           <a:p>
             <a:fld id="{6298E0E3-79FA-3742-AA7B-873C13C8E065}" type="datetimeFigureOut">
               <a:rPr lang="en-US" smtClean="0"/>
-              <a:t>4/18/22</a:t>
+              <a:t>5/8/23</a:t>
             </a:fld>
             <a:endParaRPr lang="en-US"/>
           </a:p>
@@ -2245,7 +2245,7 @@
           <a:p>
             <a:fld id="{6298E0E3-79FA-3742-AA7B-873C13C8E065}" type="datetimeFigureOut">
               <a:rPr lang="en-US" smtClean="0"/>
-              <a:t>4/18/22</a:t>
+              <a:t>5/8/23</a:t>
             </a:fld>
             <a:endParaRPr lang="en-US"/>
           </a:p>
@@ -2340,7 +2340,7 @@
           <a:p>
             <a:fld id="{6298E0E3-79FA-3742-AA7B-873C13C8E065}" type="datetimeFigureOut">
               <a:rPr lang="en-US" smtClean="0"/>
-              <a:t>4/18/22</a:t>
+              <a:t>5/8/23</a:t>
             </a:fld>
             <a:endParaRPr lang="en-US"/>
           </a:p>
@@ -2617,7 +2617,7 @@
           <a:p>
             <a:fld id="{6298E0E3-79FA-3742-AA7B-873C13C8E065}" type="datetimeFigureOut">
               <a:rPr lang="en-US" smtClean="0"/>
-              <a:t>4/18/22</a:t>
+              <a:t>5/8/23</a:t>
             </a:fld>
             <a:endParaRPr lang="en-US"/>
           </a:p>
@@ -2874,7 +2874,7 @@
           <a:p>
             <a:fld id="{6298E0E3-79FA-3742-AA7B-873C13C8E065}" type="datetimeFigureOut">
               <a:rPr lang="en-US" smtClean="0"/>
-              <a:t>4/18/22</a:t>
+              <a:t>5/8/23</a:t>
             </a:fld>
             <a:endParaRPr lang="en-US"/>
           </a:p>
@@ -3087,7 +3087,7 @@
           <a:p>
             <a:fld id="{6298E0E3-79FA-3742-AA7B-873C13C8E065}" type="datetimeFigureOut">
               <a:rPr lang="en-US" smtClean="0"/>
-              <a:t>4/18/22</a:t>
+              <a:t>5/8/23</a:t>
             </a:fld>
             <a:endParaRPr lang="en-US"/>
           </a:p>
@@ -4056,15 +4056,15 @@
                     <a:schemeClr val="tx1"/>
                   </a:solidFill>
                 </a:rPr>
-                <a:t>ANPP_woody </a:t>
-              </a:r>
-              <a:r>
-                <a:rPr lang="en-US" sz="1000" i="1" baseline="30000" dirty="0" err="1">
-                  <a:solidFill>
-                    <a:schemeClr val="tx1"/>
-                  </a:solidFill>
-                </a:rPr>
-                <a:t>a,c</a:t>
+                <a:t>ANPP_woody(_stem) </a:t>
+              </a:r>
+              <a:r>
+                <a:rPr lang="en-US" sz="1000" i="1" baseline="30000" dirty="0">
+                  <a:solidFill>
+                    <a:schemeClr val="tx1"/>
+                  </a:solidFill>
+                </a:rPr>
+                <a:t>a-c</a:t>
               </a:r>
               <a:endParaRPr lang="en-US" sz="1000" dirty="0">
                 <a:solidFill>
@@ -5258,7 +5258,7 @@
                     <a:schemeClr val="tx1"/>
                   </a:solidFill>
                 </a:rPr>
-                <a:t>ANPP_foliage </a:t>
+                <a:t>ANPP_foliage/_litterfall </a:t>
               </a:r>
               <a:r>
                 <a:rPr lang="en-US" sz="1000" i="1" baseline="30000" dirty="0">
@@ -5332,7 +5332,7 @@
                     <a:schemeClr val="tx1"/>
                   </a:solidFill>
                 </a:rPr>
-                <a:t>▼ ANPP_foliage </a:t>
+                <a:t>▼ ANPP_foliage /_litterfall </a:t>
               </a:r>
               <a:r>
                 <a:rPr lang="en-US" sz="1000" i="1" baseline="30000" dirty="0">
@@ -6112,7 +6112,7 @@
                     <a:schemeClr val="tx1"/>
                   </a:solidFill>
                 </a:rPr>
-                <a:t>▲ </a:t>
+                <a:t>▲ (A)</a:t>
               </a:r>
               <a:r>
                 <a:rPr lang="en-US" sz="1000" i="1" dirty="0">

--- a/doc/manuscript/figures_tables/C_variable_mapping_fig.pptx
+++ b/doc/manuscript/figures_tables/C_variable_mapping_fig.pptx
@@ -6115,12 +6115,20 @@
                 <a:t>▲ (A)</a:t>
               </a:r>
               <a:r>
+                <a:rPr lang="en-US" sz="1000" i="1" dirty="0" err="1">
+                  <a:solidFill>
+                    <a:schemeClr val="tx1"/>
+                  </a:solidFill>
+                </a:rPr>
+                <a:t>NPP_litter</a:t>
+              </a:r>
+              <a:r>
                 <a:rPr lang="en-US" sz="1000" i="1" dirty="0">
                   <a:solidFill>
                     <a:schemeClr val="tx1"/>
                   </a:solidFill>
                 </a:rPr>
-                <a:t>NPP_litterfall </a:t>
+                <a:t>(fall) </a:t>
               </a:r>
               <a:r>
                 <a:rPr lang="en-US" sz="1000" baseline="30000" dirty="0" err="1">

--- a/doc/manuscript/figures_tables/C_variable_mapping_fig.pptx
+++ b/doc/manuscript/figures_tables/C_variable_mapping_fig.pptx
@@ -198,7 +198,7 @@
           <a:p>
             <a:fld id="{DB657656-E537-AA48-B575-F7F3A3DBC2DD}" type="datetimeFigureOut">
               <a:rPr lang="en-US" smtClean="0"/>
-              <a:t>5/8/23</a:t>
+              <a:t>5/23/23</a:t>
             </a:fld>
             <a:endParaRPr lang="en-US"/>
           </a:p>
@@ -764,7 +764,7 @@
           <a:p>
             <a:fld id="{6298E0E3-79FA-3742-AA7B-873C13C8E065}" type="datetimeFigureOut">
               <a:rPr lang="en-US" smtClean="0"/>
-              <a:t>5/8/23</a:t>
+              <a:t>5/23/23</a:t>
             </a:fld>
             <a:endParaRPr lang="en-US"/>
           </a:p>
@@ -934,7 +934,7 @@
           <a:p>
             <a:fld id="{6298E0E3-79FA-3742-AA7B-873C13C8E065}" type="datetimeFigureOut">
               <a:rPr lang="en-US" smtClean="0"/>
-              <a:t>5/8/23</a:t>
+              <a:t>5/23/23</a:t>
             </a:fld>
             <a:endParaRPr lang="en-US"/>
           </a:p>
@@ -1114,7 +1114,7 @@
           <a:p>
             <a:fld id="{6298E0E3-79FA-3742-AA7B-873C13C8E065}" type="datetimeFigureOut">
               <a:rPr lang="en-US" smtClean="0"/>
-              <a:t>5/8/23</a:t>
+              <a:t>5/23/23</a:t>
             </a:fld>
             <a:endParaRPr lang="en-US"/>
           </a:p>
@@ -1284,7 +1284,7 @@
           <a:p>
             <a:fld id="{6298E0E3-79FA-3742-AA7B-873C13C8E065}" type="datetimeFigureOut">
               <a:rPr lang="en-US" smtClean="0"/>
-              <a:t>5/8/23</a:t>
+              <a:t>5/23/23</a:t>
             </a:fld>
             <a:endParaRPr lang="en-US"/>
           </a:p>
@@ -1528,7 +1528,7 @@
           <a:p>
             <a:fld id="{6298E0E3-79FA-3742-AA7B-873C13C8E065}" type="datetimeFigureOut">
               <a:rPr lang="en-US" smtClean="0"/>
-              <a:t>5/8/23</a:t>
+              <a:t>5/23/23</a:t>
             </a:fld>
             <a:endParaRPr lang="en-US"/>
           </a:p>
@@ -1760,7 +1760,7 @@
           <a:p>
             <a:fld id="{6298E0E3-79FA-3742-AA7B-873C13C8E065}" type="datetimeFigureOut">
               <a:rPr lang="en-US" smtClean="0"/>
-              <a:t>5/8/23</a:t>
+              <a:t>5/23/23</a:t>
             </a:fld>
             <a:endParaRPr lang="en-US"/>
           </a:p>
@@ -2127,7 +2127,7 @@
           <a:p>
             <a:fld id="{6298E0E3-79FA-3742-AA7B-873C13C8E065}" type="datetimeFigureOut">
               <a:rPr lang="en-US" smtClean="0"/>
-              <a:t>5/8/23</a:t>
+              <a:t>5/23/23</a:t>
             </a:fld>
             <a:endParaRPr lang="en-US"/>
           </a:p>
@@ -2245,7 +2245,7 @@
           <a:p>
             <a:fld id="{6298E0E3-79FA-3742-AA7B-873C13C8E065}" type="datetimeFigureOut">
               <a:rPr lang="en-US" smtClean="0"/>
-              <a:t>5/8/23</a:t>
+              <a:t>5/23/23</a:t>
             </a:fld>
             <a:endParaRPr lang="en-US"/>
           </a:p>
@@ -2340,7 +2340,7 @@
           <a:p>
             <a:fld id="{6298E0E3-79FA-3742-AA7B-873C13C8E065}" type="datetimeFigureOut">
               <a:rPr lang="en-US" smtClean="0"/>
-              <a:t>5/8/23</a:t>
+              <a:t>5/23/23</a:t>
             </a:fld>
             <a:endParaRPr lang="en-US"/>
           </a:p>
@@ -2617,7 +2617,7 @@
           <a:p>
             <a:fld id="{6298E0E3-79FA-3742-AA7B-873C13C8E065}" type="datetimeFigureOut">
               <a:rPr lang="en-US" smtClean="0"/>
-              <a:t>5/8/23</a:t>
+              <a:t>5/23/23</a:t>
             </a:fld>
             <a:endParaRPr lang="en-US"/>
           </a:p>
@@ -2874,7 +2874,7 @@
           <a:p>
             <a:fld id="{6298E0E3-79FA-3742-AA7B-873C13C8E065}" type="datetimeFigureOut">
               <a:rPr lang="en-US" smtClean="0"/>
-              <a:t>5/8/23</a:t>
+              <a:t>5/23/23</a:t>
             </a:fld>
             <a:endParaRPr lang="en-US"/>
           </a:p>
@@ -3087,7 +3087,7 @@
           <a:p>
             <a:fld id="{6298E0E3-79FA-3742-AA7B-873C13C8E065}" type="datetimeFigureOut">
               <a:rPr lang="en-US" smtClean="0"/>
-              <a:t>5/8/23</a:t>
+              <a:t>5/23/23</a:t>
             </a:fld>
             <a:endParaRPr lang="en-US"/>
           </a:p>
@@ -6025,7 +6025,7 @@
                     <a:schemeClr val="tx1"/>
                   </a:solidFill>
                 </a:rPr>
-                <a:t>▼ R_het_soil</a:t>
+                <a:t>▼ R_het_soil**</a:t>
               </a:r>
               <a:endParaRPr lang="en-US" sz="1000" dirty="0">
                 <a:solidFill>

--- a/doc/manuscript/figures_tables/C_variable_mapping_fig.pptx
+++ b/doc/manuscript/figures_tables/C_variable_mapping_fig.pptx
@@ -5,11 +5,10 @@
     <p:sldMasterId id="2147483660" r:id="rId1"/>
   </p:sldMasterIdLst>
   <p:notesMasterIdLst>
-    <p:notesMasterId r:id="rId4"/>
+    <p:notesMasterId r:id="rId3"/>
   </p:notesMasterIdLst>
   <p:sldIdLst>
     <p:sldId id="256" r:id="rId2"/>
-    <p:sldId id="257" r:id="rId3"/>
   </p:sldIdLst>
   <p:sldSz cx="6858000" cy="9144000" type="letter"/>
   <p:notesSz cx="6858000" cy="9144000"/>
@@ -198,7 +197,7 @@
           <a:p>
             <a:fld id="{DB657656-E537-AA48-B575-F7F3A3DBC2DD}" type="datetimeFigureOut">
               <a:rPr lang="en-US" smtClean="0"/>
-              <a:t>5/23/23</a:t>
+              <a:t>6/9/23</a:t>
             </a:fld>
             <a:endParaRPr lang="en-US"/>
           </a:p>
@@ -549,90 +548,6 @@
 </p:notes>
 </file>
 
-<file path=ppt/notesSlides/notesSlide2.xml><?xml version="1.0" encoding="utf-8"?>
-<p:notes xmlns:a="http://schemas.openxmlformats.org/drawingml/2006/main" xmlns:r="http://schemas.openxmlformats.org/officeDocument/2006/relationships" xmlns:p="http://schemas.openxmlformats.org/presentationml/2006/main">
-  <p:cSld>
-    <p:spTree>
-      <p:nvGrpSpPr>
-        <p:cNvPr id="1" name=""/>
-        <p:cNvGrpSpPr/>
-        <p:nvPr/>
-      </p:nvGrpSpPr>
-      <p:grpSpPr>
-        <a:xfrm>
-          <a:off x="0" y="0"/>
-          <a:ext cx="0" cy="0"/>
-          <a:chOff x="0" y="0"/>
-          <a:chExt cx="0" cy="0"/>
-        </a:xfrm>
-      </p:grpSpPr>
-      <p:sp>
-        <p:nvSpPr>
-          <p:cNvPr id="2" name="Slide Image Placeholder 1"/>
-          <p:cNvSpPr>
-            <a:spLocks noGrp="1" noRot="1" noChangeAspect="1"/>
-          </p:cNvSpPr>
-          <p:nvPr>
-            <p:ph type="sldImg"/>
-          </p:nvPr>
-        </p:nvSpPr>
-        <p:spPr/>
-      </p:sp>
-      <p:sp>
-        <p:nvSpPr>
-          <p:cNvPr id="3" name="Notes Placeholder 2"/>
-          <p:cNvSpPr>
-            <a:spLocks noGrp="1"/>
-          </p:cNvSpPr>
-          <p:nvPr>
-            <p:ph type="body" idx="1"/>
-          </p:nvPr>
-        </p:nvSpPr>
-        <p:spPr/>
-        <p:txBody>
-          <a:bodyPr/>
-          <a:lstStyle/>
-          <a:p>
-            <a:endParaRPr lang="en-US" dirty="0"/>
-          </a:p>
-        </p:txBody>
-      </p:sp>
-      <p:sp>
-        <p:nvSpPr>
-          <p:cNvPr id="4" name="Slide Number Placeholder 3"/>
-          <p:cNvSpPr>
-            <a:spLocks noGrp="1"/>
-          </p:cNvSpPr>
-          <p:nvPr>
-            <p:ph type="sldNum" sz="quarter" idx="5"/>
-          </p:nvPr>
-        </p:nvSpPr>
-        <p:spPr/>
-        <p:txBody>
-          <a:bodyPr/>
-          <a:lstStyle/>
-          <a:p>
-            <a:fld id="{C481CE7E-89F7-694E-8FCF-CB4663C5E526}" type="slidenum">
-              <a:rPr lang="en-US" smtClean="0"/>
-              <a:t>2</a:t>
-            </a:fld>
-            <a:endParaRPr lang="en-US"/>
-          </a:p>
-        </p:txBody>
-      </p:sp>
-    </p:spTree>
-    <p:extLst>
-      <p:ext uri="{BB962C8B-B14F-4D97-AF65-F5344CB8AC3E}">
-        <p14:creationId xmlns:p14="http://schemas.microsoft.com/office/powerpoint/2010/main" val="2289891222"/>
-      </p:ext>
-    </p:extLst>
-  </p:cSld>
-  <p:clrMapOvr>
-    <a:masterClrMapping/>
-  </p:clrMapOvr>
-</p:notes>
-</file>
-
 <file path=ppt/slideLayouts/slideLayout1.xml><?xml version="1.0" encoding="utf-8"?>
 <p:sldLayout xmlns:a="http://schemas.openxmlformats.org/drawingml/2006/main" xmlns:r="http://schemas.openxmlformats.org/officeDocument/2006/relationships" xmlns:p="http://schemas.openxmlformats.org/presentationml/2006/main" type="title" preserve="1">
   <p:cSld name="Title Slide">
@@ -764,7 +679,7 @@
           <a:p>
             <a:fld id="{6298E0E3-79FA-3742-AA7B-873C13C8E065}" type="datetimeFigureOut">
               <a:rPr lang="en-US" smtClean="0"/>
-              <a:t>5/23/23</a:t>
+              <a:t>6/9/23</a:t>
             </a:fld>
             <a:endParaRPr lang="en-US"/>
           </a:p>
@@ -934,7 +849,7 @@
           <a:p>
             <a:fld id="{6298E0E3-79FA-3742-AA7B-873C13C8E065}" type="datetimeFigureOut">
               <a:rPr lang="en-US" smtClean="0"/>
-              <a:t>5/23/23</a:t>
+              <a:t>6/9/23</a:t>
             </a:fld>
             <a:endParaRPr lang="en-US"/>
           </a:p>
@@ -1114,7 +1029,7 @@
           <a:p>
             <a:fld id="{6298E0E3-79FA-3742-AA7B-873C13C8E065}" type="datetimeFigureOut">
               <a:rPr lang="en-US" smtClean="0"/>
-              <a:t>5/23/23</a:t>
+              <a:t>6/9/23</a:t>
             </a:fld>
             <a:endParaRPr lang="en-US"/>
           </a:p>
@@ -1284,7 +1199,7 @@
           <a:p>
             <a:fld id="{6298E0E3-79FA-3742-AA7B-873C13C8E065}" type="datetimeFigureOut">
               <a:rPr lang="en-US" smtClean="0"/>
-              <a:t>5/23/23</a:t>
+              <a:t>6/9/23</a:t>
             </a:fld>
             <a:endParaRPr lang="en-US"/>
           </a:p>
@@ -1528,7 +1443,7 @@
           <a:p>
             <a:fld id="{6298E0E3-79FA-3742-AA7B-873C13C8E065}" type="datetimeFigureOut">
               <a:rPr lang="en-US" smtClean="0"/>
-              <a:t>5/23/23</a:t>
+              <a:t>6/9/23</a:t>
             </a:fld>
             <a:endParaRPr lang="en-US"/>
           </a:p>
@@ -1760,7 +1675,7 @@
           <a:p>
             <a:fld id="{6298E0E3-79FA-3742-AA7B-873C13C8E065}" type="datetimeFigureOut">
               <a:rPr lang="en-US" smtClean="0"/>
-              <a:t>5/23/23</a:t>
+              <a:t>6/9/23</a:t>
             </a:fld>
             <a:endParaRPr lang="en-US"/>
           </a:p>
@@ -2127,7 +2042,7 @@
           <a:p>
             <a:fld id="{6298E0E3-79FA-3742-AA7B-873C13C8E065}" type="datetimeFigureOut">
               <a:rPr lang="en-US" smtClean="0"/>
-              <a:t>5/23/23</a:t>
+              <a:t>6/9/23</a:t>
             </a:fld>
             <a:endParaRPr lang="en-US"/>
           </a:p>
@@ -2245,7 +2160,7 @@
           <a:p>
             <a:fld id="{6298E0E3-79FA-3742-AA7B-873C13C8E065}" type="datetimeFigureOut">
               <a:rPr lang="en-US" smtClean="0"/>
-              <a:t>5/23/23</a:t>
+              <a:t>6/9/23</a:t>
             </a:fld>
             <a:endParaRPr lang="en-US"/>
           </a:p>
@@ -2340,7 +2255,7 @@
           <a:p>
             <a:fld id="{6298E0E3-79FA-3742-AA7B-873C13C8E065}" type="datetimeFigureOut">
               <a:rPr lang="en-US" smtClean="0"/>
-              <a:t>5/23/23</a:t>
+              <a:t>6/9/23</a:t>
             </a:fld>
             <a:endParaRPr lang="en-US"/>
           </a:p>
@@ -2617,7 +2532,7 @@
           <a:p>
             <a:fld id="{6298E0E3-79FA-3742-AA7B-873C13C8E065}" type="datetimeFigureOut">
               <a:rPr lang="en-US" smtClean="0"/>
-              <a:t>5/23/23</a:t>
+              <a:t>6/9/23</a:t>
             </a:fld>
             <a:endParaRPr lang="en-US"/>
           </a:p>
@@ -2874,7 +2789,7 @@
           <a:p>
             <a:fld id="{6298E0E3-79FA-3742-AA7B-873C13C8E065}" type="datetimeFigureOut">
               <a:rPr lang="en-US" smtClean="0"/>
-              <a:t>5/23/23</a:t>
+              <a:t>6/9/23</a:t>
             </a:fld>
             <a:endParaRPr lang="en-US"/>
           </a:p>
@@ -3087,7 +3002,7 @@
           <a:p>
             <a:fld id="{6298E0E3-79FA-3742-AA7B-873C13C8E065}" type="datetimeFigureOut">
               <a:rPr lang="en-US" smtClean="0"/>
-              <a:t>5/23/23</a:t>
+              <a:t>6/9/23</a:t>
             </a:fld>
             <a:endParaRPr lang="en-US"/>
           </a:p>
@@ -8316,10 +8231,10 @@
         </p:nvGrpSpPr>
         <p:grpSpPr>
           <a:xfrm>
-            <a:off x="99630" y="5249240"/>
-            <a:ext cx="1737360" cy="2394390"/>
-            <a:chOff x="94689" y="5167981"/>
-            <a:chExt cx="1523094" cy="1961044"/>
+            <a:off x="139724" y="5242216"/>
+            <a:ext cx="1737360" cy="2322756"/>
+            <a:chOff x="86740" y="5226650"/>
+            <a:chExt cx="1523094" cy="1902375"/>
           </a:xfrm>
         </p:grpSpPr>
         <p:grpSp>
@@ -8336,10 +8251,10 @@
           </p:nvGrpSpPr>
           <p:grpSpPr>
             <a:xfrm>
-              <a:off x="165029" y="5244259"/>
-              <a:ext cx="1371600" cy="1293633"/>
-              <a:chOff x="90095" y="47552"/>
-              <a:chExt cx="1371600" cy="1293633"/>
+              <a:off x="165029" y="5284524"/>
+              <a:ext cx="1371600" cy="1229211"/>
+              <a:chOff x="90095" y="87817"/>
+              <a:chExt cx="1371600" cy="1229211"/>
             </a:xfrm>
           </p:grpSpPr>
           <p:sp>
@@ -8356,7 +8271,7 @@
             </p:nvSpPr>
             <p:spPr>
               <a:xfrm>
-                <a:off x="90095" y="850526"/>
+                <a:off x="90095" y="826367"/>
                 <a:ext cx="1371600" cy="246221"/>
               </a:xfrm>
               <a:prstGeom prst="rect">
@@ -8406,7 +8321,7 @@
                       <a:schemeClr val="tx1"/>
                     </a:solidFill>
                   </a:rPr>
-                  <a:t>influx (gain) variable(s)</a:t>
+                  <a:t>influx variable(s)</a:t>
                 </a:r>
                 <a:endParaRPr lang="en-US" sz="1000" dirty="0">
                   <a:solidFill>
@@ -8430,7 +8345,7 @@
             </p:nvSpPr>
             <p:spPr>
               <a:xfrm>
-                <a:off x="90095" y="1094964"/>
+                <a:off x="90095" y="1070807"/>
                 <a:ext cx="1371600" cy="246221"/>
               </a:xfrm>
               <a:prstGeom prst="rect">
@@ -8472,7 +8387,7 @@
                       <a:schemeClr val="tx1"/>
                     </a:solidFill>
                   </a:rPr>
-                  <a:t>▼ outflux (loss) variable(s)</a:t>
+                  <a:t>▼ outflux variable(s)</a:t>
                 </a:r>
                 <a:endParaRPr lang="en-US" sz="1000" dirty="0">
                   <a:solidFill>
@@ -8496,8 +8411,8 @@
             </p:nvSpPr>
             <p:spPr>
               <a:xfrm>
-                <a:off x="90095" y="536478"/>
-                <a:ext cx="1371600" cy="314048"/>
+                <a:off x="90095" y="576740"/>
+                <a:ext cx="1371600" cy="247140"/>
               </a:xfrm>
               <a:prstGeom prst="rect">
                 <a:avLst/>
@@ -8546,7 +8461,7 @@
                       <a:schemeClr val="tx1"/>
                     </a:solidFill>
                   </a:rPr>
-                  <a:t> net increment (stock change) variable(s)</a:t>
+                  <a:t> net increment variable(s)</a:t>
                 </a:r>
                 <a:endParaRPr lang="en-US" sz="1000" dirty="0">
                   <a:solidFill>
@@ -8570,7 +8485,7 @@
             </p:nvSpPr>
             <p:spPr>
               <a:xfrm>
-                <a:off x="90095" y="291480"/>
+                <a:off x="90095" y="331745"/>
                 <a:ext cx="1371600" cy="246221"/>
               </a:xfrm>
               <a:prstGeom prst="rect">
@@ -8631,7 +8546,7 @@
             </p:nvSpPr>
             <p:spPr>
               <a:xfrm>
-                <a:off x="90095" y="47552"/>
+                <a:off x="90095" y="87817"/>
                 <a:ext cx="1371600" cy="246221"/>
               </a:xfrm>
               <a:prstGeom prst="rect">
@@ -8893,7 +8808,7 @@
           </p:nvSpPr>
           <p:spPr>
             <a:xfrm>
-              <a:off x="94689" y="5167981"/>
+              <a:off x="86740" y="5226650"/>
               <a:ext cx="1523094" cy="1867369"/>
             </a:xfrm>
             <a:prstGeom prst="rect">
@@ -9751,7 +9666,7 @@
         </p:nvSpPr>
         <p:spPr>
           <a:xfrm>
-            <a:off x="247150" y="7229184"/>
+            <a:off x="286478" y="7140696"/>
             <a:ext cx="248787" cy="246221"/>
           </a:xfrm>
           <a:prstGeom prst="rect">
@@ -9776,6374 +9691,6 @@
     <p:extLst>
       <p:ext uri="{BB962C8B-B14F-4D97-AF65-F5344CB8AC3E}">
         <p14:creationId xmlns:p14="http://schemas.microsoft.com/office/powerpoint/2010/main" val="679528340"/>
-      </p:ext>
-    </p:extLst>
-  </p:cSld>
-  <p:clrMapOvr>
-    <a:masterClrMapping/>
-  </p:clrMapOvr>
-</p:sld>
-</file>
-
-<file path=ppt/slides/slide2.xml><?xml version="1.0" encoding="utf-8"?>
-<p:sld xmlns:a="http://schemas.openxmlformats.org/drawingml/2006/main" xmlns:r="http://schemas.openxmlformats.org/officeDocument/2006/relationships" xmlns:p="http://schemas.openxmlformats.org/presentationml/2006/main">
-  <p:cSld>
-    <p:spTree>
-      <p:nvGrpSpPr>
-        <p:cNvPr id="1" name=""/>
-        <p:cNvGrpSpPr/>
-        <p:nvPr/>
-      </p:nvGrpSpPr>
-      <p:grpSpPr>
-        <a:xfrm>
-          <a:off x="0" y="0"/>
-          <a:ext cx="0" cy="0"/>
-          <a:chOff x="0" y="0"/>
-          <a:chExt cx="0" cy="0"/>
-        </a:xfrm>
-      </p:grpSpPr>
-      <p:cxnSp>
-        <p:nvCxnSpPr>
-          <p:cNvPr id="37" name="Straight Connector 36">
-            <a:extLst>
-              <a:ext uri="{FF2B5EF4-FFF2-40B4-BE49-F238E27FC236}">
-                <a16:creationId xmlns:a16="http://schemas.microsoft.com/office/drawing/2014/main" id="{BAD86A37-021F-1D4C-8884-9170DA1B4F98}"/>
-              </a:ext>
-            </a:extLst>
-          </p:cNvPr>
-          <p:cNvCxnSpPr>
-            <a:cxnSpLocks/>
-            <a:stCxn id="330" idx="3"/>
-            <a:endCxn id="302" idx="1"/>
-          </p:cNvCxnSpPr>
-          <p:nvPr/>
-        </p:nvCxnSpPr>
-        <p:spPr>
-          <a:xfrm>
-            <a:off x="1441780" y="2805438"/>
-            <a:ext cx="184211" cy="1420356"/>
-          </a:xfrm>
-          <a:prstGeom prst="line">
-            <a:avLst/>
-          </a:prstGeom>
-        </p:spPr>
-        <p:style>
-          <a:lnRef idx="1">
-            <a:schemeClr val="dk1"/>
-          </a:lnRef>
-          <a:fillRef idx="0">
-            <a:schemeClr val="dk1"/>
-          </a:fillRef>
-          <a:effectRef idx="0">
-            <a:schemeClr val="dk1"/>
-          </a:effectRef>
-          <a:fontRef idx="minor">
-            <a:schemeClr val="tx1"/>
-          </a:fontRef>
-        </p:style>
-      </p:cxnSp>
-      <p:cxnSp>
-        <p:nvCxnSpPr>
-          <p:cNvPr id="39" name="Straight Connector 38">
-            <a:extLst>
-              <a:ext uri="{FF2B5EF4-FFF2-40B4-BE49-F238E27FC236}">
-                <a16:creationId xmlns:a16="http://schemas.microsoft.com/office/drawing/2014/main" id="{91865953-4C26-A149-96C1-7E070F840A37}"/>
-              </a:ext>
-            </a:extLst>
-          </p:cNvPr>
-          <p:cNvCxnSpPr>
-            <a:cxnSpLocks/>
-            <a:stCxn id="330" idx="3"/>
-            <a:endCxn id="260" idx="1"/>
-          </p:cNvCxnSpPr>
-          <p:nvPr/>
-        </p:nvCxnSpPr>
-        <p:spPr>
-          <a:xfrm flipV="1">
-            <a:off x="1441780" y="1380026"/>
-            <a:ext cx="184211" cy="1425412"/>
-          </a:xfrm>
-          <a:prstGeom prst="line">
-            <a:avLst/>
-          </a:prstGeom>
-        </p:spPr>
-        <p:style>
-          <a:lnRef idx="1">
-            <a:schemeClr val="dk1"/>
-          </a:lnRef>
-          <a:fillRef idx="0">
-            <a:schemeClr val="dk1"/>
-          </a:fillRef>
-          <a:effectRef idx="0">
-            <a:schemeClr val="dk1"/>
-          </a:effectRef>
-          <a:fontRef idx="minor">
-            <a:schemeClr val="tx1"/>
-          </a:fontRef>
-        </p:style>
-      </p:cxnSp>
-      <p:cxnSp>
-        <p:nvCxnSpPr>
-          <p:cNvPr id="42" name="Straight Connector 41">
-            <a:extLst>
-              <a:ext uri="{FF2B5EF4-FFF2-40B4-BE49-F238E27FC236}">
-                <a16:creationId xmlns:a16="http://schemas.microsoft.com/office/drawing/2014/main" id="{9C4372F6-4728-6648-A2BD-A924D88F5FA8}"/>
-              </a:ext>
-            </a:extLst>
-          </p:cNvPr>
-          <p:cNvCxnSpPr>
-            <a:cxnSpLocks/>
-            <a:stCxn id="330" idx="3"/>
-            <a:endCxn id="309" idx="1"/>
-          </p:cNvCxnSpPr>
-          <p:nvPr/>
-        </p:nvCxnSpPr>
-        <p:spPr>
-          <a:xfrm>
-            <a:off x="1441780" y="2805438"/>
-            <a:ext cx="184211" cy="3145443"/>
-          </a:xfrm>
-          <a:prstGeom prst="line">
-            <a:avLst/>
-          </a:prstGeom>
-        </p:spPr>
-        <p:style>
-          <a:lnRef idx="1">
-            <a:schemeClr val="dk1"/>
-          </a:lnRef>
-          <a:fillRef idx="0">
-            <a:schemeClr val="dk1"/>
-          </a:fillRef>
-          <a:effectRef idx="0">
-            <a:schemeClr val="dk1"/>
-          </a:effectRef>
-          <a:fontRef idx="minor">
-            <a:schemeClr val="tx1"/>
-          </a:fontRef>
-        </p:style>
-      </p:cxnSp>
-      <p:cxnSp>
-        <p:nvCxnSpPr>
-          <p:cNvPr id="84" name="Straight Connector 83">
-            <a:extLst>
-              <a:ext uri="{FF2B5EF4-FFF2-40B4-BE49-F238E27FC236}">
-                <a16:creationId xmlns:a16="http://schemas.microsoft.com/office/drawing/2014/main" id="{7DF60959-E702-3B40-A638-4A71FF213310}"/>
-              </a:ext>
-            </a:extLst>
-          </p:cNvPr>
-          <p:cNvCxnSpPr>
-            <a:cxnSpLocks/>
-            <a:stCxn id="260" idx="3"/>
-            <a:endCxn id="251" idx="1"/>
-          </p:cNvCxnSpPr>
-          <p:nvPr/>
-        </p:nvCxnSpPr>
-        <p:spPr>
-          <a:xfrm flipV="1">
-            <a:off x="2971231" y="195822"/>
-            <a:ext cx="176461" cy="1184204"/>
-          </a:xfrm>
-          <a:prstGeom prst="line">
-            <a:avLst/>
-          </a:prstGeom>
-        </p:spPr>
-        <p:style>
-          <a:lnRef idx="1">
-            <a:schemeClr val="dk1"/>
-          </a:lnRef>
-          <a:fillRef idx="0">
-            <a:schemeClr val="dk1"/>
-          </a:fillRef>
-          <a:effectRef idx="0">
-            <a:schemeClr val="dk1"/>
-          </a:effectRef>
-          <a:fontRef idx="minor">
-            <a:schemeClr val="tx1"/>
-          </a:fontRef>
-        </p:style>
-      </p:cxnSp>
-      <p:cxnSp>
-        <p:nvCxnSpPr>
-          <p:cNvPr id="87" name="Straight Connector 86">
-            <a:extLst>
-              <a:ext uri="{FF2B5EF4-FFF2-40B4-BE49-F238E27FC236}">
-                <a16:creationId xmlns:a16="http://schemas.microsoft.com/office/drawing/2014/main" id="{6A1C04E0-F0BE-C04F-B3DB-A065BFAA9A47}"/>
-              </a:ext>
-            </a:extLst>
-          </p:cNvPr>
-          <p:cNvCxnSpPr>
-            <a:cxnSpLocks/>
-            <a:stCxn id="295" idx="1"/>
-            <a:endCxn id="260" idx="3"/>
-          </p:cNvCxnSpPr>
-          <p:nvPr/>
-        </p:nvCxnSpPr>
-        <p:spPr>
-          <a:xfrm flipH="1" flipV="1">
-            <a:off x="2971231" y="1380026"/>
-            <a:ext cx="176461" cy="252368"/>
-          </a:xfrm>
-          <a:prstGeom prst="line">
-            <a:avLst/>
-          </a:prstGeom>
-        </p:spPr>
-        <p:style>
-          <a:lnRef idx="1">
-            <a:schemeClr val="dk1"/>
-          </a:lnRef>
-          <a:fillRef idx="0">
-            <a:schemeClr val="dk1"/>
-          </a:fillRef>
-          <a:effectRef idx="0">
-            <a:schemeClr val="dk1"/>
-          </a:effectRef>
-          <a:fontRef idx="minor">
-            <a:schemeClr val="tx1"/>
-          </a:fontRef>
-        </p:style>
-      </p:cxnSp>
-      <p:cxnSp>
-        <p:nvCxnSpPr>
-          <p:cNvPr id="97" name="Straight Connector 96">
-            <a:extLst>
-              <a:ext uri="{FF2B5EF4-FFF2-40B4-BE49-F238E27FC236}">
-                <a16:creationId xmlns:a16="http://schemas.microsoft.com/office/drawing/2014/main" id="{9A8AB17D-ED06-544F-9B79-807657A7760B}"/>
-              </a:ext>
-            </a:extLst>
-          </p:cNvPr>
-          <p:cNvCxnSpPr>
-            <a:cxnSpLocks/>
-            <a:stCxn id="302" idx="3"/>
-            <a:endCxn id="276" idx="1"/>
-          </p:cNvCxnSpPr>
-          <p:nvPr/>
-        </p:nvCxnSpPr>
-        <p:spPr>
-          <a:xfrm flipV="1">
-            <a:off x="2971231" y="3064922"/>
-            <a:ext cx="176461" cy="1160872"/>
-          </a:xfrm>
-          <a:prstGeom prst="line">
-            <a:avLst/>
-          </a:prstGeom>
-        </p:spPr>
-        <p:style>
-          <a:lnRef idx="1">
-            <a:schemeClr val="dk1"/>
-          </a:lnRef>
-          <a:fillRef idx="0">
-            <a:schemeClr val="dk1"/>
-          </a:fillRef>
-          <a:effectRef idx="0">
-            <a:schemeClr val="dk1"/>
-          </a:effectRef>
-          <a:fontRef idx="minor">
-            <a:schemeClr val="tx1"/>
-          </a:fontRef>
-        </p:style>
-      </p:cxnSp>
-      <p:cxnSp>
-        <p:nvCxnSpPr>
-          <p:cNvPr id="111" name="Straight Connector 110">
-            <a:extLst>
-              <a:ext uri="{FF2B5EF4-FFF2-40B4-BE49-F238E27FC236}">
-                <a16:creationId xmlns:a16="http://schemas.microsoft.com/office/drawing/2014/main" id="{8DE235AD-D36B-8947-9EBB-AD349290F1D5}"/>
-              </a:ext>
-            </a:extLst>
-          </p:cNvPr>
-          <p:cNvCxnSpPr>
-            <a:cxnSpLocks/>
-            <a:stCxn id="302" idx="3"/>
-            <a:endCxn id="339" idx="1"/>
-          </p:cNvCxnSpPr>
-          <p:nvPr/>
-        </p:nvCxnSpPr>
-        <p:spPr>
-          <a:xfrm>
-            <a:off x="2971231" y="4225794"/>
-            <a:ext cx="176461" cy="275699"/>
-          </a:xfrm>
-          <a:prstGeom prst="line">
-            <a:avLst/>
-          </a:prstGeom>
-        </p:spPr>
-        <p:style>
-          <a:lnRef idx="1">
-            <a:schemeClr val="dk1"/>
-          </a:lnRef>
-          <a:fillRef idx="0">
-            <a:schemeClr val="dk1"/>
-          </a:fillRef>
-          <a:effectRef idx="0">
-            <a:schemeClr val="dk1"/>
-          </a:effectRef>
-          <a:fontRef idx="minor">
-            <a:schemeClr val="tx1"/>
-          </a:fontRef>
-        </p:style>
-      </p:cxnSp>
-      <p:cxnSp>
-        <p:nvCxnSpPr>
-          <p:cNvPr id="121" name="Straight Connector 120">
-            <a:extLst>
-              <a:ext uri="{FF2B5EF4-FFF2-40B4-BE49-F238E27FC236}">
-                <a16:creationId xmlns:a16="http://schemas.microsoft.com/office/drawing/2014/main" id="{9E3C303F-7858-D64E-9D9E-4769967198F0}"/>
-              </a:ext>
-            </a:extLst>
-          </p:cNvPr>
-          <p:cNvCxnSpPr>
-            <a:cxnSpLocks/>
-            <a:stCxn id="309" idx="3"/>
-            <a:endCxn id="320" idx="1"/>
-          </p:cNvCxnSpPr>
-          <p:nvPr/>
-        </p:nvCxnSpPr>
-        <p:spPr>
-          <a:xfrm flipV="1">
-            <a:off x="2971231" y="5938397"/>
-            <a:ext cx="176461" cy="12484"/>
-          </a:xfrm>
-          <a:prstGeom prst="line">
-            <a:avLst/>
-          </a:prstGeom>
-        </p:spPr>
-        <p:style>
-          <a:lnRef idx="1">
-            <a:schemeClr val="dk1"/>
-          </a:lnRef>
-          <a:fillRef idx="0">
-            <a:schemeClr val="dk1"/>
-          </a:fillRef>
-          <a:effectRef idx="0">
-            <a:schemeClr val="dk1"/>
-          </a:effectRef>
-          <a:fontRef idx="minor">
-            <a:schemeClr val="tx1"/>
-          </a:fontRef>
-        </p:style>
-      </p:cxnSp>
-      <p:cxnSp>
-        <p:nvCxnSpPr>
-          <p:cNvPr id="148" name="Straight Connector 147">
-            <a:extLst>
-              <a:ext uri="{FF2B5EF4-FFF2-40B4-BE49-F238E27FC236}">
-                <a16:creationId xmlns:a16="http://schemas.microsoft.com/office/drawing/2014/main" id="{DAFC71AA-5410-DB49-8290-39C03AC7EFE0}"/>
-              </a:ext>
-            </a:extLst>
-          </p:cNvPr>
-          <p:cNvCxnSpPr>
-            <a:cxnSpLocks/>
-            <a:stCxn id="251" idx="3"/>
-            <a:endCxn id="287" idx="1"/>
-          </p:cNvCxnSpPr>
-          <p:nvPr/>
-        </p:nvCxnSpPr>
-        <p:spPr>
-          <a:xfrm flipV="1">
-            <a:off x="4519292" y="193887"/>
-            <a:ext cx="687989" cy="1935"/>
-          </a:xfrm>
-          <a:prstGeom prst="line">
-            <a:avLst/>
-          </a:prstGeom>
-        </p:spPr>
-        <p:style>
-          <a:lnRef idx="1">
-            <a:schemeClr val="dk1"/>
-          </a:lnRef>
-          <a:fillRef idx="0">
-            <a:schemeClr val="dk1"/>
-          </a:fillRef>
-          <a:effectRef idx="0">
-            <a:schemeClr val="dk1"/>
-          </a:effectRef>
-          <a:fontRef idx="minor">
-            <a:schemeClr val="tx1"/>
-          </a:fontRef>
-        </p:style>
-      </p:cxnSp>
-      <p:cxnSp>
-        <p:nvCxnSpPr>
-          <p:cNvPr id="151" name="Straight Connector 150">
-            <a:extLst>
-              <a:ext uri="{FF2B5EF4-FFF2-40B4-BE49-F238E27FC236}">
-                <a16:creationId xmlns:a16="http://schemas.microsoft.com/office/drawing/2014/main" id="{AA2D45F5-1162-0441-9E7D-5A2D43C398C0}"/>
-              </a:ext>
-            </a:extLst>
-          </p:cNvPr>
-          <p:cNvCxnSpPr>
-            <a:cxnSpLocks/>
-            <a:stCxn id="269" idx="1"/>
-            <a:endCxn id="251" idx="3"/>
-          </p:cNvCxnSpPr>
-          <p:nvPr/>
-        </p:nvCxnSpPr>
-        <p:spPr>
-          <a:xfrm flipH="1" flipV="1">
-            <a:off x="4519292" y="195822"/>
-            <a:ext cx="687989" cy="1065106"/>
-          </a:xfrm>
-          <a:prstGeom prst="line">
-            <a:avLst/>
-          </a:prstGeom>
-        </p:spPr>
-        <p:style>
-          <a:lnRef idx="1">
-            <a:schemeClr val="dk1"/>
-          </a:lnRef>
-          <a:fillRef idx="0">
-            <a:schemeClr val="dk1"/>
-          </a:fillRef>
-          <a:effectRef idx="0">
-            <a:schemeClr val="dk1"/>
-          </a:effectRef>
-          <a:fontRef idx="minor">
-            <a:schemeClr val="tx1"/>
-          </a:fontRef>
-        </p:style>
-      </p:cxnSp>
-      <p:cxnSp>
-        <p:nvCxnSpPr>
-          <p:cNvPr id="155" name="Straight Connector 154">
-            <a:extLst>
-              <a:ext uri="{FF2B5EF4-FFF2-40B4-BE49-F238E27FC236}">
-                <a16:creationId xmlns:a16="http://schemas.microsoft.com/office/drawing/2014/main" id="{29A20E70-8670-F94E-8101-94B28D402FB5}"/>
-              </a:ext>
-            </a:extLst>
-          </p:cNvPr>
-          <p:cNvCxnSpPr>
-            <a:cxnSpLocks/>
-            <a:stCxn id="412" idx="1"/>
-            <a:endCxn id="276" idx="3"/>
-          </p:cNvCxnSpPr>
-          <p:nvPr/>
-        </p:nvCxnSpPr>
-        <p:spPr>
-          <a:xfrm flipH="1" flipV="1">
-            <a:off x="4519292" y="3064922"/>
-            <a:ext cx="687989" cy="2067137"/>
-          </a:xfrm>
-          <a:prstGeom prst="line">
-            <a:avLst/>
-          </a:prstGeom>
-        </p:spPr>
-        <p:style>
-          <a:lnRef idx="1">
-            <a:schemeClr val="dk1"/>
-          </a:lnRef>
-          <a:fillRef idx="0">
-            <a:schemeClr val="dk1"/>
-          </a:fillRef>
-          <a:effectRef idx="0">
-            <a:schemeClr val="dk1"/>
-          </a:effectRef>
-          <a:fontRef idx="minor">
-            <a:schemeClr val="tx1"/>
-          </a:fontRef>
-        </p:style>
-      </p:cxnSp>
-      <p:cxnSp>
-        <p:nvCxnSpPr>
-          <p:cNvPr id="158" name="Straight Connector 157">
-            <a:extLst>
-              <a:ext uri="{FF2B5EF4-FFF2-40B4-BE49-F238E27FC236}">
-                <a16:creationId xmlns:a16="http://schemas.microsoft.com/office/drawing/2014/main" id="{5FC1BCBE-36E8-6F47-AF1D-B58BEDCC90FD}"/>
-              </a:ext>
-            </a:extLst>
-          </p:cNvPr>
-          <p:cNvCxnSpPr>
-            <a:cxnSpLocks/>
-            <a:stCxn id="419" idx="1"/>
-            <a:endCxn id="276" idx="3"/>
-          </p:cNvCxnSpPr>
-          <p:nvPr/>
-        </p:nvCxnSpPr>
-        <p:spPr>
-          <a:xfrm flipH="1" flipV="1">
-            <a:off x="4519292" y="3064922"/>
-            <a:ext cx="687989" cy="3114684"/>
-          </a:xfrm>
-          <a:prstGeom prst="line">
-            <a:avLst/>
-          </a:prstGeom>
-        </p:spPr>
-        <p:style>
-          <a:lnRef idx="1">
-            <a:schemeClr val="dk1"/>
-          </a:lnRef>
-          <a:fillRef idx="0">
-            <a:schemeClr val="dk1"/>
-          </a:fillRef>
-          <a:effectRef idx="0">
-            <a:schemeClr val="dk1"/>
-          </a:effectRef>
-          <a:fontRef idx="minor">
-            <a:schemeClr val="tx1"/>
-          </a:fontRef>
-        </p:style>
-      </p:cxnSp>
-      <p:cxnSp>
-        <p:nvCxnSpPr>
-          <p:cNvPr id="173" name="Straight Connector 172">
-            <a:extLst>
-              <a:ext uri="{FF2B5EF4-FFF2-40B4-BE49-F238E27FC236}">
-                <a16:creationId xmlns:a16="http://schemas.microsoft.com/office/drawing/2014/main" id="{10963FE0-61FF-4844-AA86-79A01104A5A9}"/>
-              </a:ext>
-            </a:extLst>
-          </p:cNvPr>
-          <p:cNvCxnSpPr>
-            <a:cxnSpLocks/>
-            <a:stCxn id="244" idx="1"/>
-            <a:endCxn id="295" idx="3"/>
-          </p:cNvCxnSpPr>
-          <p:nvPr/>
-        </p:nvCxnSpPr>
-        <p:spPr>
-          <a:xfrm flipH="1" flipV="1">
-            <a:off x="4519292" y="1632394"/>
-            <a:ext cx="687989" cy="932465"/>
-          </a:xfrm>
-          <a:prstGeom prst="line">
-            <a:avLst/>
-          </a:prstGeom>
-        </p:spPr>
-        <p:style>
-          <a:lnRef idx="1">
-            <a:schemeClr val="dk1"/>
-          </a:lnRef>
-          <a:fillRef idx="0">
-            <a:schemeClr val="dk1"/>
-          </a:fillRef>
-          <a:effectRef idx="0">
-            <a:schemeClr val="dk1"/>
-          </a:effectRef>
-          <a:fontRef idx="minor">
-            <a:schemeClr val="tx1"/>
-          </a:fontRef>
-        </p:style>
-      </p:cxnSp>
-      <p:cxnSp>
-        <p:nvCxnSpPr>
-          <p:cNvPr id="176" name="Straight Connector 175">
-            <a:extLst>
-              <a:ext uri="{FF2B5EF4-FFF2-40B4-BE49-F238E27FC236}">
-                <a16:creationId xmlns:a16="http://schemas.microsoft.com/office/drawing/2014/main" id="{1FF7D39C-7D90-484D-9B64-CB982218A35D}"/>
-              </a:ext>
-            </a:extLst>
-          </p:cNvPr>
-          <p:cNvCxnSpPr>
-            <a:cxnSpLocks/>
-            <a:stCxn id="382" idx="1"/>
-            <a:endCxn id="295" idx="3"/>
-          </p:cNvCxnSpPr>
-          <p:nvPr/>
-        </p:nvCxnSpPr>
-        <p:spPr>
-          <a:xfrm flipH="1" flipV="1">
-            <a:off x="4519292" y="1632394"/>
-            <a:ext cx="687989" cy="1949444"/>
-          </a:xfrm>
-          <a:prstGeom prst="line">
-            <a:avLst/>
-          </a:prstGeom>
-        </p:spPr>
-        <p:style>
-          <a:lnRef idx="1">
-            <a:schemeClr val="dk1"/>
-          </a:lnRef>
-          <a:fillRef idx="0">
-            <a:schemeClr val="dk1"/>
-          </a:fillRef>
-          <a:effectRef idx="0">
-            <a:schemeClr val="dk1"/>
-          </a:effectRef>
-          <a:fontRef idx="minor">
-            <a:schemeClr val="tx1"/>
-          </a:fontRef>
-        </p:style>
-      </p:cxnSp>
-      <p:cxnSp>
-        <p:nvCxnSpPr>
-          <p:cNvPr id="200" name="Straight Connector 199">
-            <a:extLst>
-              <a:ext uri="{FF2B5EF4-FFF2-40B4-BE49-F238E27FC236}">
-                <a16:creationId xmlns:a16="http://schemas.microsoft.com/office/drawing/2014/main" id="{E9FCF53C-91BB-5B4E-9527-54903A5FDD7B}"/>
-              </a:ext>
-            </a:extLst>
-          </p:cNvPr>
-          <p:cNvCxnSpPr>
-            <a:cxnSpLocks/>
-            <a:stCxn id="392" idx="1"/>
-            <a:endCxn id="276" idx="3"/>
-          </p:cNvCxnSpPr>
-          <p:nvPr/>
-        </p:nvCxnSpPr>
-        <p:spPr>
-          <a:xfrm flipH="1" flipV="1">
-            <a:off x="4519292" y="3064922"/>
-            <a:ext cx="687989" cy="1524659"/>
-          </a:xfrm>
-          <a:prstGeom prst="line">
-            <a:avLst/>
-          </a:prstGeom>
-        </p:spPr>
-        <p:style>
-          <a:lnRef idx="1">
-            <a:schemeClr val="dk1"/>
-          </a:lnRef>
-          <a:fillRef idx="0">
-            <a:schemeClr val="dk1"/>
-          </a:fillRef>
-          <a:effectRef idx="0">
-            <a:schemeClr val="dk1"/>
-          </a:effectRef>
-          <a:fontRef idx="minor">
-            <a:schemeClr val="tx1"/>
-          </a:fontRef>
-        </p:style>
-      </p:cxnSp>
-      <p:grpSp>
-        <p:nvGrpSpPr>
-          <p:cNvPr id="245" name="Group 244">
-            <a:extLst>
-              <a:ext uri="{FF2B5EF4-FFF2-40B4-BE49-F238E27FC236}">
-                <a16:creationId xmlns:a16="http://schemas.microsoft.com/office/drawing/2014/main" id="{F979FDB3-72DD-DC41-8A4D-68061ADC8916}"/>
-              </a:ext>
-            </a:extLst>
-          </p:cNvPr>
-          <p:cNvGrpSpPr/>
-          <p:nvPr/>
-        </p:nvGrpSpPr>
-        <p:grpSpPr>
-          <a:xfrm>
-            <a:off x="5207281" y="2441415"/>
-            <a:ext cx="1555612" cy="974581"/>
-            <a:chOff x="90095" y="47551"/>
-            <a:chExt cx="1555612" cy="974581"/>
-          </a:xfrm>
-        </p:grpSpPr>
-        <p:sp>
-          <p:nvSpPr>
-            <p:cNvPr id="231" name="Rectangle 230">
-              <a:extLst>
-                <a:ext uri="{FF2B5EF4-FFF2-40B4-BE49-F238E27FC236}">
-                  <a16:creationId xmlns:a16="http://schemas.microsoft.com/office/drawing/2014/main" id="{05629D89-9DE6-9742-883C-D6537DA8C9FA}"/>
-                </a:ext>
-              </a:extLst>
-            </p:cNvPr>
-            <p:cNvSpPr/>
-            <p:nvPr/>
-          </p:nvSpPr>
-          <p:spPr>
-            <a:xfrm>
-              <a:off x="91227" y="530805"/>
-              <a:ext cx="1554480" cy="246888"/>
-            </a:xfrm>
-            <a:prstGeom prst="rect">
-              <a:avLst/>
-            </a:prstGeom>
-            <a:solidFill>
-              <a:schemeClr val="bg1"/>
-            </a:solidFill>
-            <a:ln>
-              <a:solidFill>
-                <a:schemeClr val="tx1"/>
-              </a:solidFill>
-            </a:ln>
-          </p:spPr>
-          <p:style>
-            <a:lnRef idx="2">
-              <a:schemeClr val="accent1">
-                <a:shade val="50000"/>
-              </a:schemeClr>
-            </a:lnRef>
-            <a:fillRef idx="1">
-              <a:schemeClr val="accent1"/>
-            </a:fillRef>
-            <a:effectRef idx="0">
-              <a:schemeClr val="accent1"/>
-            </a:effectRef>
-            <a:fontRef idx="minor">
-              <a:schemeClr val="lt1"/>
-            </a:fontRef>
-          </p:style>
-          <p:txBody>
-            <a:bodyPr rtlCol="0" anchor="ctr"/>
-            <a:lstStyle/>
-            <a:p>
-              <a:pPr algn="ctr"/>
-              <a:r>
-                <a:rPr lang="en-US" sz="1000" dirty="0">
-                  <a:solidFill>
-                    <a:schemeClr val="tx1"/>
-                  </a:solidFill>
-                </a:rPr>
-                <a:t>▲ </a:t>
-              </a:r>
-              <a:r>
-                <a:rPr lang="en-US" sz="1000" i="1" dirty="0">
-                  <a:solidFill>
-                    <a:schemeClr val="tx1"/>
-                  </a:solidFill>
-                </a:rPr>
-                <a:t>BNPP_root_fine</a:t>
-              </a:r>
-              <a:endParaRPr lang="en-US" sz="1000" dirty="0">
-                <a:solidFill>
-                  <a:schemeClr val="tx1"/>
-                </a:solidFill>
-              </a:endParaRPr>
-            </a:p>
-          </p:txBody>
-        </p:sp>
-        <p:sp>
-          <p:nvSpPr>
-            <p:cNvPr id="232" name="Rectangle 231">
-              <a:extLst>
-                <a:ext uri="{FF2B5EF4-FFF2-40B4-BE49-F238E27FC236}">
-                  <a16:creationId xmlns:a16="http://schemas.microsoft.com/office/drawing/2014/main" id="{523E8C3D-D146-0444-8FD0-93B3F3AAADF5}"/>
-                </a:ext>
-              </a:extLst>
-            </p:cNvPr>
-            <p:cNvSpPr/>
-            <p:nvPr/>
-          </p:nvSpPr>
-          <p:spPr>
-            <a:xfrm>
-              <a:off x="91227" y="775244"/>
-              <a:ext cx="1554480" cy="246888"/>
-            </a:xfrm>
-            <a:prstGeom prst="rect">
-              <a:avLst/>
-            </a:prstGeom>
-            <a:solidFill>
-              <a:schemeClr val="bg1"/>
-            </a:solidFill>
-            <a:ln>
-              <a:solidFill>
-                <a:schemeClr val="tx1"/>
-              </a:solidFill>
-            </a:ln>
-          </p:spPr>
-          <p:style>
-            <a:lnRef idx="2">
-              <a:schemeClr val="accent1">
-                <a:shade val="50000"/>
-              </a:schemeClr>
-            </a:lnRef>
-            <a:fillRef idx="1">
-              <a:schemeClr val="accent1"/>
-            </a:fillRef>
-            <a:effectRef idx="0">
-              <a:schemeClr val="accent1"/>
-            </a:effectRef>
-            <a:fontRef idx="minor">
-              <a:schemeClr val="lt1"/>
-            </a:fontRef>
-          </p:style>
-          <p:txBody>
-            <a:bodyPr lIns="0" rIns="0" rtlCol="0" anchor="ctr"/>
-            <a:lstStyle/>
-            <a:p>
-              <a:pPr algn="ctr"/>
-              <a:r>
-                <a:rPr lang="en-US" sz="1000" i="1" dirty="0">
-                  <a:solidFill>
-                    <a:schemeClr val="tx1"/>
-                  </a:solidFill>
-                </a:rPr>
-                <a:t>▼ BNPP_root.turnover_fine</a:t>
-              </a:r>
-              <a:endParaRPr lang="en-US" sz="1000" dirty="0">
-                <a:solidFill>
-                  <a:schemeClr val="tx1"/>
-                </a:solidFill>
-              </a:endParaRPr>
-            </a:p>
-          </p:txBody>
-        </p:sp>
-        <p:sp>
-          <p:nvSpPr>
-            <p:cNvPr id="241" name="Rectangle 240">
-              <a:extLst>
-                <a:ext uri="{FF2B5EF4-FFF2-40B4-BE49-F238E27FC236}">
-                  <a16:creationId xmlns:a16="http://schemas.microsoft.com/office/drawing/2014/main" id="{A5B4B88A-9BAC-A84C-8B22-14C62AB86F89}"/>
-                </a:ext>
-              </a:extLst>
-            </p:cNvPr>
-            <p:cNvSpPr/>
-            <p:nvPr/>
-          </p:nvSpPr>
-          <p:spPr>
-            <a:xfrm>
-              <a:off x="91227" y="291479"/>
-              <a:ext cx="1554480" cy="246888"/>
-            </a:xfrm>
-            <a:prstGeom prst="rect">
-              <a:avLst/>
-            </a:prstGeom>
-            <a:solidFill>
-              <a:schemeClr val="bg1"/>
-            </a:solidFill>
-            <a:ln>
-              <a:solidFill>
-                <a:schemeClr val="tx1"/>
-              </a:solidFill>
-            </a:ln>
-          </p:spPr>
-          <p:style>
-            <a:lnRef idx="2">
-              <a:schemeClr val="accent1">
-                <a:shade val="50000"/>
-              </a:schemeClr>
-            </a:lnRef>
-            <a:fillRef idx="1">
-              <a:schemeClr val="accent1"/>
-            </a:fillRef>
-            <a:effectRef idx="0">
-              <a:schemeClr val="accent1"/>
-            </a:effectRef>
-            <a:fontRef idx="minor">
-              <a:schemeClr val="lt1"/>
-            </a:fontRef>
-          </p:style>
-          <p:txBody>
-            <a:bodyPr rtlCol="0" anchor="ctr"/>
-            <a:lstStyle/>
-            <a:p>
-              <a:pPr algn="ctr"/>
-              <a:r>
-                <a:rPr lang="en-US" sz="1000" i="1" dirty="0">
-                  <a:solidFill>
-                    <a:schemeClr val="tx1"/>
-                  </a:solidFill>
-                </a:rPr>
-                <a:t>biomass_root_fine </a:t>
-              </a:r>
-              <a:r>
-                <a:rPr lang="en-US" sz="1000" dirty="0">
-                  <a:solidFill>
-                    <a:schemeClr val="tx1"/>
-                  </a:solidFill>
-                </a:rPr>
-                <a:t>| △ ⌀ </a:t>
-              </a:r>
-              <a:endParaRPr lang="en-US" sz="1000" i="1" dirty="0">
-                <a:solidFill>
-                  <a:schemeClr val="tx1"/>
-                </a:solidFill>
-              </a:endParaRPr>
-            </a:p>
-          </p:txBody>
-        </p:sp>
-        <p:sp>
-          <p:nvSpPr>
-            <p:cNvPr id="244" name="Rectangle 243">
-              <a:extLst>
-                <a:ext uri="{FF2B5EF4-FFF2-40B4-BE49-F238E27FC236}">
-                  <a16:creationId xmlns:a16="http://schemas.microsoft.com/office/drawing/2014/main" id="{6BF72C95-3049-8841-816A-94C36D006694}"/>
-                </a:ext>
-              </a:extLst>
-            </p:cNvPr>
-            <p:cNvSpPr/>
-            <p:nvPr/>
-          </p:nvSpPr>
-          <p:spPr>
-            <a:xfrm>
-              <a:off x="90095" y="47551"/>
-              <a:ext cx="1554480" cy="246888"/>
-            </a:xfrm>
-            <a:prstGeom prst="rect">
-              <a:avLst/>
-            </a:prstGeom>
-            <a:solidFill>
-              <a:srgbClr val="A3C3CF"/>
-            </a:solidFill>
-            <a:ln>
-              <a:solidFill>
-                <a:schemeClr val="tx1"/>
-              </a:solidFill>
-            </a:ln>
-          </p:spPr>
-          <p:style>
-            <a:lnRef idx="2">
-              <a:schemeClr val="accent1">
-                <a:shade val="50000"/>
-              </a:schemeClr>
-            </a:lnRef>
-            <a:fillRef idx="1">
-              <a:schemeClr val="accent1"/>
-            </a:fillRef>
-            <a:effectRef idx="0">
-              <a:schemeClr val="accent1"/>
-            </a:effectRef>
-            <a:fontRef idx="minor">
-              <a:schemeClr val="lt1"/>
-            </a:fontRef>
-          </p:style>
-          <p:txBody>
-            <a:bodyPr rtlCol="0" anchor="ctr"/>
-            <a:lstStyle/>
-            <a:p>
-              <a:pPr algn="ctr"/>
-              <a:r>
-                <a:rPr lang="en-US" sz="1000" dirty="0">
-                  <a:solidFill>
-                    <a:schemeClr val="tx1"/>
-                  </a:solidFill>
-                </a:rPr>
-                <a:t>Fine root biomass</a:t>
-              </a:r>
-            </a:p>
-          </p:txBody>
-        </p:sp>
-      </p:grpSp>
-      <p:grpSp>
-        <p:nvGrpSpPr>
-          <p:cNvPr id="246" name="Group 245">
-            <a:extLst>
-              <a:ext uri="{FF2B5EF4-FFF2-40B4-BE49-F238E27FC236}">
-                <a16:creationId xmlns:a16="http://schemas.microsoft.com/office/drawing/2014/main" id="{A13D904A-9325-3741-9C8D-D7A112212F0E}"/>
-              </a:ext>
-            </a:extLst>
-          </p:cNvPr>
-          <p:cNvGrpSpPr/>
-          <p:nvPr/>
-        </p:nvGrpSpPr>
-        <p:grpSpPr>
-          <a:xfrm>
-            <a:off x="3147692" y="72711"/>
-            <a:ext cx="1372732" cy="1223293"/>
-            <a:chOff x="90095" y="47552"/>
-            <a:chExt cx="1372732" cy="1223293"/>
-          </a:xfrm>
-        </p:grpSpPr>
-        <p:sp>
-          <p:nvSpPr>
-            <p:cNvPr id="247" name="Rectangle 246">
-              <a:extLst>
-                <a:ext uri="{FF2B5EF4-FFF2-40B4-BE49-F238E27FC236}">
-                  <a16:creationId xmlns:a16="http://schemas.microsoft.com/office/drawing/2014/main" id="{543BDB13-5C19-9D4C-B8E3-69DF54CFE741}"/>
-                </a:ext>
-              </a:extLst>
-            </p:cNvPr>
-            <p:cNvSpPr/>
-            <p:nvPr/>
-          </p:nvSpPr>
-          <p:spPr>
-            <a:xfrm>
-              <a:off x="91227" y="780186"/>
-              <a:ext cx="1371600" cy="246221"/>
-            </a:xfrm>
-            <a:prstGeom prst="rect">
-              <a:avLst/>
-            </a:prstGeom>
-            <a:solidFill>
-              <a:schemeClr val="bg1"/>
-            </a:solidFill>
-            <a:ln>
-              <a:solidFill>
-                <a:schemeClr val="tx1"/>
-              </a:solidFill>
-            </a:ln>
-          </p:spPr>
-          <p:style>
-            <a:lnRef idx="2">
-              <a:schemeClr val="accent1">
-                <a:shade val="50000"/>
-              </a:schemeClr>
-            </a:lnRef>
-            <a:fillRef idx="1">
-              <a:schemeClr val="accent1"/>
-            </a:fillRef>
-            <a:effectRef idx="0">
-              <a:schemeClr val="accent1"/>
-            </a:effectRef>
-            <a:fontRef idx="minor">
-              <a:schemeClr val="lt1"/>
-            </a:fontRef>
-          </p:style>
-          <p:txBody>
-            <a:bodyPr lIns="45720" rIns="45720" rtlCol="0" anchor="ctr"/>
-            <a:lstStyle/>
-            <a:p>
-              <a:pPr algn="ctr"/>
-              <a:r>
-                <a:rPr lang="en-US" sz="1000" dirty="0">
-                  <a:solidFill>
-                    <a:schemeClr val="tx1"/>
-                  </a:solidFill>
-                </a:rPr>
-                <a:t>▲ </a:t>
-              </a:r>
-              <a:r>
-                <a:rPr lang="en-US" sz="1000" i="1" dirty="0">
-                  <a:solidFill>
-                    <a:schemeClr val="tx1"/>
-                  </a:solidFill>
-                </a:rPr>
-                <a:t>ANPP_woody_stem </a:t>
-              </a:r>
-              <a:r>
-                <a:rPr lang="en-US" sz="1000" i="1" baseline="30000" dirty="0">
-                  <a:solidFill>
-                    <a:schemeClr val="tx1"/>
-                  </a:solidFill>
-                </a:rPr>
-                <a:t>2</a:t>
-              </a:r>
-              <a:endParaRPr lang="en-US" sz="1000" dirty="0">
-                <a:solidFill>
-                  <a:schemeClr val="tx1"/>
-                </a:solidFill>
-              </a:endParaRPr>
-            </a:p>
-          </p:txBody>
-        </p:sp>
-        <p:sp>
-          <p:nvSpPr>
-            <p:cNvPr id="248" name="Rectangle 247">
-              <a:extLst>
-                <a:ext uri="{FF2B5EF4-FFF2-40B4-BE49-F238E27FC236}">
-                  <a16:creationId xmlns:a16="http://schemas.microsoft.com/office/drawing/2014/main" id="{A9ACA5E3-7DAD-E341-9A1C-620D0D593D7C}"/>
-                </a:ext>
-              </a:extLst>
-            </p:cNvPr>
-            <p:cNvSpPr/>
-            <p:nvPr/>
-          </p:nvSpPr>
-          <p:spPr>
-            <a:xfrm>
-              <a:off x="91227" y="1024624"/>
-              <a:ext cx="1371600" cy="246221"/>
-            </a:xfrm>
-            <a:prstGeom prst="rect">
-              <a:avLst/>
-            </a:prstGeom>
-            <a:solidFill>
-              <a:schemeClr val="bg1"/>
-            </a:solidFill>
-            <a:ln>
-              <a:solidFill>
-                <a:schemeClr val="tx1"/>
-              </a:solidFill>
-            </a:ln>
-          </p:spPr>
-          <p:style>
-            <a:lnRef idx="2">
-              <a:schemeClr val="accent1">
-                <a:shade val="50000"/>
-              </a:schemeClr>
-            </a:lnRef>
-            <a:fillRef idx="1">
-              <a:schemeClr val="accent1"/>
-            </a:fillRef>
-            <a:effectRef idx="0">
-              <a:schemeClr val="accent1"/>
-            </a:effectRef>
-            <a:fontRef idx="minor">
-              <a:schemeClr val="lt1"/>
-            </a:fontRef>
-          </p:style>
-          <p:txBody>
-            <a:bodyPr rtlCol="0" anchor="ctr"/>
-            <a:lstStyle/>
-            <a:p>
-              <a:pPr algn="ctr"/>
-              <a:r>
-                <a:rPr lang="en-US" sz="1000" i="1" dirty="0">
-                  <a:solidFill>
-                    <a:schemeClr val="tx1"/>
-                  </a:solidFill>
-                </a:rPr>
-                <a:t>▼ woody_mortality </a:t>
-              </a:r>
-              <a:r>
-                <a:rPr lang="en-US" sz="1000" i="1" baseline="30000" dirty="0">
-                  <a:solidFill>
-                    <a:schemeClr val="tx1"/>
-                  </a:solidFill>
-                </a:rPr>
-                <a:t>3</a:t>
-              </a:r>
-              <a:endParaRPr lang="en-US" sz="1000" dirty="0">
-                <a:solidFill>
-                  <a:schemeClr val="tx1"/>
-                </a:solidFill>
-              </a:endParaRPr>
-            </a:p>
-          </p:txBody>
-        </p:sp>
-        <p:sp>
-          <p:nvSpPr>
-            <p:cNvPr id="249" name="Rectangle 248">
-              <a:extLst>
-                <a:ext uri="{FF2B5EF4-FFF2-40B4-BE49-F238E27FC236}">
-                  <a16:creationId xmlns:a16="http://schemas.microsoft.com/office/drawing/2014/main" id="{5A8B025F-C575-7F42-941B-03CF1F9A6268}"/>
-                </a:ext>
-              </a:extLst>
-            </p:cNvPr>
-            <p:cNvSpPr/>
-            <p:nvPr/>
-          </p:nvSpPr>
-          <p:spPr>
-            <a:xfrm>
-              <a:off x="91227" y="536478"/>
-              <a:ext cx="1371600" cy="246221"/>
-            </a:xfrm>
-            <a:prstGeom prst="rect">
-              <a:avLst/>
-            </a:prstGeom>
-            <a:solidFill>
-              <a:schemeClr val="bg1"/>
-            </a:solidFill>
-            <a:ln>
-              <a:solidFill>
-                <a:schemeClr val="tx1"/>
-              </a:solidFill>
-            </a:ln>
-          </p:spPr>
-          <p:style>
-            <a:lnRef idx="2">
-              <a:schemeClr val="accent1">
-                <a:shade val="50000"/>
-              </a:schemeClr>
-            </a:lnRef>
-            <a:fillRef idx="1">
-              <a:schemeClr val="accent1"/>
-            </a:fillRef>
-            <a:effectRef idx="0">
-              <a:schemeClr val="accent1"/>
-            </a:effectRef>
-            <a:fontRef idx="minor">
-              <a:schemeClr val="lt1"/>
-            </a:fontRef>
-          </p:style>
-          <p:txBody>
-            <a:bodyPr rtlCol="0" anchor="ctr"/>
-            <a:lstStyle/>
-            <a:p>
-              <a:pPr algn="ctr"/>
-              <a:r>
-                <a:rPr lang="en-US" sz="1000" dirty="0">
-                  <a:solidFill>
-                    <a:schemeClr val="tx1"/>
-                  </a:solidFill>
-                </a:rPr>
-                <a:t>△</a:t>
-              </a:r>
-              <a:r>
-                <a:rPr lang="en-US" sz="1000" i="1" dirty="0">
-                  <a:solidFill>
-                    <a:schemeClr val="tx1"/>
-                  </a:solidFill>
-                </a:rPr>
-                <a:t> delta.agb</a:t>
-              </a:r>
-              <a:r>
-                <a:rPr lang="en-US" sz="1000" i="1" baseline="30000" dirty="0">
-                  <a:solidFill>
-                    <a:schemeClr val="tx1"/>
-                  </a:solidFill>
-                </a:rPr>
-                <a:t> </a:t>
-              </a:r>
-              <a:endParaRPr lang="en-US" sz="1000" dirty="0">
-                <a:solidFill>
-                  <a:schemeClr val="tx1"/>
-                </a:solidFill>
-              </a:endParaRPr>
-            </a:p>
-          </p:txBody>
-        </p:sp>
-        <p:sp>
-          <p:nvSpPr>
-            <p:cNvPr id="250" name="Rectangle 249">
-              <a:extLst>
-                <a:ext uri="{FF2B5EF4-FFF2-40B4-BE49-F238E27FC236}">
-                  <a16:creationId xmlns:a16="http://schemas.microsoft.com/office/drawing/2014/main" id="{E5C11E05-4E48-DA4F-B322-626DD143E6F4}"/>
-                </a:ext>
-              </a:extLst>
-            </p:cNvPr>
-            <p:cNvSpPr/>
-            <p:nvPr/>
-          </p:nvSpPr>
-          <p:spPr>
-            <a:xfrm>
-              <a:off x="91227" y="291480"/>
-              <a:ext cx="1371600" cy="246221"/>
-            </a:xfrm>
-            <a:prstGeom prst="rect">
-              <a:avLst/>
-            </a:prstGeom>
-            <a:solidFill>
-              <a:schemeClr val="bg1"/>
-            </a:solidFill>
-            <a:ln>
-              <a:solidFill>
-                <a:schemeClr val="tx1"/>
-              </a:solidFill>
-            </a:ln>
-          </p:spPr>
-          <p:style>
-            <a:lnRef idx="2">
-              <a:schemeClr val="accent1">
-                <a:shade val="50000"/>
-              </a:schemeClr>
-            </a:lnRef>
-            <a:fillRef idx="1">
-              <a:schemeClr val="accent1"/>
-            </a:fillRef>
-            <a:effectRef idx="0">
-              <a:schemeClr val="accent1"/>
-            </a:effectRef>
-            <a:fontRef idx="minor">
-              <a:schemeClr val="lt1"/>
-            </a:fontRef>
-          </p:style>
-          <p:txBody>
-            <a:bodyPr rtlCol="0" anchor="ctr"/>
-            <a:lstStyle/>
-            <a:p>
-              <a:pPr algn="ctr"/>
-              <a:r>
-                <a:rPr lang="en-US" sz="1000" i="1" dirty="0">
-                  <a:solidFill>
-                    <a:schemeClr val="tx1"/>
-                  </a:solidFill>
-                </a:rPr>
-                <a:t>biomass_ag</a:t>
-              </a:r>
-            </a:p>
-          </p:txBody>
-        </p:sp>
-        <p:sp>
-          <p:nvSpPr>
-            <p:cNvPr id="251" name="Rectangle 250">
-              <a:extLst>
-                <a:ext uri="{FF2B5EF4-FFF2-40B4-BE49-F238E27FC236}">
-                  <a16:creationId xmlns:a16="http://schemas.microsoft.com/office/drawing/2014/main" id="{A4EBC0E0-F95B-7C46-B545-1646038C58D9}"/>
-                </a:ext>
-              </a:extLst>
-            </p:cNvPr>
-            <p:cNvSpPr/>
-            <p:nvPr/>
-          </p:nvSpPr>
-          <p:spPr>
-            <a:xfrm>
-              <a:off x="90095" y="47552"/>
-              <a:ext cx="1371600" cy="246221"/>
-            </a:xfrm>
-            <a:prstGeom prst="rect">
-              <a:avLst/>
-            </a:prstGeom>
-            <a:solidFill>
-              <a:schemeClr val="accent6">
-                <a:lumMod val="40000"/>
-                <a:lumOff val="60000"/>
-              </a:schemeClr>
-            </a:solidFill>
-            <a:ln>
-              <a:solidFill>
-                <a:schemeClr val="tx1"/>
-              </a:solidFill>
-            </a:ln>
-          </p:spPr>
-          <p:style>
-            <a:lnRef idx="2">
-              <a:schemeClr val="accent1">
-                <a:shade val="50000"/>
-              </a:schemeClr>
-            </a:lnRef>
-            <a:fillRef idx="1">
-              <a:schemeClr val="accent1"/>
-            </a:fillRef>
-            <a:effectRef idx="0">
-              <a:schemeClr val="accent1"/>
-            </a:effectRef>
-            <a:fontRef idx="minor">
-              <a:schemeClr val="lt1"/>
-            </a:fontRef>
-          </p:style>
-          <p:txBody>
-            <a:bodyPr rtlCol="0" anchor="ctr"/>
-            <a:lstStyle/>
-            <a:p>
-              <a:pPr algn="ctr"/>
-              <a:r>
-                <a:rPr lang="en-US" sz="1000" dirty="0">
-                  <a:solidFill>
-                    <a:schemeClr val="tx1"/>
-                  </a:solidFill>
-                </a:rPr>
-                <a:t>Aboveground biomass</a:t>
-              </a:r>
-            </a:p>
-          </p:txBody>
-        </p:sp>
-      </p:grpSp>
-      <p:grpSp>
-        <p:nvGrpSpPr>
-          <p:cNvPr id="255" name="Group 254">
-            <a:extLst>
-              <a:ext uri="{FF2B5EF4-FFF2-40B4-BE49-F238E27FC236}">
-                <a16:creationId xmlns:a16="http://schemas.microsoft.com/office/drawing/2014/main" id="{21196B20-55A3-7745-A197-34634C6BF9E0}"/>
-              </a:ext>
-            </a:extLst>
-          </p:cNvPr>
-          <p:cNvGrpSpPr/>
-          <p:nvPr/>
-        </p:nvGrpSpPr>
-        <p:grpSpPr>
-          <a:xfrm>
-            <a:off x="1625991" y="1256915"/>
-            <a:ext cx="1346372" cy="1223293"/>
-            <a:chOff x="90095" y="47552"/>
-            <a:chExt cx="1346372" cy="1223293"/>
-          </a:xfrm>
-        </p:grpSpPr>
-        <p:sp>
-          <p:nvSpPr>
-            <p:cNvPr id="256" name="Rectangle 255">
-              <a:extLst>
-                <a:ext uri="{FF2B5EF4-FFF2-40B4-BE49-F238E27FC236}">
-                  <a16:creationId xmlns:a16="http://schemas.microsoft.com/office/drawing/2014/main" id="{CAB1C4E2-9D7C-804F-B449-6F9D9F426FE4}"/>
-                </a:ext>
-              </a:extLst>
-            </p:cNvPr>
-            <p:cNvSpPr/>
-            <p:nvPr/>
-          </p:nvSpPr>
-          <p:spPr>
-            <a:xfrm>
-              <a:off x="91227" y="780186"/>
-              <a:ext cx="1345240" cy="246221"/>
-            </a:xfrm>
-            <a:prstGeom prst="rect">
-              <a:avLst/>
-            </a:prstGeom>
-            <a:solidFill>
-              <a:schemeClr val="bg1"/>
-            </a:solidFill>
-            <a:ln>
-              <a:solidFill>
-                <a:schemeClr val="tx1"/>
-              </a:solidFill>
-            </a:ln>
-          </p:spPr>
-          <p:style>
-            <a:lnRef idx="2">
-              <a:schemeClr val="accent1">
-                <a:shade val="50000"/>
-              </a:schemeClr>
-            </a:lnRef>
-            <a:fillRef idx="1">
-              <a:schemeClr val="accent1"/>
-            </a:fillRef>
-            <a:effectRef idx="0">
-              <a:schemeClr val="accent1"/>
-            </a:effectRef>
-            <a:fontRef idx="minor">
-              <a:schemeClr val="lt1"/>
-            </a:fontRef>
-          </p:style>
-          <p:txBody>
-            <a:bodyPr rtlCol="0" anchor="ctr"/>
-            <a:lstStyle/>
-            <a:p>
-              <a:pPr algn="ctr"/>
-              <a:r>
-                <a:rPr lang="en-US" sz="1000" dirty="0">
-                  <a:solidFill>
-                    <a:schemeClr val="tx1"/>
-                  </a:solidFill>
-                </a:rPr>
-                <a:t>▲</a:t>
-              </a:r>
-              <a:r>
-                <a:rPr lang="en-US" sz="1000" i="1" dirty="0">
-                  <a:solidFill>
-                    <a:schemeClr val="tx1"/>
-                  </a:solidFill>
-                </a:rPr>
-                <a:t>NPP_woody</a:t>
-              </a:r>
-            </a:p>
-          </p:txBody>
-        </p:sp>
-        <p:sp>
-          <p:nvSpPr>
-            <p:cNvPr id="257" name="Rectangle 256">
-              <a:extLst>
-                <a:ext uri="{FF2B5EF4-FFF2-40B4-BE49-F238E27FC236}">
-                  <a16:creationId xmlns:a16="http://schemas.microsoft.com/office/drawing/2014/main" id="{C800541A-17F6-A747-BF9B-1626B3175E75}"/>
-                </a:ext>
-              </a:extLst>
-            </p:cNvPr>
-            <p:cNvSpPr/>
-            <p:nvPr/>
-          </p:nvSpPr>
-          <p:spPr>
-            <a:xfrm>
-              <a:off x="91227" y="1024624"/>
-              <a:ext cx="1345240" cy="246221"/>
-            </a:xfrm>
-            <a:prstGeom prst="rect">
-              <a:avLst/>
-            </a:prstGeom>
-            <a:solidFill>
-              <a:schemeClr val="bg1"/>
-            </a:solidFill>
-            <a:ln>
-              <a:solidFill>
-                <a:schemeClr val="tx1"/>
-              </a:solidFill>
-            </a:ln>
-          </p:spPr>
-          <p:style>
-            <a:lnRef idx="2">
-              <a:schemeClr val="accent1">
-                <a:shade val="50000"/>
-              </a:schemeClr>
-            </a:lnRef>
-            <a:fillRef idx="1">
-              <a:schemeClr val="accent1"/>
-            </a:fillRef>
-            <a:effectRef idx="0">
-              <a:schemeClr val="accent1"/>
-            </a:effectRef>
-            <a:fontRef idx="minor">
-              <a:schemeClr val="lt1"/>
-            </a:fontRef>
-          </p:style>
-          <p:txBody>
-            <a:bodyPr rtlCol="0" anchor="ctr"/>
-            <a:lstStyle/>
-            <a:p>
-              <a:pPr algn="ctr"/>
-              <a:r>
-                <a:rPr lang="en-US" sz="1000" i="1" dirty="0">
-                  <a:solidFill>
-                    <a:schemeClr val="tx1"/>
-                  </a:solidFill>
-                </a:rPr>
-                <a:t>▼</a:t>
-              </a:r>
-              <a:r>
-                <a:rPr lang="en-US" sz="1000" dirty="0">
-                  <a:solidFill>
-                    <a:schemeClr val="tx1"/>
-                  </a:solidFill>
-                </a:rPr>
-                <a:t>⌀</a:t>
-              </a:r>
-            </a:p>
-          </p:txBody>
-        </p:sp>
-        <p:sp>
-          <p:nvSpPr>
-            <p:cNvPr id="258" name="Rectangle 257">
-              <a:extLst>
-                <a:ext uri="{FF2B5EF4-FFF2-40B4-BE49-F238E27FC236}">
-                  <a16:creationId xmlns:a16="http://schemas.microsoft.com/office/drawing/2014/main" id="{C64FC82D-C69C-124B-B30E-31A411517D0B}"/>
-                </a:ext>
-              </a:extLst>
-            </p:cNvPr>
-            <p:cNvSpPr/>
-            <p:nvPr/>
-          </p:nvSpPr>
-          <p:spPr>
-            <a:xfrm>
-              <a:off x="91227" y="536478"/>
-              <a:ext cx="1345240" cy="246221"/>
-            </a:xfrm>
-            <a:prstGeom prst="rect">
-              <a:avLst/>
-            </a:prstGeom>
-            <a:solidFill>
-              <a:schemeClr val="bg1"/>
-            </a:solidFill>
-            <a:ln>
-              <a:solidFill>
-                <a:schemeClr val="tx1"/>
-              </a:solidFill>
-            </a:ln>
-          </p:spPr>
-          <p:style>
-            <a:lnRef idx="2">
-              <a:schemeClr val="accent1">
-                <a:shade val="50000"/>
-              </a:schemeClr>
-            </a:lnRef>
-            <a:fillRef idx="1">
-              <a:schemeClr val="accent1"/>
-            </a:fillRef>
-            <a:effectRef idx="0">
-              <a:schemeClr val="accent1"/>
-            </a:effectRef>
-            <a:fontRef idx="minor">
-              <a:schemeClr val="lt1"/>
-            </a:fontRef>
-          </p:style>
-          <p:txBody>
-            <a:bodyPr rtlCol="0" anchor="ctr"/>
-            <a:lstStyle/>
-            <a:p>
-              <a:pPr algn="ctr"/>
-              <a:r>
-                <a:rPr lang="en-US" sz="1000" dirty="0">
-                  <a:solidFill>
-                    <a:schemeClr val="tx1"/>
-                  </a:solidFill>
-                </a:rPr>
-                <a:t>△</a:t>
-              </a:r>
-              <a:r>
-                <a:rPr lang="en-US" sz="1000" i="1" dirty="0">
-                  <a:solidFill>
-                    <a:schemeClr val="tx1"/>
-                  </a:solidFill>
-                </a:rPr>
-                <a:t> delta.biomass</a:t>
-              </a:r>
-              <a:endParaRPr lang="en-US" sz="1000" dirty="0">
-                <a:solidFill>
-                  <a:schemeClr val="tx1"/>
-                </a:solidFill>
-              </a:endParaRPr>
-            </a:p>
-          </p:txBody>
-        </p:sp>
-        <p:sp>
-          <p:nvSpPr>
-            <p:cNvPr id="259" name="Rectangle 258">
-              <a:extLst>
-                <a:ext uri="{FF2B5EF4-FFF2-40B4-BE49-F238E27FC236}">
-                  <a16:creationId xmlns:a16="http://schemas.microsoft.com/office/drawing/2014/main" id="{00649335-F2B7-9242-8C28-DE95D716054C}"/>
-                </a:ext>
-              </a:extLst>
-            </p:cNvPr>
-            <p:cNvSpPr/>
-            <p:nvPr/>
-          </p:nvSpPr>
-          <p:spPr>
-            <a:xfrm>
-              <a:off x="91227" y="291480"/>
-              <a:ext cx="1345240" cy="246221"/>
-            </a:xfrm>
-            <a:prstGeom prst="rect">
-              <a:avLst/>
-            </a:prstGeom>
-            <a:solidFill>
-              <a:schemeClr val="bg1"/>
-            </a:solidFill>
-            <a:ln>
-              <a:solidFill>
-                <a:schemeClr val="tx1"/>
-              </a:solidFill>
-            </a:ln>
-          </p:spPr>
-          <p:style>
-            <a:lnRef idx="2">
-              <a:schemeClr val="accent1">
-                <a:shade val="50000"/>
-              </a:schemeClr>
-            </a:lnRef>
-            <a:fillRef idx="1">
-              <a:schemeClr val="accent1"/>
-            </a:fillRef>
-            <a:effectRef idx="0">
-              <a:schemeClr val="accent1"/>
-            </a:effectRef>
-            <a:fontRef idx="minor">
-              <a:schemeClr val="lt1"/>
-            </a:fontRef>
-          </p:style>
-          <p:txBody>
-            <a:bodyPr rtlCol="0" anchor="ctr"/>
-            <a:lstStyle/>
-            <a:p>
-              <a:pPr algn="ctr"/>
-              <a:r>
-                <a:rPr lang="en-US" sz="1000" i="1" dirty="0">
-                  <a:solidFill>
-                    <a:schemeClr val="tx1"/>
-                  </a:solidFill>
-                </a:rPr>
-                <a:t>biomass</a:t>
-              </a:r>
-            </a:p>
-          </p:txBody>
-        </p:sp>
-        <p:sp>
-          <p:nvSpPr>
-            <p:cNvPr id="260" name="Rectangle 259">
-              <a:extLst>
-                <a:ext uri="{FF2B5EF4-FFF2-40B4-BE49-F238E27FC236}">
-                  <a16:creationId xmlns:a16="http://schemas.microsoft.com/office/drawing/2014/main" id="{F47C31C7-D461-4F49-8234-70A0ECA14CFA}"/>
-                </a:ext>
-              </a:extLst>
-            </p:cNvPr>
-            <p:cNvSpPr/>
-            <p:nvPr/>
-          </p:nvSpPr>
-          <p:spPr>
-            <a:xfrm>
-              <a:off x="90095" y="47552"/>
-              <a:ext cx="1345240" cy="246221"/>
-            </a:xfrm>
-            <a:prstGeom prst="rect">
-              <a:avLst/>
-            </a:prstGeom>
-            <a:solidFill>
-              <a:srgbClr val="A8CFC5"/>
-            </a:solidFill>
-            <a:ln>
-              <a:solidFill>
-                <a:schemeClr val="tx1"/>
-              </a:solidFill>
-            </a:ln>
-          </p:spPr>
-          <p:style>
-            <a:lnRef idx="2">
-              <a:schemeClr val="accent1">
-                <a:shade val="50000"/>
-              </a:schemeClr>
-            </a:lnRef>
-            <a:fillRef idx="1">
-              <a:schemeClr val="accent1"/>
-            </a:fillRef>
-            <a:effectRef idx="0">
-              <a:schemeClr val="accent1"/>
-            </a:effectRef>
-            <a:fontRef idx="minor">
-              <a:schemeClr val="lt1"/>
-            </a:fontRef>
-          </p:style>
-          <p:txBody>
-            <a:bodyPr rtlCol="0" anchor="ctr"/>
-            <a:lstStyle/>
-            <a:p>
-              <a:pPr algn="ctr"/>
-              <a:r>
-                <a:rPr lang="en-US" sz="1000" dirty="0">
-                  <a:solidFill>
-                    <a:schemeClr val="tx1"/>
-                  </a:solidFill>
-                </a:rPr>
-                <a:t>Biomass</a:t>
-              </a:r>
-            </a:p>
-          </p:txBody>
-        </p:sp>
-      </p:grpSp>
-      <p:grpSp>
-        <p:nvGrpSpPr>
-          <p:cNvPr id="264" name="Group 263">
-            <a:extLst>
-              <a:ext uri="{FF2B5EF4-FFF2-40B4-BE49-F238E27FC236}">
-                <a16:creationId xmlns:a16="http://schemas.microsoft.com/office/drawing/2014/main" id="{5A2C7F6C-4509-DC44-B251-858CFFBEA84F}"/>
-              </a:ext>
-            </a:extLst>
-          </p:cNvPr>
-          <p:cNvGrpSpPr/>
-          <p:nvPr/>
-        </p:nvGrpSpPr>
-        <p:grpSpPr>
-          <a:xfrm>
-            <a:off x="5207281" y="1102546"/>
-            <a:ext cx="1555612" cy="1286428"/>
-            <a:chOff x="90095" y="-22990"/>
-            <a:chExt cx="1555612" cy="1286428"/>
-          </a:xfrm>
-        </p:grpSpPr>
-        <p:sp>
-          <p:nvSpPr>
-            <p:cNvPr id="265" name="Rectangle 264">
-              <a:extLst>
-                <a:ext uri="{FF2B5EF4-FFF2-40B4-BE49-F238E27FC236}">
-                  <a16:creationId xmlns:a16="http://schemas.microsoft.com/office/drawing/2014/main" id="{34511690-8A18-BE40-AEE4-4CFB2DBD5AD8}"/>
-                </a:ext>
-              </a:extLst>
-            </p:cNvPr>
-            <p:cNvSpPr/>
-            <p:nvPr/>
-          </p:nvSpPr>
-          <p:spPr>
-            <a:xfrm>
-              <a:off x="91227" y="782015"/>
-              <a:ext cx="1554480" cy="246221"/>
-            </a:xfrm>
-            <a:prstGeom prst="rect">
-              <a:avLst/>
-            </a:prstGeom>
-            <a:solidFill>
-              <a:schemeClr val="bg1"/>
-            </a:solidFill>
-            <a:ln>
-              <a:solidFill>
-                <a:schemeClr val="tx1"/>
-              </a:solidFill>
-            </a:ln>
-          </p:spPr>
-          <p:style>
-            <a:lnRef idx="2">
-              <a:schemeClr val="accent1">
-                <a:shade val="50000"/>
-              </a:schemeClr>
-            </a:lnRef>
-            <a:fillRef idx="1">
-              <a:schemeClr val="accent1"/>
-            </a:fillRef>
-            <a:effectRef idx="0">
-              <a:schemeClr val="accent1"/>
-            </a:effectRef>
-            <a:fontRef idx="minor">
-              <a:schemeClr val="lt1"/>
-            </a:fontRef>
-          </p:style>
-          <p:txBody>
-            <a:bodyPr lIns="0" rIns="0" rtlCol="0" anchor="ctr"/>
-            <a:lstStyle/>
-            <a:p>
-              <a:pPr algn="ctr"/>
-              <a:r>
-                <a:rPr lang="en-US" sz="1000" dirty="0">
-                  <a:solidFill>
-                    <a:schemeClr val="tx1"/>
-                  </a:solidFill>
-                </a:rPr>
-                <a:t>▲ </a:t>
-              </a:r>
-              <a:r>
-                <a:rPr lang="en-US" sz="1000" i="1" dirty="0">
-                  <a:solidFill>
-                    <a:schemeClr val="tx1"/>
-                  </a:solidFill>
-                </a:rPr>
-                <a:t>ANPP_woody_stem </a:t>
-              </a:r>
-              <a:r>
-                <a:rPr lang="en-US" sz="1000" i="1" baseline="30000" dirty="0">
-                  <a:solidFill>
-                    <a:schemeClr val="tx1"/>
-                  </a:solidFill>
-                </a:rPr>
-                <a:t>9</a:t>
-              </a:r>
-              <a:endParaRPr lang="en-US" sz="1000" dirty="0">
-                <a:solidFill>
-                  <a:schemeClr val="tx1"/>
-                </a:solidFill>
-              </a:endParaRPr>
-            </a:p>
-          </p:txBody>
-        </p:sp>
-        <p:sp>
-          <p:nvSpPr>
-            <p:cNvPr id="266" name="Rectangle 265">
-              <a:extLst>
-                <a:ext uri="{FF2B5EF4-FFF2-40B4-BE49-F238E27FC236}">
-                  <a16:creationId xmlns:a16="http://schemas.microsoft.com/office/drawing/2014/main" id="{098076E1-E407-A54B-A0B7-590E6B29369A}"/>
-                </a:ext>
-              </a:extLst>
-            </p:cNvPr>
-            <p:cNvSpPr/>
-            <p:nvPr/>
-          </p:nvSpPr>
-          <p:spPr>
-            <a:xfrm>
-              <a:off x="91227" y="1017217"/>
-              <a:ext cx="1554480" cy="246221"/>
-            </a:xfrm>
-            <a:prstGeom prst="rect">
-              <a:avLst/>
-            </a:prstGeom>
-            <a:solidFill>
-              <a:schemeClr val="bg1"/>
-            </a:solidFill>
-            <a:ln>
-              <a:solidFill>
-                <a:schemeClr val="tx1"/>
-              </a:solidFill>
-            </a:ln>
-          </p:spPr>
-          <p:style>
-            <a:lnRef idx="2">
-              <a:schemeClr val="accent1">
-                <a:shade val="50000"/>
-              </a:schemeClr>
-            </a:lnRef>
-            <a:fillRef idx="1">
-              <a:schemeClr val="accent1"/>
-            </a:fillRef>
-            <a:effectRef idx="0">
-              <a:schemeClr val="accent1"/>
-            </a:effectRef>
-            <a:fontRef idx="minor">
-              <a:schemeClr val="lt1"/>
-            </a:fontRef>
-          </p:style>
-          <p:txBody>
-            <a:bodyPr lIns="0" rIns="0" rtlCol="0" anchor="ctr"/>
-            <a:lstStyle/>
-            <a:p>
-              <a:pPr algn="ctr"/>
-              <a:r>
-                <a:rPr lang="en-US" sz="1000" i="1" dirty="0">
-                  <a:solidFill>
-                    <a:schemeClr val="tx1"/>
-                  </a:solidFill>
-                </a:rPr>
-                <a:t>▼ woody_mortality </a:t>
-              </a:r>
-              <a:r>
-                <a:rPr lang="en-US" sz="1000" i="1" baseline="30000" dirty="0">
-                  <a:solidFill>
-                    <a:schemeClr val="tx1"/>
-                  </a:solidFill>
-                </a:rPr>
-                <a:t>2,3,9</a:t>
-              </a:r>
-              <a:endParaRPr lang="en-US" sz="1000" dirty="0">
-                <a:solidFill>
-                  <a:schemeClr val="tx1"/>
-                </a:solidFill>
-              </a:endParaRPr>
-            </a:p>
-          </p:txBody>
-        </p:sp>
-        <p:sp>
-          <p:nvSpPr>
-            <p:cNvPr id="268" name="Rectangle 267">
-              <a:extLst>
-                <a:ext uri="{FF2B5EF4-FFF2-40B4-BE49-F238E27FC236}">
-                  <a16:creationId xmlns:a16="http://schemas.microsoft.com/office/drawing/2014/main" id="{925E6E69-1453-C643-A650-118FCA7F72FD}"/>
-                </a:ext>
-              </a:extLst>
-            </p:cNvPr>
-            <p:cNvSpPr/>
-            <p:nvPr/>
-          </p:nvSpPr>
-          <p:spPr>
-            <a:xfrm>
-              <a:off x="91227" y="281432"/>
-              <a:ext cx="1554480" cy="246221"/>
-            </a:xfrm>
-            <a:prstGeom prst="rect">
-              <a:avLst/>
-            </a:prstGeom>
-            <a:solidFill>
-              <a:schemeClr val="bg1"/>
-            </a:solidFill>
-            <a:ln>
-              <a:solidFill>
-                <a:schemeClr val="tx1"/>
-              </a:solidFill>
-            </a:ln>
-          </p:spPr>
-          <p:style>
-            <a:lnRef idx="2">
-              <a:schemeClr val="accent1">
-                <a:shade val="50000"/>
-              </a:schemeClr>
-            </a:lnRef>
-            <a:fillRef idx="1">
-              <a:schemeClr val="accent1"/>
-            </a:fillRef>
-            <a:effectRef idx="0">
-              <a:schemeClr val="accent1"/>
-            </a:effectRef>
-            <a:fontRef idx="minor">
-              <a:schemeClr val="lt1"/>
-            </a:fontRef>
-          </p:style>
-          <p:txBody>
-            <a:bodyPr lIns="0" rIns="0" rtlCol="0" anchor="ctr"/>
-            <a:lstStyle/>
-            <a:p>
-              <a:pPr algn="ctr"/>
-              <a:r>
-                <a:rPr lang="en-US" sz="1000" i="1" dirty="0">
-                  <a:solidFill>
-                    <a:schemeClr val="tx1"/>
-                  </a:solidFill>
-                </a:rPr>
-                <a:t>biomass_ag_woody</a:t>
-              </a:r>
-            </a:p>
-          </p:txBody>
-        </p:sp>
-        <p:sp>
-          <p:nvSpPr>
-            <p:cNvPr id="269" name="Rectangle 268">
-              <a:extLst>
-                <a:ext uri="{FF2B5EF4-FFF2-40B4-BE49-F238E27FC236}">
-                  <a16:creationId xmlns:a16="http://schemas.microsoft.com/office/drawing/2014/main" id="{44367FEB-7307-CF43-B99F-F5DF6DA5BFA0}"/>
-                </a:ext>
-              </a:extLst>
-            </p:cNvPr>
-            <p:cNvSpPr/>
-            <p:nvPr/>
-          </p:nvSpPr>
-          <p:spPr>
-            <a:xfrm>
-              <a:off x="90095" y="-22990"/>
-              <a:ext cx="1554480" cy="316763"/>
-            </a:xfrm>
-            <a:prstGeom prst="rect">
-              <a:avLst/>
-            </a:prstGeom>
-            <a:solidFill>
-              <a:schemeClr val="accent6">
-                <a:lumMod val="40000"/>
-                <a:lumOff val="60000"/>
-              </a:schemeClr>
-            </a:solidFill>
-            <a:ln>
-              <a:solidFill>
-                <a:schemeClr val="tx1"/>
-              </a:solidFill>
-            </a:ln>
-          </p:spPr>
-          <p:style>
-            <a:lnRef idx="2">
-              <a:schemeClr val="accent1">
-                <a:shade val="50000"/>
-              </a:schemeClr>
-            </a:lnRef>
-            <a:fillRef idx="1">
-              <a:schemeClr val="accent1"/>
-            </a:fillRef>
-            <a:effectRef idx="0">
-              <a:schemeClr val="accent1"/>
-            </a:effectRef>
-            <a:fontRef idx="minor">
-              <a:schemeClr val="lt1"/>
-            </a:fontRef>
-          </p:style>
-          <p:txBody>
-            <a:bodyPr lIns="18288" rIns="18288" rtlCol="0" anchor="ctr"/>
-            <a:lstStyle/>
-            <a:p>
-              <a:pPr algn="ctr"/>
-              <a:r>
-                <a:rPr lang="en-US" sz="1000" dirty="0">
-                  <a:solidFill>
-                    <a:schemeClr val="tx1"/>
-                  </a:solidFill>
-                </a:rPr>
-                <a:t>Aboveground woody biomass</a:t>
-              </a:r>
-            </a:p>
-          </p:txBody>
-        </p:sp>
-      </p:grpSp>
-      <p:grpSp>
-        <p:nvGrpSpPr>
-          <p:cNvPr id="271" name="Group 270">
-            <a:extLst>
-              <a:ext uri="{FF2B5EF4-FFF2-40B4-BE49-F238E27FC236}">
-                <a16:creationId xmlns:a16="http://schemas.microsoft.com/office/drawing/2014/main" id="{51588750-BA78-9E4B-A58F-83921A16A1F3}"/>
-              </a:ext>
-            </a:extLst>
-          </p:cNvPr>
-          <p:cNvGrpSpPr/>
-          <p:nvPr/>
-        </p:nvGrpSpPr>
-        <p:grpSpPr>
-          <a:xfrm>
-            <a:off x="3147692" y="2941811"/>
-            <a:ext cx="1372732" cy="1223293"/>
-            <a:chOff x="90095" y="47552"/>
-            <a:chExt cx="1372732" cy="1223293"/>
-          </a:xfrm>
-        </p:grpSpPr>
-        <p:sp>
-          <p:nvSpPr>
-            <p:cNvPr id="272" name="Rectangle 271">
-              <a:extLst>
-                <a:ext uri="{FF2B5EF4-FFF2-40B4-BE49-F238E27FC236}">
-                  <a16:creationId xmlns:a16="http://schemas.microsoft.com/office/drawing/2014/main" id="{46BE2097-3C3B-B241-8A57-CBEC639A8760}"/>
-                </a:ext>
-              </a:extLst>
-            </p:cNvPr>
-            <p:cNvSpPr/>
-            <p:nvPr/>
-          </p:nvSpPr>
-          <p:spPr>
-            <a:xfrm>
-              <a:off x="91227" y="780186"/>
-              <a:ext cx="1371600" cy="246221"/>
-            </a:xfrm>
-            <a:prstGeom prst="rect">
-              <a:avLst/>
-            </a:prstGeom>
-            <a:solidFill>
-              <a:schemeClr val="bg1"/>
-            </a:solidFill>
-            <a:ln>
-              <a:solidFill>
-                <a:schemeClr val="tx1"/>
-              </a:solidFill>
-            </a:ln>
-          </p:spPr>
-          <p:style>
-            <a:lnRef idx="2">
-              <a:schemeClr val="accent1">
-                <a:shade val="50000"/>
-              </a:schemeClr>
-            </a:lnRef>
-            <a:fillRef idx="1">
-              <a:schemeClr val="accent1"/>
-            </a:fillRef>
-            <a:effectRef idx="0">
-              <a:schemeClr val="accent1"/>
-            </a:effectRef>
-            <a:fontRef idx="minor">
-              <a:schemeClr val="lt1"/>
-            </a:fontRef>
-          </p:style>
-          <p:txBody>
-            <a:bodyPr rtlCol="0" anchor="ctr"/>
-            <a:lstStyle/>
-            <a:p>
-              <a:pPr algn="ctr"/>
-              <a:r>
-                <a:rPr lang="en-US" sz="1000" dirty="0">
-                  <a:solidFill>
-                    <a:schemeClr val="tx1"/>
-                  </a:solidFill>
-                </a:rPr>
-                <a:t>▲ </a:t>
-              </a:r>
-              <a:r>
-                <a:rPr lang="en-US" sz="1000" i="1" dirty="0">
-                  <a:solidFill>
-                    <a:schemeClr val="tx1"/>
-                  </a:solidFill>
-                </a:rPr>
-                <a:t>woody_mortality </a:t>
-              </a:r>
-              <a:r>
-                <a:rPr lang="en-US" sz="1000" i="1" baseline="30000" dirty="0">
-                  <a:solidFill>
-                    <a:schemeClr val="tx1"/>
-                  </a:solidFill>
-                </a:rPr>
-                <a:t>3,4</a:t>
-              </a:r>
-              <a:endParaRPr lang="en-US" sz="1000" dirty="0">
-                <a:solidFill>
-                  <a:schemeClr val="tx1"/>
-                </a:solidFill>
-              </a:endParaRPr>
-            </a:p>
-          </p:txBody>
-        </p:sp>
-        <p:sp>
-          <p:nvSpPr>
-            <p:cNvPr id="273" name="Rectangle 272">
-              <a:extLst>
-                <a:ext uri="{FF2B5EF4-FFF2-40B4-BE49-F238E27FC236}">
-                  <a16:creationId xmlns:a16="http://schemas.microsoft.com/office/drawing/2014/main" id="{5373C836-F852-3E46-ACE9-FBC89A9EEFD0}"/>
-                </a:ext>
-              </a:extLst>
-            </p:cNvPr>
-            <p:cNvSpPr/>
-            <p:nvPr/>
-          </p:nvSpPr>
-          <p:spPr>
-            <a:xfrm>
-              <a:off x="91227" y="1024624"/>
-              <a:ext cx="1371600" cy="246221"/>
-            </a:xfrm>
-            <a:prstGeom prst="rect">
-              <a:avLst/>
-            </a:prstGeom>
-            <a:solidFill>
-              <a:schemeClr val="bg1"/>
-            </a:solidFill>
-            <a:ln>
-              <a:solidFill>
-                <a:schemeClr val="tx1"/>
-              </a:solidFill>
-            </a:ln>
-          </p:spPr>
-          <p:style>
-            <a:lnRef idx="2">
-              <a:schemeClr val="accent1">
-                <a:shade val="50000"/>
-              </a:schemeClr>
-            </a:lnRef>
-            <a:fillRef idx="1">
-              <a:schemeClr val="accent1"/>
-            </a:fillRef>
-            <a:effectRef idx="0">
-              <a:schemeClr val="accent1"/>
-            </a:effectRef>
-            <a:fontRef idx="minor">
-              <a:schemeClr val="lt1"/>
-            </a:fontRef>
-          </p:style>
-          <p:txBody>
-            <a:bodyPr lIns="45720" rIns="45720" rtlCol="0" anchor="ctr"/>
-            <a:lstStyle/>
-            <a:p>
-              <a:pPr algn="ctr"/>
-              <a:r>
-                <a:rPr lang="en-US" sz="1000" i="1" dirty="0">
-                  <a:solidFill>
-                    <a:schemeClr val="tx1"/>
-                  </a:solidFill>
-                </a:rPr>
-                <a:t>▼ R_het_deadwood </a:t>
-              </a:r>
-              <a:r>
-                <a:rPr lang="en-US" sz="1000" baseline="30000" dirty="0">
-                  <a:solidFill>
-                    <a:schemeClr val="tx1"/>
-                  </a:solidFill>
-                </a:rPr>
-                <a:t>4,5</a:t>
-              </a:r>
-              <a:r>
-                <a:rPr lang="en-US" sz="1000" dirty="0">
-                  <a:solidFill>
-                    <a:schemeClr val="tx1"/>
-                  </a:solidFill>
-                </a:rPr>
-                <a:t> </a:t>
-              </a:r>
-            </a:p>
-          </p:txBody>
-        </p:sp>
-        <p:sp>
-          <p:nvSpPr>
-            <p:cNvPr id="274" name="Rectangle 273">
-              <a:extLst>
-                <a:ext uri="{FF2B5EF4-FFF2-40B4-BE49-F238E27FC236}">
-                  <a16:creationId xmlns:a16="http://schemas.microsoft.com/office/drawing/2014/main" id="{1AAB0F52-7BE7-3643-92A4-33DA0D6A308A}"/>
-                </a:ext>
-              </a:extLst>
-            </p:cNvPr>
-            <p:cNvSpPr/>
-            <p:nvPr/>
-          </p:nvSpPr>
-          <p:spPr>
-            <a:xfrm>
-              <a:off x="91227" y="536478"/>
-              <a:ext cx="1371600" cy="246221"/>
-            </a:xfrm>
-            <a:prstGeom prst="rect">
-              <a:avLst/>
-            </a:prstGeom>
-            <a:solidFill>
-              <a:schemeClr val="bg1"/>
-            </a:solidFill>
-            <a:ln>
-              <a:solidFill>
-                <a:schemeClr val="tx1"/>
-              </a:solidFill>
-            </a:ln>
-          </p:spPr>
-          <p:style>
-            <a:lnRef idx="2">
-              <a:schemeClr val="accent1">
-                <a:shade val="50000"/>
-              </a:schemeClr>
-            </a:lnRef>
-            <a:fillRef idx="1">
-              <a:schemeClr val="accent1"/>
-            </a:fillRef>
-            <a:effectRef idx="0">
-              <a:schemeClr val="accent1"/>
-            </a:effectRef>
-            <a:fontRef idx="minor">
-              <a:schemeClr val="lt1"/>
-            </a:fontRef>
-          </p:style>
-          <p:txBody>
-            <a:bodyPr rtlCol="0" anchor="ctr"/>
-            <a:lstStyle/>
-            <a:p>
-              <a:pPr algn="ctr"/>
-              <a:r>
-                <a:rPr lang="en-US" sz="1000" dirty="0">
-                  <a:solidFill>
-                    <a:schemeClr val="tx1"/>
-                  </a:solidFill>
-                </a:rPr>
-                <a:t>△</a:t>
-              </a:r>
-              <a:r>
-                <a:rPr lang="en-US" sz="1000" i="1" dirty="0">
-                  <a:solidFill>
-                    <a:schemeClr val="tx1"/>
-                  </a:solidFill>
-                </a:rPr>
-                <a:t> delta.deadwood </a:t>
-              </a:r>
-              <a:r>
-                <a:rPr lang="en-US" sz="1000" baseline="30000" dirty="0">
-                  <a:solidFill>
-                    <a:schemeClr val="tx1"/>
-                  </a:solidFill>
-                </a:rPr>
-                <a:t>4</a:t>
-              </a:r>
-              <a:endParaRPr lang="en-US" sz="1000" dirty="0">
-                <a:solidFill>
-                  <a:schemeClr val="tx1"/>
-                </a:solidFill>
-              </a:endParaRPr>
-            </a:p>
-          </p:txBody>
-        </p:sp>
-        <p:sp>
-          <p:nvSpPr>
-            <p:cNvPr id="275" name="Rectangle 274">
-              <a:extLst>
-                <a:ext uri="{FF2B5EF4-FFF2-40B4-BE49-F238E27FC236}">
-                  <a16:creationId xmlns:a16="http://schemas.microsoft.com/office/drawing/2014/main" id="{A8FED04B-5C12-B049-8EDC-8E2C8FAB6BEE}"/>
-                </a:ext>
-              </a:extLst>
-            </p:cNvPr>
-            <p:cNvSpPr/>
-            <p:nvPr/>
-          </p:nvSpPr>
-          <p:spPr>
-            <a:xfrm>
-              <a:off x="91227" y="291480"/>
-              <a:ext cx="1371600" cy="246221"/>
-            </a:xfrm>
-            <a:prstGeom prst="rect">
-              <a:avLst/>
-            </a:prstGeom>
-            <a:solidFill>
-              <a:schemeClr val="bg1"/>
-            </a:solidFill>
-            <a:ln>
-              <a:solidFill>
-                <a:schemeClr val="tx1"/>
-              </a:solidFill>
-            </a:ln>
-          </p:spPr>
-          <p:style>
-            <a:lnRef idx="2">
-              <a:schemeClr val="accent1">
-                <a:shade val="50000"/>
-              </a:schemeClr>
-            </a:lnRef>
-            <a:fillRef idx="1">
-              <a:schemeClr val="accent1"/>
-            </a:fillRef>
-            <a:effectRef idx="0">
-              <a:schemeClr val="accent1"/>
-            </a:effectRef>
-            <a:fontRef idx="minor">
-              <a:schemeClr val="lt1"/>
-            </a:fontRef>
-          </p:style>
-          <p:txBody>
-            <a:bodyPr rtlCol="0" anchor="ctr"/>
-            <a:lstStyle/>
-            <a:p>
-              <a:pPr algn="ctr"/>
-              <a:r>
-                <a:rPr lang="en-US" sz="1000" i="1" dirty="0">
-                  <a:solidFill>
-                    <a:schemeClr val="tx1"/>
-                  </a:solidFill>
-                </a:rPr>
-                <a:t>deadwood </a:t>
-              </a:r>
-              <a:r>
-                <a:rPr lang="en-US" sz="1000" i="1" baseline="30000" dirty="0">
-                  <a:solidFill>
-                    <a:schemeClr val="tx1"/>
-                  </a:solidFill>
-                </a:rPr>
-                <a:t>4</a:t>
-              </a:r>
-              <a:endParaRPr lang="en-US" sz="1000" i="1" dirty="0">
-                <a:solidFill>
-                  <a:schemeClr val="tx1"/>
-                </a:solidFill>
-              </a:endParaRPr>
-            </a:p>
-          </p:txBody>
-        </p:sp>
-        <p:sp>
-          <p:nvSpPr>
-            <p:cNvPr id="276" name="Rectangle 275">
-              <a:extLst>
-                <a:ext uri="{FF2B5EF4-FFF2-40B4-BE49-F238E27FC236}">
-                  <a16:creationId xmlns:a16="http://schemas.microsoft.com/office/drawing/2014/main" id="{ACD90970-8680-C044-B871-378C0CAA215F}"/>
-                </a:ext>
-              </a:extLst>
-            </p:cNvPr>
-            <p:cNvSpPr/>
-            <p:nvPr/>
-          </p:nvSpPr>
-          <p:spPr>
-            <a:xfrm>
-              <a:off x="90095" y="47552"/>
-              <a:ext cx="1371600" cy="246221"/>
-            </a:xfrm>
-            <a:prstGeom prst="rect">
-              <a:avLst/>
-            </a:prstGeom>
-            <a:solidFill>
-              <a:srgbClr val="DCE0CE"/>
-            </a:solidFill>
-            <a:ln>
-              <a:solidFill>
-                <a:schemeClr val="tx1"/>
-              </a:solidFill>
-            </a:ln>
-          </p:spPr>
-          <p:style>
-            <a:lnRef idx="2">
-              <a:schemeClr val="accent1">
-                <a:shade val="50000"/>
-              </a:schemeClr>
-            </a:lnRef>
-            <a:fillRef idx="1">
-              <a:schemeClr val="accent1"/>
-            </a:fillRef>
-            <a:effectRef idx="0">
-              <a:schemeClr val="accent1"/>
-            </a:effectRef>
-            <a:fontRef idx="minor">
-              <a:schemeClr val="lt1"/>
-            </a:fontRef>
-          </p:style>
-          <p:txBody>
-            <a:bodyPr rtlCol="0" anchor="ctr"/>
-            <a:lstStyle/>
-            <a:p>
-              <a:pPr algn="ctr"/>
-              <a:r>
-                <a:rPr lang="en-US" sz="1000" dirty="0">
-                  <a:solidFill>
-                    <a:schemeClr val="tx1"/>
-                  </a:solidFill>
-                </a:rPr>
-                <a:t>Dead wood</a:t>
-              </a:r>
-              <a:endParaRPr lang="en-US" sz="1000" baseline="30000" dirty="0">
-                <a:solidFill>
-                  <a:schemeClr val="tx1"/>
-                </a:solidFill>
-              </a:endParaRPr>
-            </a:p>
-          </p:txBody>
-        </p:sp>
-      </p:grpSp>
-      <p:sp>
-        <p:nvSpPr>
-          <p:cNvPr id="281" name="TextBox 280">
-            <a:extLst>
-              <a:ext uri="{FF2B5EF4-FFF2-40B4-BE49-F238E27FC236}">
-                <a16:creationId xmlns:a16="http://schemas.microsoft.com/office/drawing/2014/main" id="{A79AB057-7A64-D746-8EA8-FAC2B6AB5441}"/>
-              </a:ext>
-            </a:extLst>
-          </p:cNvPr>
-          <p:cNvSpPr txBox="1"/>
-          <p:nvPr/>
-        </p:nvSpPr>
-        <p:spPr>
-          <a:xfrm>
-            <a:off x="44270" y="7802081"/>
-            <a:ext cx="6769459" cy="246221"/>
-          </a:xfrm>
-          <a:prstGeom prst="rect">
-            <a:avLst/>
-          </a:prstGeom>
-          <a:noFill/>
-        </p:spPr>
-        <p:txBody>
-          <a:bodyPr wrap="square" rtlCol="0">
-            <a:spAutoFit/>
-          </a:bodyPr>
-          <a:lstStyle/>
-          <a:p>
-            <a:r>
-              <a:rPr lang="en-US" sz="1000" dirty="0"/>
-              <a:t>For footnotes, see caption in manuscript. </a:t>
-            </a:r>
-          </a:p>
-        </p:txBody>
-      </p:sp>
-      <p:grpSp>
-        <p:nvGrpSpPr>
-          <p:cNvPr id="283" name="Group 282">
-            <a:extLst>
-              <a:ext uri="{FF2B5EF4-FFF2-40B4-BE49-F238E27FC236}">
-                <a16:creationId xmlns:a16="http://schemas.microsoft.com/office/drawing/2014/main" id="{9311EC2D-64C9-EB4F-A553-ED10063CC617}"/>
-              </a:ext>
-            </a:extLst>
-          </p:cNvPr>
-          <p:cNvGrpSpPr/>
-          <p:nvPr/>
-        </p:nvGrpSpPr>
-        <p:grpSpPr>
-          <a:xfrm>
-            <a:off x="5207281" y="70443"/>
-            <a:ext cx="1555612" cy="989705"/>
-            <a:chOff x="90095" y="-22990"/>
-            <a:chExt cx="1555612" cy="989705"/>
-          </a:xfrm>
-        </p:grpSpPr>
-        <p:sp>
-          <p:nvSpPr>
-            <p:cNvPr id="284" name="Rectangle 283">
-              <a:extLst>
-                <a:ext uri="{FF2B5EF4-FFF2-40B4-BE49-F238E27FC236}">
-                  <a16:creationId xmlns:a16="http://schemas.microsoft.com/office/drawing/2014/main" id="{27488537-0569-AA42-AE4A-34FBBDE0D11E}"/>
-                </a:ext>
-              </a:extLst>
-            </p:cNvPr>
-            <p:cNvSpPr/>
-            <p:nvPr/>
-          </p:nvSpPr>
-          <p:spPr>
-            <a:xfrm>
-              <a:off x="91227" y="475389"/>
-              <a:ext cx="1554480" cy="246888"/>
-            </a:xfrm>
-            <a:prstGeom prst="rect">
-              <a:avLst/>
-            </a:prstGeom>
-            <a:solidFill>
-              <a:schemeClr val="bg1"/>
-            </a:solidFill>
-            <a:ln>
-              <a:solidFill>
-                <a:schemeClr val="tx1"/>
-              </a:solidFill>
-            </a:ln>
-          </p:spPr>
-          <p:style>
-            <a:lnRef idx="2">
-              <a:schemeClr val="accent1">
-                <a:shade val="50000"/>
-              </a:schemeClr>
-            </a:lnRef>
-            <a:fillRef idx="1">
-              <a:schemeClr val="accent1"/>
-            </a:fillRef>
-            <a:effectRef idx="0">
-              <a:schemeClr val="accent1"/>
-            </a:effectRef>
-            <a:fontRef idx="minor">
-              <a:schemeClr val="lt1"/>
-            </a:fontRef>
-          </p:style>
-          <p:txBody>
-            <a:bodyPr rtlCol="0" anchor="ctr"/>
-            <a:lstStyle/>
-            <a:p>
-              <a:pPr algn="ctr"/>
-              <a:r>
-                <a:rPr lang="en-US" sz="1000" dirty="0">
-                  <a:solidFill>
-                    <a:schemeClr val="tx1"/>
-                  </a:solidFill>
-                </a:rPr>
-                <a:t>▲ </a:t>
-              </a:r>
-              <a:r>
-                <a:rPr lang="en-US" sz="1000" i="1" dirty="0">
-                  <a:solidFill>
-                    <a:schemeClr val="tx1"/>
-                  </a:solidFill>
-                </a:rPr>
-                <a:t>ANPP_foliage </a:t>
-              </a:r>
-              <a:r>
-                <a:rPr lang="en-US" sz="1000" i="1" baseline="30000" dirty="0">
-                  <a:solidFill>
-                    <a:schemeClr val="tx1"/>
-                  </a:solidFill>
-                </a:rPr>
-                <a:t>8</a:t>
-              </a:r>
-              <a:endParaRPr lang="en-US" sz="1000" dirty="0">
-                <a:solidFill>
-                  <a:schemeClr val="tx1"/>
-                </a:solidFill>
-              </a:endParaRPr>
-            </a:p>
-          </p:txBody>
-        </p:sp>
-        <p:sp>
-          <p:nvSpPr>
-            <p:cNvPr id="285" name="Rectangle 284">
-              <a:extLst>
-                <a:ext uri="{FF2B5EF4-FFF2-40B4-BE49-F238E27FC236}">
-                  <a16:creationId xmlns:a16="http://schemas.microsoft.com/office/drawing/2014/main" id="{D8642653-6C38-D448-9AC4-E936A1712F64}"/>
-                </a:ext>
-              </a:extLst>
-            </p:cNvPr>
-            <p:cNvSpPr/>
-            <p:nvPr/>
-          </p:nvSpPr>
-          <p:spPr>
-            <a:xfrm>
-              <a:off x="91227" y="719827"/>
-              <a:ext cx="1554480" cy="246888"/>
-            </a:xfrm>
-            <a:prstGeom prst="rect">
-              <a:avLst/>
-            </a:prstGeom>
-            <a:solidFill>
-              <a:schemeClr val="bg1"/>
-            </a:solidFill>
-            <a:ln>
-              <a:solidFill>
-                <a:schemeClr val="tx1"/>
-              </a:solidFill>
-            </a:ln>
-          </p:spPr>
-          <p:style>
-            <a:lnRef idx="2">
-              <a:schemeClr val="accent1">
-                <a:shade val="50000"/>
-              </a:schemeClr>
-            </a:lnRef>
-            <a:fillRef idx="1">
-              <a:schemeClr val="accent1"/>
-            </a:fillRef>
-            <a:effectRef idx="0">
-              <a:schemeClr val="accent1"/>
-            </a:effectRef>
-            <a:fontRef idx="minor">
-              <a:schemeClr val="lt1"/>
-            </a:fontRef>
-          </p:style>
-          <p:txBody>
-            <a:bodyPr rtlCol="0" anchor="ctr"/>
-            <a:lstStyle/>
-            <a:p>
-              <a:pPr algn="ctr"/>
-              <a:r>
-                <a:rPr lang="en-US" sz="1000" i="1" dirty="0">
-                  <a:solidFill>
-                    <a:schemeClr val="tx1"/>
-                  </a:solidFill>
-                </a:rPr>
-                <a:t>▼ ANPP_foliage </a:t>
-              </a:r>
-              <a:r>
-                <a:rPr lang="en-US" sz="1000" i="1" baseline="30000" dirty="0">
-                  <a:solidFill>
-                    <a:schemeClr val="tx1"/>
-                  </a:solidFill>
-                </a:rPr>
-                <a:t>8</a:t>
-              </a:r>
-              <a:endParaRPr lang="en-US" sz="1000" dirty="0">
-                <a:solidFill>
-                  <a:schemeClr val="tx1"/>
-                </a:solidFill>
-              </a:endParaRPr>
-            </a:p>
-          </p:txBody>
-        </p:sp>
-        <p:sp>
-          <p:nvSpPr>
-            <p:cNvPr id="286" name="Rectangle 285">
-              <a:extLst>
-                <a:ext uri="{FF2B5EF4-FFF2-40B4-BE49-F238E27FC236}">
-                  <a16:creationId xmlns:a16="http://schemas.microsoft.com/office/drawing/2014/main" id="{AA01EBDE-B1C3-ED4A-A294-360E9C1CF4F1}"/>
-                </a:ext>
-              </a:extLst>
-            </p:cNvPr>
-            <p:cNvSpPr/>
-            <p:nvPr/>
-          </p:nvSpPr>
-          <p:spPr>
-            <a:xfrm>
-              <a:off x="91227" y="226827"/>
-              <a:ext cx="1554480" cy="246888"/>
-            </a:xfrm>
-            <a:prstGeom prst="rect">
-              <a:avLst/>
-            </a:prstGeom>
-            <a:solidFill>
-              <a:schemeClr val="bg1"/>
-            </a:solidFill>
-            <a:ln>
-              <a:solidFill>
-                <a:schemeClr val="tx1"/>
-              </a:solidFill>
-            </a:ln>
-          </p:spPr>
-          <p:style>
-            <a:lnRef idx="2">
-              <a:schemeClr val="accent1">
-                <a:shade val="50000"/>
-              </a:schemeClr>
-            </a:lnRef>
-            <a:fillRef idx="1">
-              <a:schemeClr val="accent1"/>
-            </a:fillRef>
-            <a:effectRef idx="0">
-              <a:schemeClr val="accent1"/>
-            </a:effectRef>
-            <a:fontRef idx="minor">
-              <a:schemeClr val="lt1"/>
-            </a:fontRef>
-          </p:style>
-          <p:txBody>
-            <a:bodyPr rtlCol="0" anchor="ctr"/>
-            <a:lstStyle/>
-            <a:p>
-              <a:pPr algn="ctr"/>
-              <a:r>
-                <a:rPr lang="en-US" sz="1000" i="1" dirty="0">
-                  <a:solidFill>
-                    <a:schemeClr val="tx1"/>
-                  </a:solidFill>
-                </a:rPr>
-                <a:t>biomass_ag_foliage </a:t>
-              </a:r>
-              <a:r>
-                <a:rPr lang="en-US" sz="1000" dirty="0">
-                  <a:solidFill>
-                    <a:schemeClr val="tx1"/>
-                  </a:solidFill>
-                </a:rPr>
-                <a:t>| △ ⌀ </a:t>
-              </a:r>
-              <a:endParaRPr lang="en-US" sz="1000" i="1" dirty="0">
-                <a:solidFill>
-                  <a:schemeClr val="tx1"/>
-                </a:solidFill>
-              </a:endParaRPr>
-            </a:p>
-          </p:txBody>
-        </p:sp>
-        <p:sp>
-          <p:nvSpPr>
-            <p:cNvPr id="287" name="Rectangle 286">
-              <a:extLst>
-                <a:ext uri="{FF2B5EF4-FFF2-40B4-BE49-F238E27FC236}">
-                  <a16:creationId xmlns:a16="http://schemas.microsoft.com/office/drawing/2014/main" id="{716411C3-1E65-914D-9EA9-EFE26E2FB6D8}"/>
-                </a:ext>
-              </a:extLst>
-            </p:cNvPr>
-            <p:cNvSpPr/>
-            <p:nvPr/>
-          </p:nvSpPr>
-          <p:spPr>
-            <a:xfrm>
-              <a:off x="90095" y="-22990"/>
-              <a:ext cx="1554480" cy="246888"/>
-            </a:xfrm>
-            <a:prstGeom prst="rect">
-              <a:avLst/>
-            </a:prstGeom>
-            <a:solidFill>
-              <a:schemeClr val="accent6">
-                <a:lumMod val="40000"/>
-                <a:lumOff val="60000"/>
-              </a:schemeClr>
-            </a:solidFill>
-            <a:ln>
-              <a:solidFill>
-                <a:schemeClr val="tx1"/>
-              </a:solidFill>
-            </a:ln>
-          </p:spPr>
-          <p:style>
-            <a:lnRef idx="2">
-              <a:schemeClr val="accent1">
-                <a:shade val="50000"/>
-              </a:schemeClr>
-            </a:lnRef>
-            <a:fillRef idx="1">
-              <a:schemeClr val="accent1"/>
-            </a:fillRef>
-            <a:effectRef idx="0">
-              <a:schemeClr val="accent1"/>
-            </a:effectRef>
-            <a:fontRef idx="minor">
-              <a:schemeClr val="lt1"/>
-            </a:fontRef>
-          </p:style>
-          <p:txBody>
-            <a:bodyPr rtlCol="0" anchor="ctr"/>
-            <a:lstStyle/>
-            <a:p>
-              <a:pPr algn="ctr"/>
-              <a:r>
-                <a:rPr lang="en-US" sz="1000" dirty="0">
-                  <a:solidFill>
-                    <a:schemeClr val="tx1"/>
-                  </a:solidFill>
-                </a:rPr>
-                <a:t>Foliage biomass</a:t>
-              </a:r>
-            </a:p>
-          </p:txBody>
-        </p:sp>
-      </p:grpSp>
-      <p:cxnSp>
-        <p:nvCxnSpPr>
-          <p:cNvPr id="300" name="Curved Connector 299">
-            <a:extLst>
-              <a:ext uri="{FF2B5EF4-FFF2-40B4-BE49-F238E27FC236}">
-                <a16:creationId xmlns:a16="http://schemas.microsoft.com/office/drawing/2014/main" id="{030B4F1E-62F9-A143-A69D-A457562A0024}"/>
-              </a:ext>
-            </a:extLst>
-          </p:cNvPr>
-          <p:cNvCxnSpPr>
-            <a:cxnSpLocks/>
-            <a:stCxn id="266" idx="1"/>
-            <a:endCxn id="272" idx="3"/>
-          </p:cNvCxnSpPr>
-          <p:nvPr/>
-        </p:nvCxnSpPr>
-        <p:spPr>
-          <a:xfrm rot="10800000" flipV="1">
-            <a:off x="4520425" y="2265864"/>
-            <a:ext cx="687989" cy="1531692"/>
-          </a:xfrm>
-          <a:prstGeom prst="curvedConnector3">
-            <a:avLst>
-              <a:gd name="adj1" fmla="val 50000"/>
-            </a:avLst>
-          </a:prstGeom>
-          <a:ln w="12700">
-            <a:solidFill>
-              <a:schemeClr val="accent6">
-                <a:lumMod val="60000"/>
-                <a:lumOff val="40000"/>
-              </a:schemeClr>
-            </a:solidFill>
-            <a:prstDash val="sysDash"/>
-            <a:tailEnd type="triangle"/>
-          </a:ln>
-        </p:spPr>
-        <p:style>
-          <a:lnRef idx="1">
-            <a:schemeClr val="dk1"/>
-          </a:lnRef>
-          <a:fillRef idx="0">
-            <a:schemeClr val="dk1"/>
-          </a:fillRef>
-          <a:effectRef idx="0">
-            <a:schemeClr val="dk1"/>
-          </a:effectRef>
-          <a:fontRef idx="minor">
-            <a:schemeClr val="tx1"/>
-          </a:fontRef>
-        </p:style>
-      </p:cxnSp>
-      <p:sp>
-        <p:nvSpPr>
-          <p:cNvPr id="302" name="Rectangle 301">
-            <a:extLst>
-              <a:ext uri="{FF2B5EF4-FFF2-40B4-BE49-F238E27FC236}">
-                <a16:creationId xmlns:a16="http://schemas.microsoft.com/office/drawing/2014/main" id="{8AE3A907-6299-B74B-8E04-2A28A6BF7EA8}"/>
-              </a:ext>
-            </a:extLst>
-          </p:cNvPr>
-          <p:cNvSpPr/>
-          <p:nvPr/>
-        </p:nvSpPr>
-        <p:spPr>
-          <a:xfrm>
-            <a:off x="1625991" y="4102683"/>
-            <a:ext cx="1345240" cy="246221"/>
-          </a:xfrm>
-          <a:prstGeom prst="rect">
-            <a:avLst/>
-          </a:prstGeom>
-          <a:solidFill>
-            <a:srgbClr val="DBE0BB"/>
-          </a:solidFill>
-          <a:ln>
-            <a:solidFill>
-              <a:schemeClr val="tx1"/>
-            </a:solidFill>
-          </a:ln>
-        </p:spPr>
-        <p:style>
-          <a:lnRef idx="2">
-            <a:schemeClr val="accent1">
-              <a:shade val="50000"/>
-            </a:schemeClr>
-          </a:lnRef>
-          <a:fillRef idx="1">
-            <a:schemeClr val="accent1"/>
-          </a:fillRef>
-          <a:effectRef idx="0">
-            <a:schemeClr val="accent1"/>
-          </a:effectRef>
-          <a:fontRef idx="minor">
-            <a:schemeClr val="lt1"/>
-          </a:fontRef>
-        </p:style>
-        <p:txBody>
-          <a:bodyPr rtlCol="0" anchor="ctr"/>
-          <a:lstStyle/>
-          <a:p>
-            <a:pPr algn="ctr"/>
-            <a:r>
-              <a:rPr lang="en-US" sz="1000" dirty="0">
-                <a:solidFill>
-                  <a:schemeClr val="tx1"/>
-                </a:solidFill>
-              </a:rPr>
-              <a:t>Dead organic matter</a:t>
-            </a:r>
-          </a:p>
-        </p:txBody>
-      </p:sp>
-      <p:sp>
-        <p:nvSpPr>
-          <p:cNvPr id="309" name="Rectangle 308">
-            <a:extLst>
-              <a:ext uri="{FF2B5EF4-FFF2-40B4-BE49-F238E27FC236}">
-                <a16:creationId xmlns:a16="http://schemas.microsoft.com/office/drawing/2014/main" id="{14D267F4-6BC9-5345-85DD-0DD93D31BE48}"/>
-              </a:ext>
-            </a:extLst>
-          </p:cNvPr>
-          <p:cNvSpPr/>
-          <p:nvPr/>
-        </p:nvSpPr>
-        <p:spPr>
-          <a:xfrm>
-            <a:off x="1625991" y="5827770"/>
-            <a:ext cx="1345240" cy="246221"/>
-          </a:xfrm>
-          <a:prstGeom prst="rect">
-            <a:avLst/>
-          </a:prstGeom>
-          <a:solidFill>
-            <a:srgbClr val="ACA081"/>
-          </a:solidFill>
-          <a:ln>
-            <a:solidFill>
-              <a:schemeClr val="tx1"/>
-            </a:solidFill>
-          </a:ln>
-        </p:spPr>
-        <p:style>
-          <a:lnRef idx="2">
-            <a:schemeClr val="accent1">
-              <a:shade val="50000"/>
-            </a:schemeClr>
-          </a:lnRef>
-          <a:fillRef idx="1">
-            <a:schemeClr val="accent1"/>
-          </a:fillRef>
-          <a:effectRef idx="0">
-            <a:schemeClr val="accent1"/>
-          </a:effectRef>
-          <a:fontRef idx="minor">
-            <a:schemeClr val="lt1"/>
-          </a:fontRef>
-        </p:style>
-        <p:txBody>
-          <a:bodyPr rtlCol="0" anchor="ctr"/>
-          <a:lstStyle/>
-          <a:p>
-            <a:pPr algn="ctr"/>
-            <a:r>
-              <a:rPr lang="en-US" sz="1000" dirty="0">
-                <a:solidFill>
-                  <a:schemeClr val="tx1"/>
-                </a:solidFill>
-              </a:rPr>
-              <a:t>Soils</a:t>
-            </a:r>
-          </a:p>
-        </p:txBody>
-      </p:sp>
-      <p:grpSp>
-        <p:nvGrpSpPr>
-          <p:cNvPr id="324" name="Group 323">
-            <a:extLst>
-              <a:ext uri="{FF2B5EF4-FFF2-40B4-BE49-F238E27FC236}">
-                <a16:creationId xmlns:a16="http://schemas.microsoft.com/office/drawing/2014/main" id="{5C1014AC-3641-B24A-9BAA-1C4B8595B208}"/>
-              </a:ext>
-            </a:extLst>
-          </p:cNvPr>
-          <p:cNvGrpSpPr/>
-          <p:nvPr/>
-        </p:nvGrpSpPr>
-        <p:grpSpPr>
-          <a:xfrm>
-            <a:off x="3147692" y="5814953"/>
-            <a:ext cx="1371600" cy="1220397"/>
-            <a:chOff x="3286258" y="5056556"/>
-            <a:chExt cx="1371600" cy="1220397"/>
-          </a:xfrm>
-        </p:grpSpPr>
-        <p:sp>
-          <p:nvSpPr>
-            <p:cNvPr id="318" name="Rectangle 317">
-              <a:extLst>
-                <a:ext uri="{FF2B5EF4-FFF2-40B4-BE49-F238E27FC236}">
-                  <a16:creationId xmlns:a16="http://schemas.microsoft.com/office/drawing/2014/main" id="{71F92886-7359-F94D-B7F1-4FD1BB948B9D}"/>
-                </a:ext>
-              </a:extLst>
-            </p:cNvPr>
-            <p:cNvSpPr/>
-            <p:nvPr/>
-          </p:nvSpPr>
-          <p:spPr>
-            <a:xfrm>
-              <a:off x="3286258" y="5545483"/>
-              <a:ext cx="1371600" cy="246888"/>
-            </a:xfrm>
-            <a:prstGeom prst="rect">
-              <a:avLst/>
-            </a:prstGeom>
-            <a:solidFill>
-              <a:schemeClr val="bg1"/>
-            </a:solidFill>
-            <a:ln>
-              <a:solidFill>
-                <a:schemeClr val="tx1"/>
-              </a:solidFill>
-            </a:ln>
-          </p:spPr>
-          <p:style>
-            <a:lnRef idx="2">
-              <a:schemeClr val="accent1">
-                <a:shade val="50000"/>
-              </a:schemeClr>
-            </a:lnRef>
-            <a:fillRef idx="1">
-              <a:schemeClr val="accent1"/>
-            </a:fillRef>
-            <a:effectRef idx="0">
-              <a:schemeClr val="accent1"/>
-            </a:effectRef>
-            <a:fontRef idx="minor">
-              <a:schemeClr val="lt1"/>
-            </a:fontRef>
-          </p:style>
-          <p:txBody>
-            <a:bodyPr lIns="45720" rIns="45720" rtlCol="0" anchor="ctr"/>
-            <a:lstStyle/>
-            <a:p>
-              <a:pPr algn="ctr"/>
-              <a:r>
-                <a:rPr lang="en-US" sz="1000" dirty="0">
-                  <a:solidFill>
-                    <a:schemeClr val="tx1"/>
-                  </a:solidFill>
-                </a:rPr>
-                <a:t>△</a:t>
-              </a:r>
-              <a:r>
-                <a:rPr lang="en-US" sz="1000" i="1" dirty="0">
-                  <a:solidFill>
-                    <a:schemeClr val="tx1"/>
-                  </a:solidFill>
-                </a:rPr>
-                <a:t> delta.SOM, delta.SOC</a:t>
-              </a:r>
-              <a:endParaRPr lang="en-US" sz="1000" dirty="0">
-                <a:solidFill>
-                  <a:schemeClr val="tx1"/>
-                </a:solidFill>
-              </a:endParaRPr>
-            </a:p>
-          </p:txBody>
-        </p:sp>
-        <p:sp>
-          <p:nvSpPr>
-            <p:cNvPr id="319" name="Rectangle 318">
-              <a:extLst>
-                <a:ext uri="{FF2B5EF4-FFF2-40B4-BE49-F238E27FC236}">
-                  <a16:creationId xmlns:a16="http://schemas.microsoft.com/office/drawing/2014/main" id="{D2F81C21-6C40-024D-93EE-5DAE8D0B0734}"/>
-                </a:ext>
-              </a:extLst>
-            </p:cNvPr>
-            <p:cNvSpPr/>
-            <p:nvPr/>
-          </p:nvSpPr>
-          <p:spPr>
-            <a:xfrm>
-              <a:off x="3286258" y="5300484"/>
-              <a:ext cx="1371600" cy="246888"/>
-            </a:xfrm>
-            <a:prstGeom prst="rect">
-              <a:avLst/>
-            </a:prstGeom>
-            <a:solidFill>
-              <a:schemeClr val="bg1"/>
-            </a:solidFill>
-            <a:ln>
-              <a:solidFill>
-                <a:schemeClr val="tx1"/>
-              </a:solidFill>
-            </a:ln>
-          </p:spPr>
-          <p:style>
-            <a:lnRef idx="2">
-              <a:schemeClr val="accent1">
-                <a:shade val="50000"/>
-              </a:schemeClr>
-            </a:lnRef>
-            <a:fillRef idx="1">
-              <a:schemeClr val="accent1"/>
-            </a:fillRef>
-            <a:effectRef idx="0">
-              <a:schemeClr val="accent1"/>
-            </a:effectRef>
-            <a:fontRef idx="minor">
-              <a:schemeClr val="lt1"/>
-            </a:fontRef>
-          </p:style>
-          <p:txBody>
-            <a:bodyPr rtlCol="0" anchor="ctr"/>
-            <a:lstStyle/>
-            <a:p>
-              <a:pPr algn="ctr"/>
-              <a:r>
-                <a:rPr lang="en-US" sz="1000" i="1" dirty="0">
-                  <a:solidFill>
-                    <a:schemeClr val="tx1"/>
-                  </a:solidFill>
-                </a:rPr>
-                <a:t>SOM, SOC</a:t>
-              </a:r>
-            </a:p>
-          </p:txBody>
-        </p:sp>
-        <p:sp>
-          <p:nvSpPr>
-            <p:cNvPr id="320" name="Rectangle 319">
-              <a:extLst>
-                <a:ext uri="{FF2B5EF4-FFF2-40B4-BE49-F238E27FC236}">
-                  <a16:creationId xmlns:a16="http://schemas.microsoft.com/office/drawing/2014/main" id="{3F77BC78-347A-1B49-BEF5-EB8D70A7954C}"/>
-                </a:ext>
-              </a:extLst>
-            </p:cNvPr>
-            <p:cNvSpPr/>
-            <p:nvPr/>
-          </p:nvSpPr>
-          <p:spPr>
-            <a:xfrm>
-              <a:off x="3286258" y="5056556"/>
-              <a:ext cx="1371600" cy="246888"/>
-            </a:xfrm>
-            <a:prstGeom prst="rect">
-              <a:avLst/>
-            </a:prstGeom>
-            <a:solidFill>
-              <a:srgbClr val="ACA081"/>
-            </a:solidFill>
-            <a:ln>
-              <a:solidFill>
-                <a:schemeClr val="tx1"/>
-              </a:solidFill>
-            </a:ln>
-          </p:spPr>
-          <p:style>
-            <a:lnRef idx="2">
-              <a:schemeClr val="accent1">
-                <a:shade val="50000"/>
-              </a:schemeClr>
-            </a:lnRef>
-            <a:fillRef idx="1">
-              <a:schemeClr val="accent1"/>
-            </a:fillRef>
-            <a:effectRef idx="0">
-              <a:schemeClr val="accent1"/>
-            </a:effectRef>
-            <a:fontRef idx="minor">
-              <a:schemeClr val="lt1"/>
-            </a:fontRef>
-          </p:style>
-          <p:txBody>
-            <a:bodyPr rtlCol="0" anchor="ctr"/>
-            <a:lstStyle/>
-            <a:p>
-              <a:pPr algn="ctr"/>
-              <a:r>
-                <a:rPr lang="en-US" sz="1000" dirty="0">
-                  <a:solidFill>
-                    <a:schemeClr val="tx1"/>
-                  </a:solidFill>
-                </a:rPr>
-                <a:t>Soil organic matter</a:t>
-              </a:r>
-            </a:p>
-          </p:txBody>
-        </p:sp>
-        <p:sp>
-          <p:nvSpPr>
-            <p:cNvPr id="322" name="Rectangle 321">
-              <a:extLst>
-                <a:ext uri="{FF2B5EF4-FFF2-40B4-BE49-F238E27FC236}">
-                  <a16:creationId xmlns:a16="http://schemas.microsoft.com/office/drawing/2014/main" id="{0A10DC57-4F9C-D34F-9509-8458C0055D37}"/>
-                </a:ext>
-              </a:extLst>
-            </p:cNvPr>
-            <p:cNvSpPr/>
-            <p:nvPr/>
-          </p:nvSpPr>
-          <p:spPr>
-            <a:xfrm>
-              <a:off x="3286258" y="5785627"/>
-              <a:ext cx="1371600" cy="246888"/>
-            </a:xfrm>
-            <a:prstGeom prst="rect">
-              <a:avLst/>
-            </a:prstGeom>
-            <a:solidFill>
-              <a:schemeClr val="bg1"/>
-            </a:solidFill>
-            <a:ln>
-              <a:solidFill>
-                <a:schemeClr val="tx1"/>
-              </a:solidFill>
-            </a:ln>
-          </p:spPr>
-          <p:style>
-            <a:lnRef idx="2">
-              <a:schemeClr val="accent1">
-                <a:shade val="50000"/>
-              </a:schemeClr>
-            </a:lnRef>
-            <a:fillRef idx="1">
-              <a:schemeClr val="accent1"/>
-            </a:fillRef>
-            <a:effectRef idx="0">
-              <a:schemeClr val="accent1"/>
-            </a:effectRef>
-            <a:fontRef idx="minor">
-              <a:schemeClr val="lt1"/>
-            </a:fontRef>
-          </p:style>
-          <p:txBody>
-            <a:bodyPr rtlCol="0" anchor="ctr"/>
-            <a:lstStyle/>
-            <a:p>
-              <a:pPr algn="ctr"/>
-              <a:r>
-                <a:rPr lang="en-US" sz="1000" dirty="0">
-                  <a:solidFill>
-                    <a:schemeClr val="tx1"/>
-                  </a:solidFill>
-                </a:rPr>
-                <a:t>▲⌀</a:t>
-              </a:r>
-              <a:endParaRPr lang="en-US" sz="1000" i="1" dirty="0">
-                <a:solidFill>
-                  <a:schemeClr val="tx1"/>
-                </a:solidFill>
-              </a:endParaRPr>
-            </a:p>
-          </p:txBody>
-        </p:sp>
-        <p:sp>
-          <p:nvSpPr>
-            <p:cNvPr id="323" name="Rectangle 322">
-              <a:extLst>
-                <a:ext uri="{FF2B5EF4-FFF2-40B4-BE49-F238E27FC236}">
-                  <a16:creationId xmlns:a16="http://schemas.microsoft.com/office/drawing/2014/main" id="{082FB594-05DE-1449-9369-6BCBC383FC28}"/>
-                </a:ext>
-              </a:extLst>
-            </p:cNvPr>
-            <p:cNvSpPr/>
-            <p:nvPr/>
-          </p:nvSpPr>
-          <p:spPr>
-            <a:xfrm>
-              <a:off x="3286258" y="6030065"/>
-              <a:ext cx="1371600" cy="246888"/>
-            </a:xfrm>
-            <a:prstGeom prst="rect">
-              <a:avLst/>
-            </a:prstGeom>
-            <a:solidFill>
-              <a:schemeClr val="bg1"/>
-            </a:solidFill>
-            <a:ln>
-              <a:solidFill>
-                <a:schemeClr val="tx1"/>
-              </a:solidFill>
-            </a:ln>
-          </p:spPr>
-          <p:style>
-            <a:lnRef idx="2">
-              <a:schemeClr val="accent1">
-                <a:shade val="50000"/>
-              </a:schemeClr>
-            </a:lnRef>
-            <a:fillRef idx="1">
-              <a:schemeClr val="accent1"/>
-            </a:fillRef>
-            <a:effectRef idx="0">
-              <a:schemeClr val="accent1"/>
-            </a:effectRef>
-            <a:fontRef idx="minor">
-              <a:schemeClr val="lt1"/>
-            </a:fontRef>
-          </p:style>
-          <p:txBody>
-            <a:bodyPr rtlCol="0" anchor="ctr"/>
-            <a:lstStyle/>
-            <a:p>
-              <a:pPr algn="ctr"/>
-              <a:r>
-                <a:rPr lang="en-US" sz="1000" i="1" dirty="0">
-                  <a:solidFill>
-                    <a:schemeClr val="tx1"/>
-                  </a:solidFill>
-                </a:rPr>
-                <a:t>▼ R_het_soil</a:t>
-              </a:r>
-              <a:endParaRPr lang="en-US" sz="1000" dirty="0">
-                <a:solidFill>
-                  <a:schemeClr val="tx1"/>
-                </a:solidFill>
-              </a:endParaRPr>
-            </a:p>
-          </p:txBody>
-        </p:sp>
-      </p:grpSp>
-      <p:grpSp>
-        <p:nvGrpSpPr>
-          <p:cNvPr id="325" name="Group 324">
-            <a:extLst>
-              <a:ext uri="{FF2B5EF4-FFF2-40B4-BE49-F238E27FC236}">
-                <a16:creationId xmlns:a16="http://schemas.microsoft.com/office/drawing/2014/main" id="{EB822A56-37FC-A049-A7FB-F94494CCDCE4}"/>
-              </a:ext>
-            </a:extLst>
-          </p:cNvPr>
-          <p:cNvGrpSpPr/>
-          <p:nvPr/>
-        </p:nvGrpSpPr>
-        <p:grpSpPr>
-          <a:xfrm>
-            <a:off x="96540" y="2682327"/>
-            <a:ext cx="1346372" cy="1426494"/>
-            <a:chOff x="90095" y="47552"/>
-            <a:chExt cx="1346372" cy="1426494"/>
-          </a:xfrm>
-        </p:grpSpPr>
-        <p:sp>
-          <p:nvSpPr>
-            <p:cNvPr id="326" name="Rectangle 325">
-              <a:extLst>
-                <a:ext uri="{FF2B5EF4-FFF2-40B4-BE49-F238E27FC236}">
-                  <a16:creationId xmlns:a16="http://schemas.microsoft.com/office/drawing/2014/main" id="{5DE7CD7E-ACD1-9346-808C-B44E309CB284}"/>
-                </a:ext>
-              </a:extLst>
-            </p:cNvPr>
-            <p:cNvSpPr/>
-            <p:nvPr/>
-          </p:nvSpPr>
-          <p:spPr>
-            <a:xfrm>
-              <a:off x="91227" y="992623"/>
-              <a:ext cx="1345240" cy="246221"/>
-            </a:xfrm>
-            <a:prstGeom prst="rect">
-              <a:avLst/>
-            </a:prstGeom>
-            <a:solidFill>
-              <a:schemeClr val="bg1"/>
-            </a:solidFill>
-            <a:ln>
-              <a:solidFill>
-                <a:schemeClr val="tx1"/>
-              </a:solidFill>
-            </a:ln>
-          </p:spPr>
-          <p:style>
-            <a:lnRef idx="2">
-              <a:schemeClr val="accent1">
-                <a:shade val="50000"/>
-              </a:schemeClr>
-            </a:lnRef>
-            <a:fillRef idx="1">
-              <a:schemeClr val="accent1"/>
-            </a:fillRef>
-            <a:effectRef idx="0">
-              <a:schemeClr val="accent1"/>
-            </a:effectRef>
-            <a:fontRef idx="minor">
-              <a:schemeClr val="lt1"/>
-            </a:fontRef>
-          </p:style>
-          <p:txBody>
-            <a:bodyPr rtlCol="0" anchor="ctr"/>
-            <a:lstStyle/>
-            <a:p>
-              <a:pPr algn="ctr"/>
-              <a:r>
-                <a:rPr lang="en-US" sz="1000" dirty="0">
-                  <a:solidFill>
-                    <a:schemeClr val="tx1"/>
-                  </a:solidFill>
-                </a:rPr>
-                <a:t>▲ </a:t>
-              </a:r>
-              <a:r>
-                <a:rPr lang="en-US" sz="1000" i="1" dirty="0">
-                  <a:solidFill>
-                    <a:schemeClr val="tx1"/>
-                  </a:solidFill>
-                </a:rPr>
-                <a:t>GPP </a:t>
-              </a:r>
-              <a:r>
-                <a:rPr lang="en-US" sz="1000" i="1" baseline="30000" dirty="0">
-                  <a:solidFill>
-                    <a:schemeClr val="tx1"/>
-                  </a:solidFill>
-                </a:rPr>
-                <a:t>1</a:t>
-              </a:r>
-              <a:endParaRPr lang="en-US" sz="1000" dirty="0">
-                <a:solidFill>
-                  <a:schemeClr val="tx1"/>
-                </a:solidFill>
-              </a:endParaRPr>
-            </a:p>
-          </p:txBody>
-        </p:sp>
-        <p:sp>
-          <p:nvSpPr>
-            <p:cNvPr id="327" name="Rectangle 326">
-              <a:extLst>
-                <a:ext uri="{FF2B5EF4-FFF2-40B4-BE49-F238E27FC236}">
-                  <a16:creationId xmlns:a16="http://schemas.microsoft.com/office/drawing/2014/main" id="{08DA90AC-B53E-864B-9A44-6DD80ABE72D0}"/>
-                </a:ext>
-              </a:extLst>
-            </p:cNvPr>
-            <p:cNvSpPr/>
-            <p:nvPr/>
-          </p:nvSpPr>
-          <p:spPr>
-            <a:xfrm>
-              <a:off x="91227" y="1227825"/>
-              <a:ext cx="1345240" cy="246221"/>
-            </a:xfrm>
-            <a:prstGeom prst="rect">
-              <a:avLst/>
-            </a:prstGeom>
-            <a:solidFill>
-              <a:schemeClr val="bg1"/>
-            </a:solidFill>
-            <a:ln>
-              <a:solidFill>
-                <a:schemeClr val="tx1"/>
-              </a:solidFill>
-            </a:ln>
-          </p:spPr>
-          <p:style>
-            <a:lnRef idx="2">
-              <a:schemeClr val="accent1">
-                <a:shade val="50000"/>
-              </a:schemeClr>
-            </a:lnRef>
-            <a:fillRef idx="1">
-              <a:schemeClr val="accent1"/>
-            </a:fillRef>
-            <a:effectRef idx="0">
-              <a:schemeClr val="accent1"/>
-            </a:effectRef>
-            <a:fontRef idx="minor">
-              <a:schemeClr val="lt1"/>
-            </a:fontRef>
-          </p:style>
-          <p:txBody>
-            <a:bodyPr rtlCol="0" anchor="ctr"/>
-            <a:lstStyle/>
-            <a:p>
-              <a:pPr algn="ctr"/>
-              <a:r>
-                <a:rPr lang="en-US" sz="1000" i="1" dirty="0">
-                  <a:solidFill>
-                    <a:schemeClr val="tx1"/>
-                  </a:solidFill>
-                </a:rPr>
-                <a:t>▼ R_eco </a:t>
-              </a:r>
-              <a:r>
-                <a:rPr lang="en-US" sz="1000" i="1" baseline="30000" dirty="0">
-                  <a:solidFill>
-                    <a:schemeClr val="tx1"/>
-                  </a:solidFill>
-                </a:rPr>
-                <a:t>1</a:t>
-              </a:r>
-              <a:endParaRPr lang="en-US" sz="1000" baseline="30000" dirty="0">
-                <a:solidFill>
-                  <a:schemeClr val="tx1"/>
-                </a:solidFill>
-              </a:endParaRPr>
-            </a:p>
-          </p:txBody>
-        </p:sp>
-        <p:sp>
-          <p:nvSpPr>
-            <p:cNvPr id="328" name="Rectangle 327">
-              <a:extLst>
-                <a:ext uri="{FF2B5EF4-FFF2-40B4-BE49-F238E27FC236}">
-                  <a16:creationId xmlns:a16="http://schemas.microsoft.com/office/drawing/2014/main" id="{0B84B0C3-723C-B245-9209-223612D347C4}"/>
-                </a:ext>
-              </a:extLst>
-            </p:cNvPr>
-            <p:cNvSpPr/>
-            <p:nvPr/>
-          </p:nvSpPr>
-          <p:spPr>
-            <a:xfrm>
-              <a:off x="91227" y="536478"/>
-              <a:ext cx="1345240" cy="456694"/>
-            </a:xfrm>
-            <a:prstGeom prst="rect">
-              <a:avLst/>
-            </a:prstGeom>
-            <a:solidFill>
-              <a:schemeClr val="bg1"/>
-            </a:solidFill>
-            <a:ln>
-              <a:solidFill>
-                <a:schemeClr val="tx1"/>
-              </a:solidFill>
-            </a:ln>
-          </p:spPr>
-          <p:style>
-            <a:lnRef idx="2">
-              <a:schemeClr val="accent1">
-                <a:shade val="50000"/>
-              </a:schemeClr>
-            </a:lnRef>
-            <a:fillRef idx="1">
-              <a:schemeClr val="accent1"/>
-            </a:fillRef>
-            <a:effectRef idx="0">
-              <a:schemeClr val="accent1"/>
-            </a:effectRef>
-            <a:fontRef idx="minor">
-              <a:schemeClr val="lt1"/>
-            </a:fontRef>
-          </p:style>
-          <p:txBody>
-            <a:bodyPr lIns="45720" rIns="45720" rtlCol="0" anchor="ctr"/>
-            <a:lstStyle/>
-            <a:p>
-              <a:pPr algn="ctr"/>
-              <a:r>
-                <a:rPr lang="en-US" sz="1000" dirty="0">
-                  <a:solidFill>
-                    <a:schemeClr val="tx1"/>
-                  </a:solidFill>
-                </a:rPr>
-                <a:t>△</a:t>
-              </a:r>
-              <a:r>
-                <a:rPr lang="en-US" sz="1000" i="1" dirty="0">
-                  <a:solidFill>
-                    <a:schemeClr val="tx1"/>
-                  </a:solidFill>
-                </a:rPr>
-                <a:t> NEE </a:t>
-              </a:r>
-              <a:r>
-                <a:rPr lang="en-US" sz="1000" i="1" baseline="30000" dirty="0">
-                  <a:solidFill>
-                    <a:schemeClr val="tx1"/>
-                  </a:solidFill>
-                </a:rPr>
-                <a:t>1</a:t>
-              </a:r>
-              <a:r>
-                <a:rPr lang="en-US" sz="1000" i="1" dirty="0">
-                  <a:solidFill>
-                    <a:schemeClr val="tx1"/>
-                  </a:solidFill>
-                </a:rPr>
-                <a:t>, NEP </a:t>
-              </a:r>
-              <a:r>
-                <a:rPr lang="en-US" sz="1000" i="1" baseline="30000" dirty="0">
-                  <a:solidFill>
-                    <a:schemeClr val="tx1"/>
-                  </a:solidFill>
-                </a:rPr>
-                <a:t>1</a:t>
-              </a:r>
-              <a:r>
-                <a:rPr lang="en-US" sz="1000" i="1" dirty="0">
-                  <a:solidFill>
-                    <a:schemeClr val="tx1"/>
-                  </a:solidFill>
-                </a:rPr>
-                <a:t>, delta.total.ecosystem </a:t>
-              </a:r>
-              <a:endParaRPr lang="en-US" sz="1000" dirty="0">
-                <a:solidFill>
-                  <a:schemeClr val="tx1"/>
-                </a:solidFill>
-              </a:endParaRPr>
-            </a:p>
-          </p:txBody>
-        </p:sp>
-        <p:sp>
-          <p:nvSpPr>
-            <p:cNvPr id="329" name="Rectangle 328">
-              <a:extLst>
-                <a:ext uri="{FF2B5EF4-FFF2-40B4-BE49-F238E27FC236}">
-                  <a16:creationId xmlns:a16="http://schemas.microsoft.com/office/drawing/2014/main" id="{8C880F57-65BD-5847-AB01-1D973161DE0E}"/>
-                </a:ext>
-              </a:extLst>
-            </p:cNvPr>
-            <p:cNvSpPr/>
-            <p:nvPr/>
-          </p:nvSpPr>
-          <p:spPr>
-            <a:xfrm>
-              <a:off x="91227" y="291480"/>
-              <a:ext cx="1345240" cy="246221"/>
-            </a:xfrm>
-            <a:prstGeom prst="rect">
-              <a:avLst/>
-            </a:prstGeom>
-            <a:solidFill>
-              <a:schemeClr val="bg1"/>
-            </a:solidFill>
-            <a:ln>
-              <a:solidFill>
-                <a:schemeClr val="tx1"/>
-              </a:solidFill>
-            </a:ln>
-          </p:spPr>
-          <p:style>
-            <a:lnRef idx="2">
-              <a:schemeClr val="accent1">
-                <a:shade val="50000"/>
-              </a:schemeClr>
-            </a:lnRef>
-            <a:fillRef idx="1">
-              <a:schemeClr val="accent1"/>
-            </a:fillRef>
-            <a:effectRef idx="0">
-              <a:schemeClr val="accent1"/>
-            </a:effectRef>
-            <a:fontRef idx="minor">
-              <a:schemeClr val="lt1"/>
-            </a:fontRef>
-          </p:style>
-          <p:txBody>
-            <a:bodyPr rtlCol="0" anchor="ctr"/>
-            <a:lstStyle/>
-            <a:p>
-              <a:pPr algn="ctr"/>
-              <a:r>
-                <a:rPr lang="en-US" sz="1000" i="1" dirty="0">
-                  <a:solidFill>
-                    <a:schemeClr val="tx1"/>
-                  </a:solidFill>
-                </a:rPr>
-                <a:t>total.ecosystem</a:t>
-              </a:r>
-            </a:p>
-          </p:txBody>
-        </p:sp>
-        <p:sp>
-          <p:nvSpPr>
-            <p:cNvPr id="330" name="Rectangle 329">
-              <a:extLst>
-                <a:ext uri="{FF2B5EF4-FFF2-40B4-BE49-F238E27FC236}">
-                  <a16:creationId xmlns:a16="http://schemas.microsoft.com/office/drawing/2014/main" id="{5AC4F47A-C30F-2648-9E87-7EA63DCCB0CA}"/>
-                </a:ext>
-              </a:extLst>
-            </p:cNvPr>
-            <p:cNvSpPr/>
-            <p:nvPr/>
-          </p:nvSpPr>
-          <p:spPr>
-            <a:xfrm>
-              <a:off x="90095" y="47552"/>
-              <a:ext cx="1345240" cy="246221"/>
-            </a:xfrm>
-            <a:prstGeom prst="rect">
-              <a:avLst/>
-            </a:prstGeom>
-            <a:solidFill>
-              <a:srgbClr val="AF8F92"/>
-            </a:solidFill>
-            <a:ln>
-              <a:solidFill>
-                <a:schemeClr val="tx1"/>
-              </a:solidFill>
-            </a:ln>
-          </p:spPr>
-          <p:style>
-            <a:lnRef idx="2">
-              <a:schemeClr val="accent1">
-                <a:shade val="50000"/>
-              </a:schemeClr>
-            </a:lnRef>
-            <a:fillRef idx="1">
-              <a:schemeClr val="accent1"/>
-            </a:fillRef>
-            <a:effectRef idx="0">
-              <a:schemeClr val="accent1"/>
-            </a:effectRef>
-            <a:fontRef idx="minor">
-              <a:schemeClr val="lt1"/>
-            </a:fontRef>
-          </p:style>
-          <p:txBody>
-            <a:bodyPr rtlCol="0" anchor="ctr"/>
-            <a:lstStyle/>
-            <a:p>
-              <a:pPr algn="ctr"/>
-              <a:r>
-                <a:rPr lang="en-US" sz="1000" dirty="0">
-                  <a:solidFill>
-                    <a:schemeClr val="tx1"/>
-                  </a:solidFill>
-                </a:rPr>
-                <a:t>Ecosystem C</a:t>
-              </a:r>
-            </a:p>
-          </p:txBody>
-        </p:sp>
-      </p:grpSp>
-      <p:grpSp>
-        <p:nvGrpSpPr>
-          <p:cNvPr id="334" name="Group 333">
-            <a:extLst>
-              <a:ext uri="{FF2B5EF4-FFF2-40B4-BE49-F238E27FC236}">
-                <a16:creationId xmlns:a16="http://schemas.microsoft.com/office/drawing/2014/main" id="{C0ECD083-69E8-5345-A66D-161A7FA02EEE}"/>
-              </a:ext>
-            </a:extLst>
-          </p:cNvPr>
-          <p:cNvGrpSpPr/>
-          <p:nvPr/>
-        </p:nvGrpSpPr>
-        <p:grpSpPr>
-          <a:xfrm>
-            <a:off x="3147692" y="4378382"/>
-            <a:ext cx="1372732" cy="1223293"/>
-            <a:chOff x="90095" y="47552"/>
-            <a:chExt cx="1372732" cy="1223293"/>
-          </a:xfrm>
-        </p:grpSpPr>
-        <p:sp>
-          <p:nvSpPr>
-            <p:cNvPr id="335" name="Rectangle 334">
-              <a:extLst>
-                <a:ext uri="{FF2B5EF4-FFF2-40B4-BE49-F238E27FC236}">
-                  <a16:creationId xmlns:a16="http://schemas.microsoft.com/office/drawing/2014/main" id="{8E5FB316-15AB-C840-9F00-7EB389FFE3D4}"/>
-                </a:ext>
-              </a:extLst>
-            </p:cNvPr>
-            <p:cNvSpPr/>
-            <p:nvPr/>
-          </p:nvSpPr>
-          <p:spPr>
-            <a:xfrm>
-              <a:off x="91227" y="780186"/>
-              <a:ext cx="1371600" cy="246221"/>
-            </a:xfrm>
-            <a:prstGeom prst="rect">
-              <a:avLst/>
-            </a:prstGeom>
-            <a:solidFill>
-              <a:schemeClr val="bg1"/>
-            </a:solidFill>
-            <a:ln>
-              <a:solidFill>
-                <a:schemeClr val="tx1"/>
-              </a:solidFill>
-            </a:ln>
-          </p:spPr>
-          <p:style>
-            <a:lnRef idx="2">
-              <a:schemeClr val="accent1">
-                <a:shade val="50000"/>
-              </a:schemeClr>
-            </a:lnRef>
-            <a:fillRef idx="1">
-              <a:schemeClr val="accent1"/>
-            </a:fillRef>
-            <a:effectRef idx="0">
-              <a:schemeClr val="accent1"/>
-            </a:effectRef>
-            <a:fontRef idx="minor">
-              <a:schemeClr val="lt1"/>
-            </a:fontRef>
-          </p:style>
-          <p:txBody>
-            <a:bodyPr rtlCol="0" anchor="ctr"/>
-            <a:lstStyle/>
-            <a:p>
-              <a:pPr algn="ctr"/>
-              <a:r>
-                <a:rPr lang="en-US" sz="1000" dirty="0">
-                  <a:solidFill>
-                    <a:schemeClr val="tx1"/>
-                  </a:solidFill>
-                </a:rPr>
-                <a:t>▲ </a:t>
-              </a:r>
-              <a:r>
-                <a:rPr lang="en-US" sz="1000" i="1" dirty="0">
-                  <a:solidFill>
-                    <a:schemeClr val="tx1"/>
-                  </a:solidFill>
-                </a:rPr>
-                <a:t>NPP_litterfall </a:t>
-              </a:r>
-              <a:r>
-                <a:rPr lang="en-US" sz="1000" i="1" baseline="30000" dirty="0">
-                  <a:solidFill>
-                    <a:schemeClr val="tx1"/>
-                  </a:solidFill>
-                </a:rPr>
-                <a:t>6</a:t>
-              </a:r>
-              <a:endParaRPr lang="en-US" sz="1000" dirty="0">
-                <a:solidFill>
-                  <a:schemeClr val="tx1"/>
-                </a:solidFill>
-              </a:endParaRPr>
-            </a:p>
-          </p:txBody>
-        </p:sp>
-        <p:sp>
-          <p:nvSpPr>
-            <p:cNvPr id="336" name="Rectangle 335">
-              <a:extLst>
-                <a:ext uri="{FF2B5EF4-FFF2-40B4-BE49-F238E27FC236}">
-                  <a16:creationId xmlns:a16="http://schemas.microsoft.com/office/drawing/2014/main" id="{47E04E3F-2D1E-694E-8CE1-992357E67680}"/>
-                </a:ext>
-              </a:extLst>
-            </p:cNvPr>
-            <p:cNvSpPr/>
-            <p:nvPr/>
-          </p:nvSpPr>
-          <p:spPr>
-            <a:xfrm>
-              <a:off x="91227" y="1024624"/>
-              <a:ext cx="1371600" cy="246221"/>
-            </a:xfrm>
-            <a:prstGeom prst="rect">
-              <a:avLst/>
-            </a:prstGeom>
-            <a:solidFill>
-              <a:schemeClr val="bg1"/>
-            </a:solidFill>
-            <a:ln>
-              <a:solidFill>
-                <a:schemeClr val="tx1"/>
-              </a:solidFill>
-            </a:ln>
-          </p:spPr>
-          <p:style>
-            <a:lnRef idx="2">
-              <a:schemeClr val="accent1">
-                <a:shade val="50000"/>
-              </a:schemeClr>
-            </a:lnRef>
-            <a:fillRef idx="1">
-              <a:schemeClr val="accent1"/>
-            </a:fillRef>
-            <a:effectRef idx="0">
-              <a:schemeClr val="accent1"/>
-            </a:effectRef>
-            <a:fontRef idx="minor">
-              <a:schemeClr val="lt1"/>
-            </a:fontRef>
-          </p:style>
-          <p:txBody>
-            <a:bodyPr rtlCol="0" anchor="ctr"/>
-            <a:lstStyle/>
-            <a:p>
-              <a:pPr algn="ctr"/>
-              <a:r>
-                <a:rPr lang="en-US" sz="1000" i="1" dirty="0">
-                  <a:solidFill>
-                    <a:schemeClr val="tx1"/>
-                  </a:solidFill>
-                </a:rPr>
-                <a:t>▼R_het_litter </a:t>
-              </a:r>
-              <a:r>
-                <a:rPr lang="en-US" sz="1000" i="1" baseline="30000" dirty="0">
-                  <a:solidFill>
-                    <a:schemeClr val="tx1"/>
-                  </a:solidFill>
-                </a:rPr>
-                <a:t>4,7</a:t>
-              </a:r>
-              <a:endParaRPr lang="en-US" sz="1000" i="1" dirty="0">
-                <a:solidFill>
-                  <a:schemeClr val="tx1"/>
-                </a:solidFill>
-              </a:endParaRPr>
-            </a:p>
-          </p:txBody>
-        </p:sp>
-        <p:sp>
-          <p:nvSpPr>
-            <p:cNvPr id="337" name="Rectangle 336">
-              <a:extLst>
-                <a:ext uri="{FF2B5EF4-FFF2-40B4-BE49-F238E27FC236}">
-                  <a16:creationId xmlns:a16="http://schemas.microsoft.com/office/drawing/2014/main" id="{A369E675-6160-D94A-96A6-A145CBE3492F}"/>
-                </a:ext>
-              </a:extLst>
-            </p:cNvPr>
-            <p:cNvSpPr/>
-            <p:nvPr/>
-          </p:nvSpPr>
-          <p:spPr>
-            <a:xfrm>
-              <a:off x="91227" y="536478"/>
-              <a:ext cx="1371600" cy="246221"/>
-            </a:xfrm>
-            <a:prstGeom prst="rect">
-              <a:avLst/>
-            </a:prstGeom>
-            <a:solidFill>
-              <a:schemeClr val="bg1"/>
-            </a:solidFill>
-            <a:ln>
-              <a:solidFill>
-                <a:schemeClr val="tx1"/>
-              </a:solidFill>
-            </a:ln>
-          </p:spPr>
-          <p:style>
-            <a:lnRef idx="2">
-              <a:schemeClr val="accent1">
-                <a:shade val="50000"/>
-              </a:schemeClr>
-            </a:lnRef>
-            <a:fillRef idx="1">
-              <a:schemeClr val="accent1"/>
-            </a:fillRef>
-            <a:effectRef idx="0">
-              <a:schemeClr val="accent1"/>
-            </a:effectRef>
-            <a:fontRef idx="minor">
-              <a:schemeClr val="lt1"/>
-            </a:fontRef>
-          </p:style>
-          <p:txBody>
-            <a:bodyPr rtlCol="0" anchor="ctr"/>
-            <a:lstStyle/>
-            <a:p>
-              <a:pPr algn="ctr"/>
-              <a:r>
-                <a:rPr lang="en-US" sz="1000" dirty="0">
-                  <a:solidFill>
-                    <a:schemeClr val="tx1"/>
-                  </a:solidFill>
-                </a:rPr>
-                <a:t>△</a:t>
-              </a:r>
-              <a:r>
-                <a:rPr lang="en-US" sz="1000" i="1" dirty="0">
-                  <a:solidFill>
-                    <a:schemeClr val="tx1"/>
-                  </a:solidFill>
-                </a:rPr>
-                <a:t> delta.O.horizon </a:t>
-              </a:r>
-              <a:r>
-                <a:rPr lang="en-US" sz="1000" baseline="30000" dirty="0">
-                  <a:solidFill>
-                    <a:schemeClr val="tx1"/>
-                  </a:solidFill>
-                </a:rPr>
-                <a:t>4</a:t>
-              </a:r>
-              <a:endParaRPr lang="en-US" sz="1000" dirty="0">
-                <a:solidFill>
-                  <a:schemeClr val="tx1"/>
-                </a:solidFill>
-              </a:endParaRPr>
-            </a:p>
-          </p:txBody>
-        </p:sp>
-        <p:sp>
-          <p:nvSpPr>
-            <p:cNvPr id="338" name="Rectangle 337">
-              <a:extLst>
-                <a:ext uri="{FF2B5EF4-FFF2-40B4-BE49-F238E27FC236}">
-                  <a16:creationId xmlns:a16="http://schemas.microsoft.com/office/drawing/2014/main" id="{4A5BA5A0-F6C0-2C4C-A0E7-22D4EC6F0C81}"/>
-                </a:ext>
-              </a:extLst>
-            </p:cNvPr>
-            <p:cNvSpPr/>
-            <p:nvPr/>
-          </p:nvSpPr>
-          <p:spPr>
-            <a:xfrm>
-              <a:off x="91227" y="291480"/>
-              <a:ext cx="1371600" cy="246221"/>
-            </a:xfrm>
-            <a:prstGeom prst="rect">
-              <a:avLst/>
-            </a:prstGeom>
-            <a:solidFill>
-              <a:schemeClr val="bg1"/>
-            </a:solidFill>
-            <a:ln>
-              <a:solidFill>
-                <a:schemeClr val="tx1"/>
-              </a:solidFill>
-            </a:ln>
-          </p:spPr>
-          <p:style>
-            <a:lnRef idx="2">
-              <a:schemeClr val="accent1">
-                <a:shade val="50000"/>
-              </a:schemeClr>
-            </a:lnRef>
-            <a:fillRef idx="1">
-              <a:schemeClr val="accent1"/>
-            </a:fillRef>
-            <a:effectRef idx="0">
-              <a:schemeClr val="accent1"/>
-            </a:effectRef>
-            <a:fontRef idx="minor">
-              <a:schemeClr val="lt1"/>
-            </a:fontRef>
-          </p:style>
-          <p:txBody>
-            <a:bodyPr rtlCol="0" anchor="ctr"/>
-            <a:lstStyle/>
-            <a:p>
-              <a:pPr algn="ctr"/>
-              <a:r>
-                <a:rPr lang="en-US" sz="1000" i="1" dirty="0">
-                  <a:solidFill>
-                    <a:schemeClr val="tx1"/>
-                  </a:solidFill>
-                </a:rPr>
-                <a:t>O.horizon </a:t>
-              </a:r>
-              <a:r>
-                <a:rPr lang="en-US" sz="1000" baseline="30000" dirty="0">
-                  <a:solidFill>
-                    <a:schemeClr val="tx1"/>
-                  </a:solidFill>
-                </a:rPr>
-                <a:t>4</a:t>
-              </a:r>
-              <a:endParaRPr lang="en-US" sz="1000" i="1" dirty="0">
-                <a:solidFill>
-                  <a:schemeClr val="tx1"/>
-                </a:solidFill>
-              </a:endParaRPr>
-            </a:p>
-          </p:txBody>
-        </p:sp>
-        <p:sp>
-          <p:nvSpPr>
-            <p:cNvPr id="339" name="Rectangle 338">
-              <a:extLst>
-                <a:ext uri="{FF2B5EF4-FFF2-40B4-BE49-F238E27FC236}">
-                  <a16:creationId xmlns:a16="http://schemas.microsoft.com/office/drawing/2014/main" id="{D4354695-9363-7741-AEC1-6E5AE65A4CB5}"/>
-                </a:ext>
-              </a:extLst>
-            </p:cNvPr>
-            <p:cNvSpPr/>
-            <p:nvPr/>
-          </p:nvSpPr>
-          <p:spPr>
-            <a:xfrm>
-              <a:off x="90095" y="47552"/>
-              <a:ext cx="1371600" cy="246221"/>
-            </a:xfrm>
-            <a:prstGeom prst="rect">
-              <a:avLst/>
-            </a:prstGeom>
-            <a:solidFill>
-              <a:srgbClr val="E1DB9A"/>
-            </a:solidFill>
-            <a:ln>
-              <a:solidFill>
-                <a:schemeClr val="tx1"/>
-              </a:solidFill>
-            </a:ln>
-          </p:spPr>
-          <p:style>
-            <a:lnRef idx="2">
-              <a:schemeClr val="accent1">
-                <a:shade val="50000"/>
-              </a:schemeClr>
-            </a:lnRef>
-            <a:fillRef idx="1">
-              <a:schemeClr val="accent1"/>
-            </a:fillRef>
-            <a:effectRef idx="0">
-              <a:schemeClr val="accent1"/>
-            </a:effectRef>
-            <a:fontRef idx="minor">
-              <a:schemeClr val="lt1"/>
-            </a:fontRef>
-          </p:style>
-          <p:txBody>
-            <a:bodyPr rtlCol="0" anchor="ctr"/>
-            <a:lstStyle/>
-            <a:p>
-              <a:pPr algn="ctr"/>
-              <a:r>
-                <a:rPr lang="en-US" sz="1000" dirty="0">
-                  <a:solidFill>
-                    <a:schemeClr val="tx1"/>
-                  </a:solidFill>
-                </a:rPr>
-                <a:t>Litter</a:t>
-              </a:r>
-              <a:endParaRPr lang="en-US" sz="1000" baseline="30000" dirty="0">
-                <a:solidFill>
-                  <a:schemeClr val="tx1"/>
-                </a:solidFill>
-              </a:endParaRPr>
-            </a:p>
-          </p:txBody>
-        </p:sp>
-      </p:grpSp>
-      <p:grpSp>
-        <p:nvGrpSpPr>
-          <p:cNvPr id="342" name="Group 341">
-            <a:extLst>
-              <a:ext uri="{FF2B5EF4-FFF2-40B4-BE49-F238E27FC236}">
-                <a16:creationId xmlns:a16="http://schemas.microsoft.com/office/drawing/2014/main" id="{B3841609-F957-0242-874B-1CF36FA8C983}"/>
-              </a:ext>
-            </a:extLst>
-          </p:cNvPr>
-          <p:cNvGrpSpPr/>
-          <p:nvPr/>
-        </p:nvGrpSpPr>
-        <p:grpSpPr>
-          <a:xfrm>
-            <a:off x="3147692" y="1509283"/>
-            <a:ext cx="1371600" cy="1219249"/>
-            <a:chOff x="3285576" y="1375961"/>
-            <a:chExt cx="1371600" cy="1219249"/>
-          </a:xfrm>
-        </p:grpSpPr>
-        <p:sp>
-          <p:nvSpPr>
-            <p:cNvPr id="291" name="Rectangle 290">
-              <a:extLst>
-                <a:ext uri="{FF2B5EF4-FFF2-40B4-BE49-F238E27FC236}">
-                  <a16:creationId xmlns:a16="http://schemas.microsoft.com/office/drawing/2014/main" id="{478B027F-53D4-0C40-8A09-E7F721669E51}"/>
-                </a:ext>
-              </a:extLst>
-            </p:cNvPr>
-            <p:cNvSpPr/>
-            <p:nvPr/>
-          </p:nvSpPr>
-          <p:spPr>
-            <a:xfrm>
-              <a:off x="3285576" y="2108595"/>
-              <a:ext cx="1371600" cy="246221"/>
-            </a:xfrm>
-            <a:prstGeom prst="rect">
-              <a:avLst/>
-            </a:prstGeom>
-            <a:solidFill>
-              <a:schemeClr val="bg1"/>
-            </a:solidFill>
-            <a:ln>
-              <a:solidFill>
-                <a:schemeClr val="tx1"/>
-              </a:solidFill>
-            </a:ln>
-          </p:spPr>
-          <p:style>
-            <a:lnRef idx="2">
-              <a:schemeClr val="accent1">
-                <a:shade val="50000"/>
-              </a:schemeClr>
-            </a:lnRef>
-            <a:fillRef idx="1">
-              <a:schemeClr val="accent1"/>
-            </a:fillRef>
-            <a:effectRef idx="0">
-              <a:schemeClr val="accent1"/>
-            </a:effectRef>
-            <a:fontRef idx="minor">
-              <a:schemeClr val="lt1"/>
-            </a:fontRef>
-          </p:style>
-          <p:txBody>
-            <a:bodyPr rtlCol="0" anchor="ctr"/>
-            <a:lstStyle/>
-            <a:p>
-              <a:pPr algn="ctr"/>
-              <a:r>
-                <a:rPr lang="en-US" sz="1000" dirty="0">
-                  <a:solidFill>
-                    <a:schemeClr val="tx1"/>
-                  </a:solidFill>
-                </a:rPr>
-                <a:t>▲ </a:t>
-              </a:r>
-              <a:r>
-                <a:rPr lang="en-US" sz="1000" i="1" dirty="0">
-                  <a:solidFill>
-                    <a:schemeClr val="tx1"/>
-                  </a:solidFill>
-                </a:rPr>
-                <a:t>BNPP_root</a:t>
-              </a:r>
-              <a:endParaRPr lang="en-US" sz="1000" dirty="0">
-                <a:solidFill>
-                  <a:schemeClr val="tx1"/>
-                </a:solidFill>
-              </a:endParaRPr>
-            </a:p>
-          </p:txBody>
-        </p:sp>
-        <p:sp>
-          <p:nvSpPr>
-            <p:cNvPr id="293" name="Rectangle 292">
-              <a:extLst>
-                <a:ext uri="{FF2B5EF4-FFF2-40B4-BE49-F238E27FC236}">
-                  <a16:creationId xmlns:a16="http://schemas.microsoft.com/office/drawing/2014/main" id="{C3B79A97-C3F1-1A41-8B7F-96CAD9ED014C}"/>
-                </a:ext>
-              </a:extLst>
-            </p:cNvPr>
-            <p:cNvSpPr/>
-            <p:nvPr/>
-          </p:nvSpPr>
-          <p:spPr>
-            <a:xfrm>
-              <a:off x="3285576" y="1864887"/>
-              <a:ext cx="1371600" cy="246221"/>
-            </a:xfrm>
-            <a:prstGeom prst="rect">
-              <a:avLst/>
-            </a:prstGeom>
-            <a:solidFill>
-              <a:schemeClr val="bg1"/>
-            </a:solidFill>
-            <a:ln>
-              <a:solidFill>
-                <a:schemeClr val="tx1"/>
-              </a:solidFill>
-            </a:ln>
-          </p:spPr>
-          <p:style>
-            <a:lnRef idx="2">
-              <a:schemeClr val="accent1">
-                <a:shade val="50000"/>
-              </a:schemeClr>
-            </a:lnRef>
-            <a:fillRef idx="1">
-              <a:schemeClr val="accent1"/>
-            </a:fillRef>
-            <a:effectRef idx="0">
-              <a:schemeClr val="accent1"/>
-            </a:effectRef>
-            <a:fontRef idx="minor">
-              <a:schemeClr val="lt1"/>
-            </a:fontRef>
-          </p:style>
-          <p:txBody>
-            <a:bodyPr rtlCol="0" anchor="ctr"/>
-            <a:lstStyle/>
-            <a:p>
-              <a:pPr algn="ctr"/>
-              <a:r>
-                <a:rPr lang="en-US" sz="1000" dirty="0">
-                  <a:solidFill>
-                    <a:schemeClr val="tx1"/>
-                  </a:solidFill>
-                </a:rPr>
-                <a:t>△</a:t>
-              </a:r>
-              <a:r>
-                <a:rPr lang="en-US" sz="1000" i="1" dirty="0">
-                  <a:solidFill>
-                    <a:schemeClr val="tx1"/>
-                  </a:solidFill>
-                </a:rPr>
-                <a:t> delta.biomass_root</a:t>
-              </a:r>
-              <a:endParaRPr lang="en-US" sz="1000" dirty="0">
-                <a:solidFill>
-                  <a:schemeClr val="tx1"/>
-                </a:solidFill>
-              </a:endParaRPr>
-            </a:p>
-          </p:txBody>
-        </p:sp>
-        <p:sp>
-          <p:nvSpPr>
-            <p:cNvPr id="294" name="Rectangle 293">
-              <a:extLst>
-                <a:ext uri="{FF2B5EF4-FFF2-40B4-BE49-F238E27FC236}">
-                  <a16:creationId xmlns:a16="http://schemas.microsoft.com/office/drawing/2014/main" id="{D95E3524-9053-F144-B28D-5633E223286E}"/>
-                </a:ext>
-              </a:extLst>
-            </p:cNvPr>
-            <p:cNvSpPr/>
-            <p:nvPr/>
-          </p:nvSpPr>
-          <p:spPr>
-            <a:xfrm>
-              <a:off x="3285576" y="1619889"/>
-              <a:ext cx="1371600" cy="246221"/>
-            </a:xfrm>
-            <a:prstGeom prst="rect">
-              <a:avLst/>
-            </a:prstGeom>
-            <a:solidFill>
-              <a:schemeClr val="bg1"/>
-            </a:solidFill>
-            <a:ln>
-              <a:solidFill>
-                <a:schemeClr val="tx1"/>
-              </a:solidFill>
-            </a:ln>
-          </p:spPr>
-          <p:style>
-            <a:lnRef idx="2">
-              <a:schemeClr val="accent1">
-                <a:shade val="50000"/>
-              </a:schemeClr>
-            </a:lnRef>
-            <a:fillRef idx="1">
-              <a:schemeClr val="accent1"/>
-            </a:fillRef>
-            <a:effectRef idx="0">
-              <a:schemeClr val="accent1"/>
-            </a:effectRef>
-            <a:fontRef idx="minor">
-              <a:schemeClr val="lt1"/>
-            </a:fontRef>
-          </p:style>
-          <p:txBody>
-            <a:bodyPr rtlCol="0" anchor="ctr"/>
-            <a:lstStyle/>
-            <a:p>
-              <a:pPr algn="ctr"/>
-              <a:r>
-                <a:rPr lang="en-US" sz="1000" i="1" dirty="0">
-                  <a:solidFill>
-                    <a:schemeClr val="tx1"/>
-                  </a:solidFill>
-                </a:rPr>
-                <a:t>biomass_root</a:t>
-              </a:r>
-            </a:p>
-          </p:txBody>
-        </p:sp>
-        <p:sp>
-          <p:nvSpPr>
-            <p:cNvPr id="295" name="Rectangle 294">
-              <a:extLst>
-                <a:ext uri="{FF2B5EF4-FFF2-40B4-BE49-F238E27FC236}">
-                  <a16:creationId xmlns:a16="http://schemas.microsoft.com/office/drawing/2014/main" id="{7EE3B858-81DA-0048-916D-6873F7EC79FE}"/>
-                </a:ext>
-              </a:extLst>
-            </p:cNvPr>
-            <p:cNvSpPr/>
-            <p:nvPr/>
-          </p:nvSpPr>
-          <p:spPr>
-            <a:xfrm>
-              <a:off x="3285576" y="1375961"/>
-              <a:ext cx="1371600" cy="246221"/>
-            </a:xfrm>
-            <a:prstGeom prst="rect">
-              <a:avLst/>
-            </a:prstGeom>
-            <a:solidFill>
-              <a:srgbClr val="A3C3CF"/>
-            </a:solidFill>
-            <a:ln>
-              <a:solidFill>
-                <a:schemeClr val="tx1"/>
-              </a:solidFill>
-            </a:ln>
-          </p:spPr>
-          <p:style>
-            <a:lnRef idx="2">
-              <a:schemeClr val="accent1">
-                <a:shade val="50000"/>
-              </a:schemeClr>
-            </a:lnRef>
-            <a:fillRef idx="1">
-              <a:schemeClr val="accent1"/>
-            </a:fillRef>
-            <a:effectRef idx="0">
-              <a:schemeClr val="accent1"/>
-            </a:effectRef>
-            <a:fontRef idx="minor">
-              <a:schemeClr val="lt1"/>
-            </a:fontRef>
-          </p:style>
-          <p:txBody>
-            <a:bodyPr rtlCol="0" anchor="ctr"/>
-            <a:lstStyle/>
-            <a:p>
-              <a:pPr algn="ctr"/>
-              <a:r>
-                <a:rPr lang="en-US" sz="1000" dirty="0">
-                  <a:solidFill>
-                    <a:schemeClr val="tx1"/>
-                  </a:solidFill>
-                </a:rPr>
-                <a:t>Belowground biomass</a:t>
-              </a:r>
-            </a:p>
-          </p:txBody>
-        </p:sp>
-        <p:sp>
-          <p:nvSpPr>
-            <p:cNvPr id="341" name="Rectangle 340">
-              <a:extLst>
-                <a:ext uri="{FF2B5EF4-FFF2-40B4-BE49-F238E27FC236}">
-                  <a16:creationId xmlns:a16="http://schemas.microsoft.com/office/drawing/2014/main" id="{C7E95844-95E8-1A4A-BB16-5B3167CDD961}"/>
-                </a:ext>
-              </a:extLst>
-            </p:cNvPr>
-            <p:cNvSpPr/>
-            <p:nvPr/>
-          </p:nvSpPr>
-          <p:spPr>
-            <a:xfrm>
-              <a:off x="3285576" y="2348989"/>
-              <a:ext cx="1371600" cy="246221"/>
-            </a:xfrm>
-            <a:prstGeom prst="rect">
-              <a:avLst/>
-            </a:prstGeom>
-            <a:solidFill>
-              <a:schemeClr val="bg1"/>
-            </a:solidFill>
-            <a:ln>
-              <a:solidFill>
-                <a:schemeClr val="tx1"/>
-              </a:solidFill>
-            </a:ln>
-          </p:spPr>
-          <p:style>
-            <a:lnRef idx="2">
-              <a:schemeClr val="accent1">
-                <a:shade val="50000"/>
-              </a:schemeClr>
-            </a:lnRef>
-            <a:fillRef idx="1">
-              <a:schemeClr val="accent1"/>
-            </a:fillRef>
-            <a:effectRef idx="0">
-              <a:schemeClr val="accent1"/>
-            </a:effectRef>
-            <a:fontRef idx="minor">
-              <a:schemeClr val="lt1"/>
-            </a:fontRef>
-          </p:style>
-          <p:txBody>
-            <a:bodyPr rtlCol="0" anchor="ctr"/>
-            <a:lstStyle/>
-            <a:p>
-              <a:pPr algn="ctr"/>
-              <a:r>
-                <a:rPr lang="en-US" sz="1000" i="1" dirty="0">
-                  <a:solidFill>
-                    <a:schemeClr val="tx1"/>
-                  </a:solidFill>
-                </a:rPr>
-                <a:t>▼</a:t>
-              </a:r>
-              <a:r>
-                <a:rPr lang="en-US" sz="1000" dirty="0">
-                  <a:solidFill>
-                    <a:schemeClr val="tx1"/>
-                  </a:solidFill>
-                </a:rPr>
-                <a:t>⌀</a:t>
-              </a:r>
-            </a:p>
-          </p:txBody>
-        </p:sp>
-      </p:grpSp>
-      <p:cxnSp>
-        <p:nvCxnSpPr>
-          <p:cNvPr id="343" name="Curved Connector 342">
-            <a:extLst>
-              <a:ext uri="{FF2B5EF4-FFF2-40B4-BE49-F238E27FC236}">
-                <a16:creationId xmlns:a16="http://schemas.microsoft.com/office/drawing/2014/main" id="{4E34690D-DE53-2642-9F74-4EA620A92FB0}"/>
-              </a:ext>
-            </a:extLst>
-          </p:cNvPr>
-          <p:cNvCxnSpPr>
-            <a:cxnSpLocks/>
-            <a:stCxn id="273" idx="3"/>
-            <a:endCxn id="335" idx="3"/>
-          </p:cNvCxnSpPr>
-          <p:nvPr/>
-        </p:nvCxnSpPr>
-        <p:spPr>
-          <a:xfrm>
-            <a:off x="4520424" y="4041994"/>
-            <a:ext cx="12700" cy="1192133"/>
-          </a:xfrm>
-          <a:prstGeom prst="curvedConnector3">
-            <a:avLst>
-              <a:gd name="adj1" fmla="val 1800000"/>
-            </a:avLst>
-          </a:prstGeom>
-          <a:ln w="12700">
-            <a:solidFill>
-              <a:srgbClr val="909387"/>
-            </a:solidFill>
-            <a:prstDash val="sysDash"/>
-            <a:tailEnd type="triangle"/>
-          </a:ln>
-        </p:spPr>
-        <p:style>
-          <a:lnRef idx="1">
-            <a:schemeClr val="dk1"/>
-          </a:lnRef>
-          <a:fillRef idx="0">
-            <a:schemeClr val="dk1"/>
-          </a:fillRef>
-          <a:effectRef idx="0">
-            <a:schemeClr val="dk1"/>
-          </a:effectRef>
-          <a:fontRef idx="minor">
-            <a:schemeClr val="tx1"/>
-          </a:fontRef>
-        </p:style>
-      </p:cxnSp>
-      <p:cxnSp>
-        <p:nvCxnSpPr>
-          <p:cNvPr id="346" name="Curved Connector 345">
-            <a:extLst>
-              <a:ext uri="{FF2B5EF4-FFF2-40B4-BE49-F238E27FC236}">
-                <a16:creationId xmlns:a16="http://schemas.microsoft.com/office/drawing/2014/main" id="{741ADD09-8806-8048-903E-C53B8701C3DF}"/>
-              </a:ext>
-            </a:extLst>
-          </p:cNvPr>
-          <p:cNvCxnSpPr>
-            <a:cxnSpLocks/>
-            <a:stCxn id="336" idx="3"/>
-            <a:endCxn id="322" idx="3"/>
-          </p:cNvCxnSpPr>
-          <p:nvPr/>
-        </p:nvCxnSpPr>
-        <p:spPr>
-          <a:xfrm flipH="1">
-            <a:off x="4519292" y="5478565"/>
-            <a:ext cx="1132" cy="1188903"/>
-          </a:xfrm>
-          <a:prstGeom prst="curvedConnector3">
-            <a:avLst>
-              <a:gd name="adj1" fmla="val -20194346"/>
-            </a:avLst>
-          </a:prstGeom>
-          <a:ln w="12700">
-            <a:solidFill>
-              <a:srgbClr val="9E996D"/>
-            </a:solidFill>
-            <a:prstDash val="sysDash"/>
-            <a:tailEnd type="triangle"/>
-          </a:ln>
-        </p:spPr>
-        <p:style>
-          <a:lnRef idx="1">
-            <a:schemeClr val="dk1"/>
-          </a:lnRef>
-          <a:fillRef idx="0">
-            <a:schemeClr val="dk1"/>
-          </a:fillRef>
-          <a:effectRef idx="0">
-            <a:schemeClr val="dk1"/>
-          </a:effectRef>
-          <a:fontRef idx="minor">
-            <a:schemeClr val="tx1"/>
-          </a:fontRef>
-        </p:style>
-      </p:cxnSp>
-      <p:cxnSp>
-        <p:nvCxnSpPr>
-          <p:cNvPr id="349" name="Curved Connector 348">
-            <a:extLst>
-              <a:ext uri="{FF2B5EF4-FFF2-40B4-BE49-F238E27FC236}">
-                <a16:creationId xmlns:a16="http://schemas.microsoft.com/office/drawing/2014/main" id="{B390D472-EDF8-A647-B5AF-6947F9AD5923}"/>
-              </a:ext>
-            </a:extLst>
-          </p:cNvPr>
-          <p:cNvCxnSpPr>
-            <a:cxnSpLocks/>
-            <a:stCxn id="387" idx="1"/>
-            <a:endCxn id="335" idx="3"/>
-          </p:cNvCxnSpPr>
-          <p:nvPr/>
-        </p:nvCxnSpPr>
-        <p:spPr>
-          <a:xfrm rot="10800000" flipV="1">
-            <a:off x="4520425" y="4843105"/>
-            <a:ext cx="686857" cy="391021"/>
-          </a:xfrm>
-          <a:prstGeom prst="curvedConnector3">
-            <a:avLst>
-              <a:gd name="adj1" fmla="val 50000"/>
-            </a:avLst>
-          </a:prstGeom>
-          <a:ln w="12700">
-            <a:solidFill>
-              <a:srgbClr val="909387"/>
-            </a:solidFill>
-            <a:prstDash val="sysDash"/>
-            <a:tailEnd type="triangle"/>
-          </a:ln>
-        </p:spPr>
-        <p:style>
-          <a:lnRef idx="1">
-            <a:schemeClr val="dk1"/>
-          </a:lnRef>
-          <a:fillRef idx="0">
-            <a:schemeClr val="dk1"/>
-          </a:fillRef>
-          <a:effectRef idx="0">
-            <a:schemeClr val="dk1"/>
-          </a:effectRef>
-          <a:fontRef idx="minor">
-            <a:schemeClr val="tx1"/>
-          </a:fontRef>
-        </p:style>
-      </p:cxnSp>
-      <p:cxnSp>
-        <p:nvCxnSpPr>
-          <p:cNvPr id="352" name="Curved Connector 351">
-            <a:extLst>
-              <a:ext uri="{FF2B5EF4-FFF2-40B4-BE49-F238E27FC236}">
-                <a16:creationId xmlns:a16="http://schemas.microsoft.com/office/drawing/2014/main" id="{05EB3DFA-2DA9-1A43-875B-68CEE93916ED}"/>
-              </a:ext>
-            </a:extLst>
-          </p:cNvPr>
-          <p:cNvCxnSpPr>
-            <a:cxnSpLocks/>
-            <a:stCxn id="285" idx="1"/>
-            <a:endCxn id="335" idx="3"/>
-          </p:cNvCxnSpPr>
-          <p:nvPr/>
-        </p:nvCxnSpPr>
-        <p:spPr>
-          <a:xfrm rot="10800000" flipV="1">
-            <a:off x="4520425" y="936703"/>
-            <a:ext cx="687989" cy="4297423"/>
-          </a:xfrm>
-          <a:prstGeom prst="curvedConnector3">
-            <a:avLst>
-              <a:gd name="adj1" fmla="val 50000"/>
-            </a:avLst>
-          </a:prstGeom>
-          <a:ln w="12700">
-            <a:solidFill>
-              <a:schemeClr val="accent6">
-                <a:lumMod val="60000"/>
-                <a:lumOff val="40000"/>
-              </a:schemeClr>
-            </a:solidFill>
-            <a:prstDash val="sysDash"/>
-            <a:tailEnd type="triangle"/>
-          </a:ln>
-        </p:spPr>
-        <p:style>
-          <a:lnRef idx="1">
-            <a:schemeClr val="dk1"/>
-          </a:lnRef>
-          <a:fillRef idx="0">
-            <a:schemeClr val="dk1"/>
-          </a:fillRef>
-          <a:effectRef idx="0">
-            <a:schemeClr val="dk1"/>
-          </a:effectRef>
-          <a:fontRef idx="minor">
-            <a:schemeClr val="tx1"/>
-          </a:fontRef>
-        </p:style>
-      </p:cxnSp>
-      <p:cxnSp>
-        <p:nvCxnSpPr>
-          <p:cNvPr id="360" name="Curved Connector 359">
-            <a:extLst>
-              <a:ext uri="{FF2B5EF4-FFF2-40B4-BE49-F238E27FC236}">
-                <a16:creationId xmlns:a16="http://schemas.microsoft.com/office/drawing/2014/main" id="{7C803735-BF8F-8043-B3E1-64A03641B5F6}"/>
-              </a:ext>
-            </a:extLst>
-          </p:cNvPr>
-          <p:cNvCxnSpPr>
-            <a:cxnSpLocks/>
-            <a:stCxn id="266" idx="1"/>
-            <a:endCxn id="335" idx="3"/>
-          </p:cNvCxnSpPr>
-          <p:nvPr/>
-        </p:nvCxnSpPr>
-        <p:spPr>
-          <a:xfrm rot="10800000" flipV="1">
-            <a:off x="4520425" y="2265863"/>
-            <a:ext cx="687989" cy="2968263"/>
-          </a:xfrm>
-          <a:prstGeom prst="curvedConnector3">
-            <a:avLst>
-              <a:gd name="adj1" fmla="val 50000"/>
-            </a:avLst>
-          </a:prstGeom>
-          <a:ln w="12700">
-            <a:solidFill>
-              <a:srgbClr val="909387"/>
-            </a:solidFill>
-            <a:prstDash val="sysDash"/>
-            <a:tailEnd type="triangle"/>
-          </a:ln>
-        </p:spPr>
-        <p:style>
-          <a:lnRef idx="1">
-            <a:schemeClr val="dk1"/>
-          </a:lnRef>
-          <a:fillRef idx="0">
-            <a:schemeClr val="dk1"/>
-          </a:fillRef>
-          <a:effectRef idx="0">
-            <a:schemeClr val="dk1"/>
-          </a:effectRef>
-          <a:fontRef idx="minor">
-            <a:schemeClr val="tx1"/>
-          </a:fontRef>
-        </p:style>
-      </p:cxnSp>
-      <p:grpSp>
-        <p:nvGrpSpPr>
-          <p:cNvPr id="365" name="Group 364">
-            <a:extLst>
-              <a:ext uri="{FF2B5EF4-FFF2-40B4-BE49-F238E27FC236}">
-                <a16:creationId xmlns:a16="http://schemas.microsoft.com/office/drawing/2014/main" id="{628F92F8-AE4A-AB40-9D52-2CA4832B402A}"/>
-              </a:ext>
-            </a:extLst>
-          </p:cNvPr>
-          <p:cNvGrpSpPr/>
-          <p:nvPr/>
-        </p:nvGrpSpPr>
-        <p:grpSpPr>
-          <a:xfrm>
-            <a:off x="113188" y="135300"/>
-            <a:ext cx="1372732" cy="1223293"/>
-            <a:chOff x="90095" y="47552"/>
-            <a:chExt cx="1372732" cy="1223293"/>
-          </a:xfrm>
-        </p:grpSpPr>
-        <p:sp>
-          <p:nvSpPr>
-            <p:cNvPr id="366" name="Rectangle 365">
-              <a:extLst>
-                <a:ext uri="{FF2B5EF4-FFF2-40B4-BE49-F238E27FC236}">
-                  <a16:creationId xmlns:a16="http://schemas.microsoft.com/office/drawing/2014/main" id="{ACE3AEDC-FD8C-364D-8F80-2EB930F84A79}"/>
-                </a:ext>
-              </a:extLst>
-            </p:cNvPr>
-            <p:cNvSpPr/>
-            <p:nvPr/>
-          </p:nvSpPr>
-          <p:spPr>
-            <a:xfrm>
-              <a:off x="91227" y="780186"/>
-              <a:ext cx="1371600" cy="246221"/>
-            </a:xfrm>
-            <a:prstGeom prst="rect">
-              <a:avLst/>
-            </a:prstGeom>
-            <a:solidFill>
-              <a:schemeClr val="bg1"/>
-            </a:solidFill>
-            <a:ln>
-              <a:solidFill>
-                <a:schemeClr val="tx1"/>
-              </a:solidFill>
-            </a:ln>
-          </p:spPr>
-          <p:style>
-            <a:lnRef idx="2">
-              <a:schemeClr val="accent1">
-                <a:shade val="50000"/>
-              </a:schemeClr>
-            </a:lnRef>
-            <a:fillRef idx="1">
-              <a:schemeClr val="accent1"/>
-            </a:fillRef>
-            <a:effectRef idx="0">
-              <a:schemeClr val="accent1"/>
-            </a:effectRef>
-            <a:fontRef idx="minor">
-              <a:schemeClr val="lt1"/>
-            </a:fontRef>
-          </p:style>
-          <p:txBody>
-            <a:bodyPr rtlCol="0" anchor="ctr"/>
-            <a:lstStyle/>
-            <a:p>
-              <a:pPr algn="ctr"/>
-              <a:r>
-                <a:rPr lang="en-US" sz="1000" dirty="0">
-                  <a:solidFill>
-                    <a:schemeClr val="tx1"/>
-                  </a:solidFill>
-                </a:rPr>
-                <a:t>▲ </a:t>
-              </a:r>
-              <a:r>
-                <a:rPr lang="en-US" sz="1000" i="1" dirty="0">
-                  <a:solidFill>
-                    <a:schemeClr val="tx1"/>
-                  </a:solidFill>
-                </a:rPr>
-                <a:t>influx variable(s)</a:t>
-              </a:r>
-              <a:endParaRPr lang="en-US" sz="1000" dirty="0">
-                <a:solidFill>
-                  <a:schemeClr val="tx1"/>
-                </a:solidFill>
-              </a:endParaRPr>
-            </a:p>
-          </p:txBody>
-        </p:sp>
-        <p:sp>
-          <p:nvSpPr>
-            <p:cNvPr id="367" name="Rectangle 366">
-              <a:extLst>
-                <a:ext uri="{FF2B5EF4-FFF2-40B4-BE49-F238E27FC236}">
-                  <a16:creationId xmlns:a16="http://schemas.microsoft.com/office/drawing/2014/main" id="{32CE26EB-716E-8541-A777-20C6EE649545}"/>
-                </a:ext>
-              </a:extLst>
-            </p:cNvPr>
-            <p:cNvSpPr/>
-            <p:nvPr/>
-          </p:nvSpPr>
-          <p:spPr>
-            <a:xfrm>
-              <a:off x="91227" y="1024624"/>
-              <a:ext cx="1371600" cy="246221"/>
-            </a:xfrm>
-            <a:prstGeom prst="rect">
-              <a:avLst/>
-            </a:prstGeom>
-            <a:solidFill>
-              <a:schemeClr val="bg1"/>
-            </a:solidFill>
-            <a:ln>
-              <a:solidFill>
-                <a:schemeClr val="tx1"/>
-              </a:solidFill>
-            </a:ln>
-          </p:spPr>
-          <p:style>
-            <a:lnRef idx="2">
-              <a:schemeClr val="accent1">
-                <a:shade val="50000"/>
-              </a:schemeClr>
-            </a:lnRef>
-            <a:fillRef idx="1">
-              <a:schemeClr val="accent1"/>
-            </a:fillRef>
-            <a:effectRef idx="0">
-              <a:schemeClr val="accent1"/>
-            </a:effectRef>
-            <a:fontRef idx="minor">
-              <a:schemeClr val="lt1"/>
-            </a:fontRef>
-          </p:style>
-          <p:txBody>
-            <a:bodyPr rtlCol="0" anchor="ctr"/>
-            <a:lstStyle/>
-            <a:p>
-              <a:pPr algn="ctr"/>
-              <a:r>
-                <a:rPr lang="en-US" sz="1000" i="1" dirty="0">
-                  <a:solidFill>
-                    <a:schemeClr val="tx1"/>
-                  </a:solidFill>
-                </a:rPr>
-                <a:t>▼ outflux variable(s)</a:t>
-              </a:r>
-              <a:endParaRPr lang="en-US" sz="1000" dirty="0">
-                <a:solidFill>
-                  <a:schemeClr val="tx1"/>
-                </a:solidFill>
-              </a:endParaRPr>
-            </a:p>
-          </p:txBody>
-        </p:sp>
-        <p:sp>
-          <p:nvSpPr>
-            <p:cNvPr id="368" name="Rectangle 367">
-              <a:extLst>
-                <a:ext uri="{FF2B5EF4-FFF2-40B4-BE49-F238E27FC236}">
-                  <a16:creationId xmlns:a16="http://schemas.microsoft.com/office/drawing/2014/main" id="{C5D94E38-37FE-D143-8939-0F2C5A98E531}"/>
-                </a:ext>
-              </a:extLst>
-            </p:cNvPr>
-            <p:cNvSpPr/>
-            <p:nvPr/>
-          </p:nvSpPr>
-          <p:spPr>
-            <a:xfrm>
-              <a:off x="91227" y="536478"/>
-              <a:ext cx="1371600" cy="246221"/>
-            </a:xfrm>
-            <a:prstGeom prst="rect">
-              <a:avLst/>
-            </a:prstGeom>
-            <a:solidFill>
-              <a:schemeClr val="bg1"/>
-            </a:solidFill>
-            <a:ln>
-              <a:solidFill>
-                <a:schemeClr val="tx1"/>
-              </a:solidFill>
-            </a:ln>
-          </p:spPr>
-          <p:style>
-            <a:lnRef idx="2">
-              <a:schemeClr val="accent1">
-                <a:shade val="50000"/>
-              </a:schemeClr>
-            </a:lnRef>
-            <a:fillRef idx="1">
-              <a:schemeClr val="accent1"/>
-            </a:fillRef>
-            <a:effectRef idx="0">
-              <a:schemeClr val="accent1"/>
-            </a:effectRef>
-            <a:fontRef idx="minor">
-              <a:schemeClr val="lt1"/>
-            </a:fontRef>
-          </p:style>
-          <p:txBody>
-            <a:bodyPr lIns="45720" rIns="45720" rtlCol="0" anchor="ctr"/>
-            <a:lstStyle/>
-            <a:p>
-              <a:pPr algn="ctr"/>
-              <a:r>
-                <a:rPr lang="en-US" sz="1000" dirty="0">
-                  <a:solidFill>
-                    <a:schemeClr val="tx1"/>
-                  </a:solidFill>
-                </a:rPr>
-                <a:t>△</a:t>
-              </a:r>
-              <a:r>
-                <a:rPr lang="en-US" sz="1000" i="1" dirty="0">
-                  <a:solidFill>
-                    <a:schemeClr val="tx1"/>
-                  </a:solidFill>
-                </a:rPr>
-                <a:t> increment variable(s)</a:t>
-              </a:r>
-              <a:endParaRPr lang="en-US" sz="1000" dirty="0">
-                <a:solidFill>
-                  <a:schemeClr val="tx1"/>
-                </a:solidFill>
-              </a:endParaRPr>
-            </a:p>
-          </p:txBody>
-        </p:sp>
-        <p:sp>
-          <p:nvSpPr>
-            <p:cNvPr id="369" name="Rectangle 368">
-              <a:extLst>
-                <a:ext uri="{FF2B5EF4-FFF2-40B4-BE49-F238E27FC236}">
-                  <a16:creationId xmlns:a16="http://schemas.microsoft.com/office/drawing/2014/main" id="{469C5A41-E152-0D4E-AB7C-337AA1FB0339}"/>
-                </a:ext>
-              </a:extLst>
-            </p:cNvPr>
-            <p:cNvSpPr/>
-            <p:nvPr/>
-          </p:nvSpPr>
-          <p:spPr>
-            <a:xfrm>
-              <a:off x="91227" y="291480"/>
-              <a:ext cx="1371600" cy="246221"/>
-            </a:xfrm>
-            <a:prstGeom prst="rect">
-              <a:avLst/>
-            </a:prstGeom>
-            <a:solidFill>
-              <a:schemeClr val="bg1"/>
-            </a:solidFill>
-            <a:ln>
-              <a:solidFill>
-                <a:schemeClr val="tx1"/>
-              </a:solidFill>
-            </a:ln>
-          </p:spPr>
-          <p:style>
-            <a:lnRef idx="2">
-              <a:schemeClr val="accent1">
-                <a:shade val="50000"/>
-              </a:schemeClr>
-            </a:lnRef>
-            <a:fillRef idx="1">
-              <a:schemeClr val="accent1"/>
-            </a:fillRef>
-            <a:effectRef idx="0">
-              <a:schemeClr val="accent1"/>
-            </a:effectRef>
-            <a:fontRef idx="minor">
-              <a:schemeClr val="lt1"/>
-            </a:fontRef>
-          </p:style>
-          <p:txBody>
-            <a:bodyPr rtlCol="0" anchor="ctr"/>
-            <a:lstStyle/>
-            <a:p>
-              <a:pPr algn="ctr"/>
-              <a:r>
-                <a:rPr lang="en-US" sz="1000" i="1" dirty="0">
-                  <a:solidFill>
-                    <a:schemeClr val="tx1"/>
-                  </a:solidFill>
-                </a:rPr>
-                <a:t>ForC variable(s)</a:t>
-              </a:r>
-            </a:p>
-          </p:txBody>
-        </p:sp>
-        <p:sp>
-          <p:nvSpPr>
-            <p:cNvPr id="370" name="Rectangle 369">
-              <a:extLst>
-                <a:ext uri="{FF2B5EF4-FFF2-40B4-BE49-F238E27FC236}">
-                  <a16:creationId xmlns:a16="http://schemas.microsoft.com/office/drawing/2014/main" id="{5A5686EA-DDB3-704E-9263-0C701A517B16}"/>
-                </a:ext>
-              </a:extLst>
-            </p:cNvPr>
-            <p:cNvSpPr/>
-            <p:nvPr/>
-          </p:nvSpPr>
-          <p:spPr>
-            <a:xfrm>
-              <a:off x="90095" y="47552"/>
-              <a:ext cx="1371600" cy="246221"/>
-            </a:xfrm>
-            <a:prstGeom prst="rect">
-              <a:avLst/>
-            </a:prstGeom>
-            <a:solidFill>
-              <a:schemeClr val="bg2"/>
-            </a:solidFill>
-            <a:ln>
-              <a:solidFill>
-                <a:schemeClr val="tx1"/>
-              </a:solidFill>
-            </a:ln>
-          </p:spPr>
-          <p:style>
-            <a:lnRef idx="2">
-              <a:schemeClr val="accent1">
-                <a:shade val="50000"/>
-              </a:schemeClr>
-            </a:lnRef>
-            <a:fillRef idx="1">
-              <a:schemeClr val="accent1"/>
-            </a:fillRef>
-            <a:effectRef idx="0">
-              <a:schemeClr val="accent1"/>
-            </a:effectRef>
-            <a:fontRef idx="minor">
-              <a:schemeClr val="lt1"/>
-            </a:fontRef>
-          </p:style>
-          <p:txBody>
-            <a:bodyPr rtlCol="0" anchor="ctr"/>
-            <a:lstStyle/>
-            <a:p>
-              <a:pPr algn="ctr"/>
-              <a:r>
-                <a:rPr lang="en-US" sz="1000" dirty="0">
-                  <a:solidFill>
-                    <a:schemeClr val="tx1"/>
-                  </a:solidFill>
-                </a:rPr>
-                <a:t>Carbon Pool</a:t>
-              </a:r>
-            </a:p>
-          </p:txBody>
-        </p:sp>
-      </p:grpSp>
-      <p:grpSp>
-        <p:nvGrpSpPr>
-          <p:cNvPr id="378" name="Group 377">
-            <a:extLst>
-              <a:ext uri="{FF2B5EF4-FFF2-40B4-BE49-F238E27FC236}">
-                <a16:creationId xmlns:a16="http://schemas.microsoft.com/office/drawing/2014/main" id="{F6F21715-0785-B34D-BF52-F3F962D9E7A2}"/>
-              </a:ext>
-            </a:extLst>
-          </p:cNvPr>
-          <p:cNvGrpSpPr/>
-          <p:nvPr/>
-        </p:nvGrpSpPr>
-        <p:grpSpPr>
-          <a:xfrm>
-            <a:off x="5207281" y="3458394"/>
-            <a:ext cx="1555612" cy="965345"/>
-            <a:chOff x="90095" y="47551"/>
-            <a:chExt cx="1555612" cy="965345"/>
-          </a:xfrm>
-        </p:grpSpPr>
-        <p:sp>
-          <p:nvSpPr>
-            <p:cNvPr id="379" name="Rectangle 378">
-              <a:extLst>
-                <a:ext uri="{FF2B5EF4-FFF2-40B4-BE49-F238E27FC236}">
-                  <a16:creationId xmlns:a16="http://schemas.microsoft.com/office/drawing/2014/main" id="{AF4C5247-F0D4-B24B-BD58-B4E9022B5342}"/>
-                </a:ext>
-              </a:extLst>
-            </p:cNvPr>
-            <p:cNvSpPr/>
-            <p:nvPr/>
-          </p:nvSpPr>
-          <p:spPr>
-            <a:xfrm>
-              <a:off x="91227" y="521569"/>
-              <a:ext cx="1554480" cy="246888"/>
-            </a:xfrm>
-            <a:prstGeom prst="rect">
-              <a:avLst/>
-            </a:prstGeom>
-            <a:solidFill>
-              <a:schemeClr val="bg1"/>
-            </a:solidFill>
-            <a:ln>
-              <a:solidFill>
-                <a:schemeClr val="tx1"/>
-              </a:solidFill>
-            </a:ln>
-          </p:spPr>
-          <p:style>
-            <a:lnRef idx="2">
-              <a:schemeClr val="accent1">
-                <a:shade val="50000"/>
-              </a:schemeClr>
-            </a:lnRef>
-            <a:fillRef idx="1">
-              <a:schemeClr val="accent1"/>
-            </a:fillRef>
-            <a:effectRef idx="0">
-              <a:schemeClr val="accent1"/>
-            </a:effectRef>
-            <a:fontRef idx="minor">
-              <a:schemeClr val="lt1"/>
-            </a:fontRef>
-          </p:style>
-          <p:txBody>
-            <a:bodyPr rtlCol="0" anchor="ctr"/>
-            <a:lstStyle/>
-            <a:p>
-              <a:pPr algn="ctr"/>
-              <a:r>
-                <a:rPr lang="en-US" sz="1000" dirty="0">
-                  <a:solidFill>
-                    <a:schemeClr val="tx1"/>
-                  </a:solidFill>
-                </a:rPr>
-                <a:t>▲ </a:t>
-              </a:r>
-              <a:r>
-                <a:rPr lang="en-US" sz="1000" i="1" dirty="0">
-                  <a:solidFill>
-                    <a:schemeClr val="tx1"/>
-                  </a:solidFill>
-                </a:rPr>
-                <a:t>BNPP_root_coarse</a:t>
-              </a:r>
-              <a:endParaRPr lang="en-US" sz="1000" dirty="0">
-                <a:solidFill>
-                  <a:schemeClr val="tx1"/>
-                </a:solidFill>
-              </a:endParaRPr>
-            </a:p>
-          </p:txBody>
-        </p:sp>
-        <p:sp>
-          <p:nvSpPr>
-            <p:cNvPr id="380" name="Rectangle 379">
-              <a:extLst>
-                <a:ext uri="{FF2B5EF4-FFF2-40B4-BE49-F238E27FC236}">
-                  <a16:creationId xmlns:a16="http://schemas.microsoft.com/office/drawing/2014/main" id="{A64DC2C9-5C20-5549-AC7D-36CDF1FCF53C}"/>
-                </a:ext>
-              </a:extLst>
-            </p:cNvPr>
-            <p:cNvSpPr/>
-            <p:nvPr/>
-          </p:nvSpPr>
-          <p:spPr>
-            <a:xfrm>
-              <a:off x="91227" y="766008"/>
-              <a:ext cx="1554480" cy="246888"/>
-            </a:xfrm>
-            <a:prstGeom prst="rect">
-              <a:avLst/>
-            </a:prstGeom>
-            <a:solidFill>
-              <a:schemeClr val="bg1"/>
-            </a:solidFill>
-            <a:ln>
-              <a:solidFill>
-                <a:schemeClr val="tx1"/>
-              </a:solidFill>
-            </a:ln>
-          </p:spPr>
-          <p:style>
-            <a:lnRef idx="2">
-              <a:schemeClr val="accent1">
-                <a:shade val="50000"/>
-              </a:schemeClr>
-            </a:lnRef>
-            <a:fillRef idx="1">
-              <a:schemeClr val="accent1"/>
-            </a:fillRef>
-            <a:effectRef idx="0">
-              <a:schemeClr val="accent1"/>
-            </a:effectRef>
-            <a:fontRef idx="minor">
-              <a:schemeClr val="lt1"/>
-            </a:fontRef>
-          </p:style>
-          <p:txBody>
-            <a:bodyPr lIns="0" rIns="0" rtlCol="0" anchor="ctr"/>
-            <a:lstStyle/>
-            <a:p>
-              <a:pPr algn="ctr"/>
-              <a:r>
-                <a:rPr lang="en-US" sz="1000" i="1" dirty="0">
-                  <a:solidFill>
-                    <a:schemeClr val="tx1"/>
-                  </a:solidFill>
-                </a:rPr>
-                <a:t>▼</a:t>
-              </a:r>
-              <a:r>
-                <a:rPr lang="en-US" sz="1000" dirty="0">
-                  <a:solidFill>
-                    <a:schemeClr val="tx1"/>
-                  </a:solidFill>
-                </a:rPr>
-                <a:t>⌀</a:t>
-              </a:r>
-            </a:p>
-          </p:txBody>
-        </p:sp>
-        <p:sp>
-          <p:nvSpPr>
-            <p:cNvPr id="381" name="Rectangle 380">
-              <a:extLst>
-                <a:ext uri="{FF2B5EF4-FFF2-40B4-BE49-F238E27FC236}">
-                  <a16:creationId xmlns:a16="http://schemas.microsoft.com/office/drawing/2014/main" id="{9466AF03-5C03-2D40-8BAF-7C302F38716F}"/>
-                </a:ext>
-              </a:extLst>
-            </p:cNvPr>
-            <p:cNvSpPr/>
-            <p:nvPr/>
-          </p:nvSpPr>
-          <p:spPr>
-            <a:xfrm>
-              <a:off x="91227" y="291479"/>
-              <a:ext cx="1554480" cy="246888"/>
-            </a:xfrm>
-            <a:prstGeom prst="rect">
-              <a:avLst/>
-            </a:prstGeom>
-            <a:solidFill>
-              <a:schemeClr val="bg1"/>
-            </a:solidFill>
-            <a:ln>
-              <a:solidFill>
-                <a:schemeClr val="tx1"/>
-              </a:solidFill>
-            </a:ln>
-          </p:spPr>
-          <p:style>
-            <a:lnRef idx="2">
-              <a:schemeClr val="accent1">
-                <a:shade val="50000"/>
-              </a:schemeClr>
-            </a:lnRef>
-            <a:fillRef idx="1">
-              <a:schemeClr val="accent1"/>
-            </a:fillRef>
-            <a:effectRef idx="0">
-              <a:schemeClr val="accent1"/>
-            </a:effectRef>
-            <a:fontRef idx="minor">
-              <a:schemeClr val="lt1"/>
-            </a:fontRef>
-          </p:style>
-          <p:txBody>
-            <a:bodyPr lIns="45720" rIns="45720" rtlCol="0" anchor="ctr"/>
-            <a:lstStyle/>
-            <a:p>
-              <a:pPr algn="ctr"/>
-              <a:r>
-                <a:rPr lang="en-US" sz="1000" i="1" dirty="0">
-                  <a:solidFill>
-                    <a:schemeClr val="tx1"/>
-                  </a:solidFill>
-                </a:rPr>
-                <a:t>biomass_root_coarse </a:t>
-              </a:r>
-              <a:r>
-                <a:rPr lang="en-US" sz="1000" dirty="0">
-                  <a:solidFill>
-                    <a:schemeClr val="tx1"/>
-                  </a:solidFill>
-                </a:rPr>
-                <a:t>| △ ⌀ </a:t>
-              </a:r>
-              <a:endParaRPr lang="en-US" sz="1000" i="1" dirty="0">
-                <a:solidFill>
-                  <a:schemeClr val="tx1"/>
-                </a:solidFill>
-              </a:endParaRPr>
-            </a:p>
-          </p:txBody>
-        </p:sp>
-        <p:sp>
-          <p:nvSpPr>
-            <p:cNvPr id="382" name="Rectangle 381">
-              <a:extLst>
-                <a:ext uri="{FF2B5EF4-FFF2-40B4-BE49-F238E27FC236}">
-                  <a16:creationId xmlns:a16="http://schemas.microsoft.com/office/drawing/2014/main" id="{49B97989-7F77-0643-97B8-2B192D8CDDD5}"/>
-                </a:ext>
-              </a:extLst>
-            </p:cNvPr>
-            <p:cNvSpPr/>
-            <p:nvPr/>
-          </p:nvSpPr>
-          <p:spPr>
-            <a:xfrm>
-              <a:off x="90095" y="47551"/>
-              <a:ext cx="1554480" cy="246888"/>
-            </a:xfrm>
-            <a:prstGeom prst="rect">
-              <a:avLst/>
-            </a:prstGeom>
-            <a:solidFill>
-              <a:srgbClr val="A3C3CF"/>
-            </a:solidFill>
-            <a:ln>
-              <a:solidFill>
-                <a:schemeClr val="tx1"/>
-              </a:solidFill>
-            </a:ln>
-          </p:spPr>
-          <p:style>
-            <a:lnRef idx="2">
-              <a:schemeClr val="accent1">
-                <a:shade val="50000"/>
-              </a:schemeClr>
-            </a:lnRef>
-            <a:fillRef idx="1">
-              <a:schemeClr val="accent1"/>
-            </a:fillRef>
-            <a:effectRef idx="0">
-              <a:schemeClr val="accent1"/>
-            </a:effectRef>
-            <a:fontRef idx="minor">
-              <a:schemeClr val="lt1"/>
-            </a:fontRef>
-          </p:style>
-          <p:txBody>
-            <a:bodyPr rtlCol="0" anchor="ctr"/>
-            <a:lstStyle/>
-            <a:p>
-              <a:pPr algn="ctr"/>
-              <a:r>
-                <a:rPr lang="en-US" sz="1000" dirty="0">
-                  <a:solidFill>
-                    <a:schemeClr val="tx1"/>
-                  </a:solidFill>
-                </a:rPr>
-                <a:t>Coarse root biomass</a:t>
-              </a:r>
-            </a:p>
-          </p:txBody>
-        </p:sp>
-      </p:grpSp>
-      <p:cxnSp>
-        <p:nvCxnSpPr>
-          <p:cNvPr id="384" name="Curved Connector 383">
-            <a:extLst>
-              <a:ext uri="{FF2B5EF4-FFF2-40B4-BE49-F238E27FC236}">
-                <a16:creationId xmlns:a16="http://schemas.microsoft.com/office/drawing/2014/main" id="{D6BDCA4A-7A89-E342-BC0B-8337A4BC2E2F}"/>
-              </a:ext>
-            </a:extLst>
-          </p:cNvPr>
-          <p:cNvCxnSpPr>
-            <a:cxnSpLocks/>
-            <a:stCxn id="380" idx="1"/>
-            <a:endCxn id="387" idx="1"/>
-          </p:cNvCxnSpPr>
-          <p:nvPr/>
-        </p:nvCxnSpPr>
-        <p:spPr>
-          <a:xfrm rot="10800000" flipV="1">
-            <a:off x="5207281" y="4300294"/>
-            <a:ext cx="1132" cy="542811"/>
-          </a:xfrm>
-          <a:prstGeom prst="curvedConnector3">
-            <a:avLst>
-              <a:gd name="adj1" fmla="val 20294346"/>
-            </a:avLst>
-          </a:prstGeom>
-          <a:ln w="12700">
-            <a:solidFill>
-              <a:srgbClr val="8CA9B4"/>
-            </a:solidFill>
-            <a:prstDash val="sysDash"/>
-            <a:tailEnd type="triangle"/>
-          </a:ln>
-        </p:spPr>
-        <p:style>
-          <a:lnRef idx="1">
-            <a:schemeClr val="dk1"/>
-          </a:lnRef>
-          <a:fillRef idx="0">
-            <a:schemeClr val="dk1"/>
-          </a:fillRef>
-          <a:effectRef idx="0">
-            <a:schemeClr val="dk1"/>
-          </a:effectRef>
-          <a:fontRef idx="minor">
-            <a:schemeClr val="tx1"/>
-          </a:fontRef>
-        </p:style>
-      </p:cxnSp>
-      <p:grpSp>
-        <p:nvGrpSpPr>
-          <p:cNvPr id="393" name="Group 392">
-            <a:extLst>
-              <a:ext uri="{FF2B5EF4-FFF2-40B4-BE49-F238E27FC236}">
-                <a16:creationId xmlns:a16="http://schemas.microsoft.com/office/drawing/2014/main" id="{AFF6653E-0960-784D-BAE5-E04AC89091D8}"/>
-              </a:ext>
-            </a:extLst>
-          </p:cNvPr>
-          <p:cNvGrpSpPr/>
-          <p:nvPr/>
-        </p:nvGrpSpPr>
-        <p:grpSpPr>
-          <a:xfrm>
-            <a:off x="5207281" y="4466137"/>
-            <a:ext cx="1554480" cy="500413"/>
-            <a:chOff x="5148119" y="4306142"/>
-            <a:chExt cx="1554480" cy="500413"/>
-          </a:xfrm>
-        </p:grpSpPr>
-        <p:sp>
-          <p:nvSpPr>
-            <p:cNvPr id="387" name="Rectangle 386">
-              <a:extLst>
-                <a:ext uri="{FF2B5EF4-FFF2-40B4-BE49-F238E27FC236}">
-                  <a16:creationId xmlns:a16="http://schemas.microsoft.com/office/drawing/2014/main" id="{85A1249E-10EA-424E-B9AD-60A17CD48C71}"/>
-                </a:ext>
-              </a:extLst>
-            </p:cNvPr>
-            <p:cNvSpPr/>
-            <p:nvPr/>
-          </p:nvSpPr>
-          <p:spPr>
-            <a:xfrm>
-              <a:off x="5148119" y="4559667"/>
-              <a:ext cx="1554480" cy="246888"/>
-            </a:xfrm>
-            <a:prstGeom prst="rect">
-              <a:avLst/>
-            </a:prstGeom>
-            <a:solidFill>
-              <a:schemeClr val="bg1"/>
-            </a:solidFill>
-            <a:ln>
-              <a:solidFill>
-                <a:schemeClr val="tx1"/>
-              </a:solidFill>
-            </a:ln>
-          </p:spPr>
-          <p:style>
-            <a:lnRef idx="2">
-              <a:schemeClr val="accent1">
-                <a:shade val="50000"/>
-              </a:schemeClr>
-            </a:lnRef>
-            <a:fillRef idx="1">
-              <a:schemeClr val="accent1"/>
-            </a:fillRef>
-            <a:effectRef idx="0">
-              <a:schemeClr val="accent1"/>
-            </a:effectRef>
-            <a:fontRef idx="minor">
-              <a:schemeClr val="lt1"/>
-            </a:fontRef>
-          </p:style>
-          <p:txBody>
-            <a:bodyPr rtlCol="0" anchor="ctr"/>
-            <a:lstStyle/>
-            <a:p>
-              <a:pPr algn="ctr"/>
-              <a:r>
-                <a:rPr lang="en-US" sz="1000" dirty="0">
-                  <a:solidFill>
-                    <a:schemeClr val="tx1"/>
-                  </a:solidFill>
-                </a:rPr>
-                <a:t>⌀  | △ ⌀  | ▲ ⌀ | </a:t>
-              </a:r>
-              <a:r>
-                <a:rPr lang="en-US" sz="1000" i="1" dirty="0">
-                  <a:solidFill>
-                    <a:schemeClr val="tx1"/>
-                  </a:solidFill>
-                </a:rPr>
-                <a:t>▼</a:t>
-              </a:r>
-              <a:r>
-                <a:rPr lang="en-US" sz="1000" dirty="0">
-                  <a:solidFill>
-                    <a:schemeClr val="tx1"/>
-                  </a:solidFill>
-                </a:rPr>
-                <a:t>⌀</a:t>
-              </a:r>
-            </a:p>
-          </p:txBody>
-        </p:sp>
-        <p:sp>
-          <p:nvSpPr>
-            <p:cNvPr id="392" name="Rectangle 391">
-              <a:extLst>
-                <a:ext uri="{FF2B5EF4-FFF2-40B4-BE49-F238E27FC236}">
-                  <a16:creationId xmlns:a16="http://schemas.microsoft.com/office/drawing/2014/main" id="{57AFC0E4-00A0-1E4F-82FC-223BC03959EC}"/>
-                </a:ext>
-              </a:extLst>
-            </p:cNvPr>
-            <p:cNvSpPr/>
-            <p:nvPr/>
-          </p:nvSpPr>
-          <p:spPr>
-            <a:xfrm>
-              <a:off x="5148119" y="4306142"/>
-              <a:ext cx="1554480" cy="246888"/>
-            </a:xfrm>
-            <a:prstGeom prst="rect">
-              <a:avLst/>
-            </a:prstGeom>
-            <a:solidFill>
-              <a:srgbClr val="DCE0CE"/>
-            </a:solidFill>
-            <a:ln>
-              <a:solidFill>
-                <a:schemeClr val="tx1"/>
-              </a:solidFill>
-            </a:ln>
-          </p:spPr>
-          <p:style>
-            <a:lnRef idx="2">
-              <a:schemeClr val="accent1">
-                <a:shade val="50000"/>
-              </a:schemeClr>
-            </a:lnRef>
-            <a:fillRef idx="1">
-              <a:schemeClr val="accent1"/>
-            </a:fillRef>
-            <a:effectRef idx="0">
-              <a:schemeClr val="accent1"/>
-            </a:effectRef>
-            <a:fontRef idx="minor">
-              <a:schemeClr val="lt1"/>
-            </a:fontRef>
-          </p:style>
-          <p:txBody>
-            <a:bodyPr rtlCol="0" anchor="ctr"/>
-            <a:lstStyle/>
-            <a:p>
-              <a:pPr algn="ctr"/>
-              <a:r>
-                <a:rPr lang="en-US" sz="1000" dirty="0">
-                  <a:solidFill>
-                    <a:schemeClr val="tx1"/>
-                  </a:solidFill>
-                </a:rPr>
-                <a:t>Dead coarse roots</a:t>
-              </a:r>
-              <a:endParaRPr lang="en-US" sz="1000" baseline="30000" dirty="0">
-                <a:solidFill>
-                  <a:schemeClr val="tx1"/>
-                </a:solidFill>
-              </a:endParaRPr>
-            </a:p>
-          </p:txBody>
-        </p:sp>
-      </p:grpSp>
-      <p:grpSp>
-        <p:nvGrpSpPr>
-          <p:cNvPr id="407" name="Group 406">
-            <a:extLst>
-              <a:ext uri="{FF2B5EF4-FFF2-40B4-BE49-F238E27FC236}">
-                <a16:creationId xmlns:a16="http://schemas.microsoft.com/office/drawing/2014/main" id="{3DDA7150-0BF2-1845-9D9B-D01F5932E603}"/>
-              </a:ext>
-            </a:extLst>
-          </p:cNvPr>
-          <p:cNvGrpSpPr/>
-          <p:nvPr/>
-        </p:nvGrpSpPr>
-        <p:grpSpPr>
-          <a:xfrm>
-            <a:off x="5207281" y="5008948"/>
-            <a:ext cx="1555612" cy="978855"/>
-            <a:chOff x="90095" y="47552"/>
-            <a:chExt cx="1555612" cy="978855"/>
-          </a:xfrm>
-        </p:grpSpPr>
-        <p:sp>
-          <p:nvSpPr>
-            <p:cNvPr id="408" name="Rectangle 407">
-              <a:extLst>
-                <a:ext uri="{FF2B5EF4-FFF2-40B4-BE49-F238E27FC236}">
-                  <a16:creationId xmlns:a16="http://schemas.microsoft.com/office/drawing/2014/main" id="{1DF71F1D-214D-FD4C-A978-1F43FAB64531}"/>
-                </a:ext>
-              </a:extLst>
-            </p:cNvPr>
-            <p:cNvSpPr/>
-            <p:nvPr/>
-          </p:nvSpPr>
-          <p:spPr>
-            <a:xfrm>
-              <a:off x="91227" y="780186"/>
-              <a:ext cx="1554480" cy="246221"/>
-            </a:xfrm>
-            <a:prstGeom prst="rect">
-              <a:avLst/>
-            </a:prstGeom>
-            <a:solidFill>
-              <a:schemeClr val="bg1"/>
-            </a:solidFill>
-            <a:ln>
-              <a:solidFill>
-                <a:schemeClr val="tx1"/>
-              </a:solidFill>
-            </a:ln>
-          </p:spPr>
-          <p:style>
-            <a:lnRef idx="2">
-              <a:schemeClr val="accent1">
-                <a:shade val="50000"/>
-              </a:schemeClr>
-            </a:lnRef>
-            <a:fillRef idx="1">
-              <a:schemeClr val="accent1"/>
-            </a:fillRef>
-            <a:effectRef idx="0">
-              <a:schemeClr val="accent1"/>
-            </a:effectRef>
-            <a:fontRef idx="minor">
-              <a:schemeClr val="lt1"/>
-            </a:fontRef>
-          </p:style>
-          <p:txBody>
-            <a:bodyPr rtlCol="0" anchor="ctr"/>
-            <a:lstStyle/>
-            <a:p>
-              <a:pPr algn="ctr"/>
-              <a:r>
-                <a:rPr lang="en-US" sz="1000" dirty="0">
-                  <a:solidFill>
-                    <a:schemeClr val="tx1"/>
-                  </a:solidFill>
-                </a:rPr>
-                <a:t>▲ ⌀ | </a:t>
-              </a:r>
-              <a:r>
-                <a:rPr lang="en-US" sz="1000" i="1" dirty="0">
-                  <a:solidFill>
-                    <a:schemeClr val="tx1"/>
-                  </a:solidFill>
-                </a:rPr>
-                <a:t>▼</a:t>
-              </a:r>
-              <a:r>
-                <a:rPr lang="en-US" sz="1000" dirty="0">
-                  <a:solidFill>
-                    <a:schemeClr val="tx1"/>
-                  </a:solidFill>
-                </a:rPr>
-                <a:t>⌀</a:t>
-              </a:r>
-            </a:p>
-          </p:txBody>
-        </p:sp>
-        <p:sp>
-          <p:nvSpPr>
-            <p:cNvPr id="410" name="Rectangle 409">
-              <a:extLst>
-                <a:ext uri="{FF2B5EF4-FFF2-40B4-BE49-F238E27FC236}">
-                  <a16:creationId xmlns:a16="http://schemas.microsoft.com/office/drawing/2014/main" id="{06EB50F0-5685-DD40-AA51-C358F48BD206}"/>
-                </a:ext>
-              </a:extLst>
-            </p:cNvPr>
-            <p:cNvSpPr/>
-            <p:nvPr/>
-          </p:nvSpPr>
-          <p:spPr>
-            <a:xfrm>
-              <a:off x="91227" y="536478"/>
-              <a:ext cx="1554480" cy="246221"/>
-            </a:xfrm>
-            <a:prstGeom prst="rect">
-              <a:avLst/>
-            </a:prstGeom>
-            <a:solidFill>
-              <a:schemeClr val="bg1"/>
-            </a:solidFill>
-            <a:ln>
-              <a:solidFill>
-                <a:schemeClr val="tx1"/>
-              </a:solidFill>
-            </a:ln>
-          </p:spPr>
-          <p:style>
-            <a:lnRef idx="2">
-              <a:schemeClr val="accent1">
-                <a:shade val="50000"/>
-              </a:schemeClr>
-            </a:lnRef>
-            <a:fillRef idx="1">
-              <a:schemeClr val="accent1"/>
-            </a:fillRef>
-            <a:effectRef idx="0">
-              <a:schemeClr val="accent1"/>
-            </a:effectRef>
-            <a:fontRef idx="minor">
-              <a:schemeClr val="lt1"/>
-            </a:fontRef>
-          </p:style>
-          <p:txBody>
-            <a:bodyPr lIns="0" rIns="0" rtlCol="0" anchor="ctr"/>
-            <a:lstStyle/>
-            <a:p>
-              <a:pPr algn="ctr"/>
-              <a:r>
-                <a:rPr lang="en-US" sz="1000" dirty="0">
-                  <a:solidFill>
-                    <a:schemeClr val="tx1"/>
-                  </a:solidFill>
-                </a:rPr>
-                <a:t>△</a:t>
-              </a:r>
-              <a:r>
-                <a:rPr lang="en-US" sz="1000" i="1" dirty="0">
-                  <a:solidFill>
-                    <a:schemeClr val="tx1"/>
-                  </a:solidFill>
-                </a:rPr>
-                <a:t> delta.deadwood_standing</a:t>
-              </a:r>
-              <a:endParaRPr lang="en-US" sz="1000" dirty="0">
-                <a:solidFill>
-                  <a:schemeClr val="tx1"/>
-                </a:solidFill>
-              </a:endParaRPr>
-            </a:p>
-          </p:txBody>
-        </p:sp>
-        <p:sp>
-          <p:nvSpPr>
-            <p:cNvPr id="411" name="Rectangle 410">
-              <a:extLst>
-                <a:ext uri="{FF2B5EF4-FFF2-40B4-BE49-F238E27FC236}">
-                  <a16:creationId xmlns:a16="http://schemas.microsoft.com/office/drawing/2014/main" id="{193C47D6-986E-E442-9150-C45B908AF8CD}"/>
-                </a:ext>
-              </a:extLst>
-            </p:cNvPr>
-            <p:cNvSpPr/>
-            <p:nvPr/>
-          </p:nvSpPr>
-          <p:spPr>
-            <a:xfrm>
-              <a:off x="91227" y="291480"/>
-              <a:ext cx="1554480" cy="246221"/>
-            </a:xfrm>
-            <a:prstGeom prst="rect">
-              <a:avLst/>
-            </a:prstGeom>
-            <a:solidFill>
-              <a:schemeClr val="bg1"/>
-            </a:solidFill>
-            <a:ln>
-              <a:solidFill>
-                <a:schemeClr val="tx1"/>
-              </a:solidFill>
-            </a:ln>
-          </p:spPr>
-          <p:style>
-            <a:lnRef idx="2">
-              <a:schemeClr val="accent1">
-                <a:shade val="50000"/>
-              </a:schemeClr>
-            </a:lnRef>
-            <a:fillRef idx="1">
-              <a:schemeClr val="accent1"/>
-            </a:fillRef>
-            <a:effectRef idx="0">
-              <a:schemeClr val="accent1"/>
-            </a:effectRef>
-            <a:fontRef idx="minor">
-              <a:schemeClr val="lt1"/>
-            </a:fontRef>
-          </p:style>
-          <p:txBody>
-            <a:bodyPr rtlCol="0" anchor="ctr"/>
-            <a:lstStyle/>
-            <a:p>
-              <a:pPr algn="ctr"/>
-              <a:r>
-                <a:rPr lang="en-US" sz="1000" i="1" dirty="0">
-                  <a:solidFill>
-                    <a:schemeClr val="tx1"/>
-                  </a:solidFill>
-                </a:rPr>
-                <a:t>deadwood_standing</a:t>
-              </a:r>
-            </a:p>
-          </p:txBody>
-        </p:sp>
-        <p:sp>
-          <p:nvSpPr>
-            <p:cNvPr id="412" name="Rectangle 411">
-              <a:extLst>
-                <a:ext uri="{FF2B5EF4-FFF2-40B4-BE49-F238E27FC236}">
-                  <a16:creationId xmlns:a16="http://schemas.microsoft.com/office/drawing/2014/main" id="{4C767515-F041-B846-8A68-5130C8D8337C}"/>
-                </a:ext>
-              </a:extLst>
-            </p:cNvPr>
-            <p:cNvSpPr/>
-            <p:nvPr/>
-          </p:nvSpPr>
-          <p:spPr>
-            <a:xfrm>
-              <a:off x="90095" y="47552"/>
-              <a:ext cx="1554480" cy="246221"/>
-            </a:xfrm>
-            <a:prstGeom prst="rect">
-              <a:avLst/>
-            </a:prstGeom>
-            <a:solidFill>
-              <a:srgbClr val="DCE0CE"/>
-            </a:solidFill>
-            <a:ln>
-              <a:solidFill>
-                <a:schemeClr val="tx1"/>
-              </a:solidFill>
-            </a:ln>
-          </p:spPr>
-          <p:style>
-            <a:lnRef idx="2">
-              <a:schemeClr val="accent1">
-                <a:shade val="50000"/>
-              </a:schemeClr>
-            </a:lnRef>
-            <a:fillRef idx="1">
-              <a:schemeClr val="accent1"/>
-            </a:fillRef>
-            <a:effectRef idx="0">
-              <a:schemeClr val="accent1"/>
-            </a:effectRef>
-            <a:fontRef idx="minor">
-              <a:schemeClr val="lt1"/>
-            </a:fontRef>
-          </p:style>
-          <p:txBody>
-            <a:bodyPr rtlCol="0" anchor="ctr"/>
-            <a:lstStyle/>
-            <a:p>
-              <a:pPr algn="ctr"/>
-              <a:r>
-                <a:rPr lang="en-US" sz="1000" dirty="0">
-                  <a:solidFill>
-                    <a:schemeClr val="tx1"/>
-                  </a:solidFill>
-                </a:rPr>
-                <a:t>Standing dead wood</a:t>
-              </a:r>
-              <a:endParaRPr lang="en-US" sz="1000" baseline="30000" dirty="0">
-                <a:solidFill>
-                  <a:schemeClr val="tx1"/>
-                </a:solidFill>
-              </a:endParaRPr>
-            </a:p>
-          </p:txBody>
-        </p:sp>
-      </p:grpSp>
-      <p:grpSp>
-        <p:nvGrpSpPr>
-          <p:cNvPr id="414" name="Group 413">
-            <a:extLst>
-              <a:ext uri="{FF2B5EF4-FFF2-40B4-BE49-F238E27FC236}">
-                <a16:creationId xmlns:a16="http://schemas.microsoft.com/office/drawing/2014/main" id="{ACB549B6-0008-E048-BE7C-57BF2729923E}"/>
-              </a:ext>
-            </a:extLst>
-          </p:cNvPr>
-          <p:cNvGrpSpPr/>
-          <p:nvPr/>
-        </p:nvGrpSpPr>
-        <p:grpSpPr>
-          <a:xfrm>
-            <a:off x="5207281" y="6056495"/>
-            <a:ext cx="1555612" cy="978855"/>
-            <a:chOff x="90095" y="47552"/>
-            <a:chExt cx="1555612" cy="978855"/>
-          </a:xfrm>
-        </p:grpSpPr>
-        <p:sp>
-          <p:nvSpPr>
-            <p:cNvPr id="415" name="Rectangle 414">
-              <a:extLst>
-                <a:ext uri="{FF2B5EF4-FFF2-40B4-BE49-F238E27FC236}">
-                  <a16:creationId xmlns:a16="http://schemas.microsoft.com/office/drawing/2014/main" id="{621AEFBB-2CAC-3948-9FBF-793F5323FC6C}"/>
-                </a:ext>
-              </a:extLst>
-            </p:cNvPr>
-            <p:cNvSpPr/>
-            <p:nvPr/>
-          </p:nvSpPr>
-          <p:spPr>
-            <a:xfrm>
-              <a:off x="91227" y="780186"/>
-              <a:ext cx="1554480" cy="246221"/>
-            </a:xfrm>
-            <a:prstGeom prst="rect">
-              <a:avLst/>
-            </a:prstGeom>
-            <a:solidFill>
-              <a:schemeClr val="bg1"/>
-            </a:solidFill>
-            <a:ln>
-              <a:solidFill>
-                <a:schemeClr val="tx1"/>
-              </a:solidFill>
-            </a:ln>
-          </p:spPr>
-          <p:style>
-            <a:lnRef idx="2">
-              <a:schemeClr val="accent1">
-                <a:shade val="50000"/>
-              </a:schemeClr>
-            </a:lnRef>
-            <a:fillRef idx="1">
-              <a:schemeClr val="accent1"/>
-            </a:fillRef>
-            <a:effectRef idx="0">
-              <a:schemeClr val="accent1"/>
-            </a:effectRef>
-            <a:fontRef idx="minor">
-              <a:schemeClr val="lt1"/>
-            </a:fontRef>
-          </p:style>
-          <p:txBody>
-            <a:bodyPr rtlCol="0" anchor="ctr"/>
-            <a:lstStyle/>
-            <a:p>
-              <a:pPr algn="ctr"/>
-              <a:r>
-                <a:rPr lang="en-US" sz="1000" dirty="0">
-                  <a:solidFill>
-                    <a:schemeClr val="tx1"/>
-                  </a:solidFill>
-                </a:rPr>
-                <a:t>▲ ⌀ | </a:t>
-              </a:r>
-              <a:r>
-                <a:rPr lang="en-US" sz="1000" i="1" dirty="0">
-                  <a:solidFill>
-                    <a:schemeClr val="tx1"/>
-                  </a:solidFill>
-                </a:rPr>
-                <a:t>▼</a:t>
-              </a:r>
-              <a:r>
-                <a:rPr lang="en-US" sz="1000" dirty="0">
-                  <a:solidFill>
-                    <a:schemeClr val="tx1"/>
-                  </a:solidFill>
-                </a:rPr>
-                <a:t>⌀</a:t>
-              </a:r>
-            </a:p>
-          </p:txBody>
-        </p:sp>
-        <p:sp>
-          <p:nvSpPr>
-            <p:cNvPr id="417" name="Rectangle 416">
-              <a:extLst>
-                <a:ext uri="{FF2B5EF4-FFF2-40B4-BE49-F238E27FC236}">
-                  <a16:creationId xmlns:a16="http://schemas.microsoft.com/office/drawing/2014/main" id="{5EDDFC7A-0CB2-B743-94F7-EFB418DFDC42}"/>
-                </a:ext>
-              </a:extLst>
-            </p:cNvPr>
-            <p:cNvSpPr/>
-            <p:nvPr/>
-          </p:nvSpPr>
-          <p:spPr>
-            <a:xfrm>
-              <a:off x="91227" y="536478"/>
-              <a:ext cx="1554480" cy="246221"/>
-            </a:xfrm>
-            <a:prstGeom prst="rect">
-              <a:avLst/>
-            </a:prstGeom>
-            <a:solidFill>
-              <a:schemeClr val="bg1"/>
-            </a:solidFill>
-            <a:ln>
-              <a:solidFill>
-                <a:schemeClr val="tx1"/>
-              </a:solidFill>
-            </a:ln>
-          </p:spPr>
-          <p:style>
-            <a:lnRef idx="2">
-              <a:schemeClr val="accent1">
-                <a:shade val="50000"/>
-              </a:schemeClr>
-            </a:lnRef>
-            <a:fillRef idx="1">
-              <a:schemeClr val="accent1"/>
-            </a:fillRef>
-            <a:effectRef idx="0">
-              <a:schemeClr val="accent1"/>
-            </a:effectRef>
-            <a:fontRef idx="minor">
-              <a:schemeClr val="lt1"/>
-            </a:fontRef>
-          </p:style>
-          <p:txBody>
-            <a:bodyPr rtlCol="0" anchor="ctr"/>
-            <a:lstStyle/>
-            <a:p>
-              <a:pPr algn="ctr"/>
-              <a:r>
-                <a:rPr lang="en-US" sz="1000" dirty="0">
-                  <a:solidFill>
-                    <a:schemeClr val="tx1"/>
-                  </a:solidFill>
-                </a:rPr>
-                <a:t>△</a:t>
-              </a:r>
-              <a:r>
-                <a:rPr lang="en-US" sz="1000" i="1" dirty="0">
-                  <a:solidFill>
-                    <a:schemeClr val="tx1"/>
-                  </a:solidFill>
-                </a:rPr>
-                <a:t> delta.deadwood_down</a:t>
-              </a:r>
-              <a:endParaRPr lang="en-US" sz="1000" dirty="0">
-                <a:solidFill>
-                  <a:schemeClr val="tx1"/>
-                </a:solidFill>
-              </a:endParaRPr>
-            </a:p>
-          </p:txBody>
-        </p:sp>
-        <p:sp>
-          <p:nvSpPr>
-            <p:cNvPr id="418" name="Rectangle 417">
-              <a:extLst>
-                <a:ext uri="{FF2B5EF4-FFF2-40B4-BE49-F238E27FC236}">
-                  <a16:creationId xmlns:a16="http://schemas.microsoft.com/office/drawing/2014/main" id="{842B3114-698D-5344-B3D6-E488821C98E9}"/>
-                </a:ext>
-              </a:extLst>
-            </p:cNvPr>
-            <p:cNvSpPr/>
-            <p:nvPr/>
-          </p:nvSpPr>
-          <p:spPr>
-            <a:xfrm>
-              <a:off x="91227" y="291480"/>
-              <a:ext cx="1554480" cy="246221"/>
-            </a:xfrm>
-            <a:prstGeom prst="rect">
-              <a:avLst/>
-            </a:prstGeom>
-            <a:solidFill>
-              <a:schemeClr val="bg1"/>
-            </a:solidFill>
-            <a:ln>
-              <a:solidFill>
-                <a:schemeClr val="tx1"/>
-              </a:solidFill>
-            </a:ln>
-          </p:spPr>
-          <p:style>
-            <a:lnRef idx="2">
-              <a:schemeClr val="accent1">
-                <a:shade val="50000"/>
-              </a:schemeClr>
-            </a:lnRef>
-            <a:fillRef idx="1">
-              <a:schemeClr val="accent1"/>
-            </a:fillRef>
-            <a:effectRef idx="0">
-              <a:schemeClr val="accent1"/>
-            </a:effectRef>
-            <a:fontRef idx="minor">
-              <a:schemeClr val="lt1"/>
-            </a:fontRef>
-          </p:style>
-          <p:txBody>
-            <a:bodyPr rtlCol="0" anchor="ctr"/>
-            <a:lstStyle/>
-            <a:p>
-              <a:pPr algn="ctr"/>
-              <a:r>
-                <a:rPr lang="en-US" sz="1000" i="1" dirty="0">
-                  <a:solidFill>
-                    <a:schemeClr val="tx1"/>
-                  </a:solidFill>
-                </a:rPr>
-                <a:t>deadwood_down</a:t>
-              </a:r>
-            </a:p>
-          </p:txBody>
-        </p:sp>
-        <p:sp>
-          <p:nvSpPr>
-            <p:cNvPr id="419" name="Rectangle 418">
-              <a:extLst>
-                <a:ext uri="{FF2B5EF4-FFF2-40B4-BE49-F238E27FC236}">
-                  <a16:creationId xmlns:a16="http://schemas.microsoft.com/office/drawing/2014/main" id="{9AC5DDC6-1852-4245-883C-0A9D15D080EC}"/>
-                </a:ext>
-              </a:extLst>
-            </p:cNvPr>
-            <p:cNvSpPr/>
-            <p:nvPr/>
-          </p:nvSpPr>
-          <p:spPr>
-            <a:xfrm>
-              <a:off x="90095" y="47552"/>
-              <a:ext cx="1554480" cy="246221"/>
-            </a:xfrm>
-            <a:prstGeom prst="rect">
-              <a:avLst/>
-            </a:prstGeom>
-            <a:solidFill>
-              <a:srgbClr val="DCE0CE"/>
-            </a:solidFill>
-            <a:ln>
-              <a:solidFill>
-                <a:schemeClr val="tx1"/>
-              </a:solidFill>
-            </a:ln>
-          </p:spPr>
-          <p:style>
-            <a:lnRef idx="2">
-              <a:schemeClr val="accent1">
-                <a:shade val="50000"/>
-              </a:schemeClr>
-            </a:lnRef>
-            <a:fillRef idx="1">
-              <a:schemeClr val="accent1"/>
-            </a:fillRef>
-            <a:effectRef idx="0">
-              <a:schemeClr val="accent1"/>
-            </a:effectRef>
-            <a:fontRef idx="minor">
-              <a:schemeClr val="lt1"/>
-            </a:fontRef>
-          </p:style>
-          <p:txBody>
-            <a:bodyPr rtlCol="0" anchor="ctr"/>
-            <a:lstStyle/>
-            <a:p>
-              <a:pPr algn="ctr"/>
-              <a:r>
-                <a:rPr lang="en-US" sz="1000" dirty="0">
-                  <a:solidFill>
-                    <a:schemeClr val="tx1"/>
-                  </a:solidFill>
-                </a:rPr>
-                <a:t>Fallen dead wood</a:t>
-              </a:r>
-              <a:endParaRPr lang="en-US" sz="1000" baseline="30000" dirty="0">
-                <a:solidFill>
-                  <a:schemeClr val="tx1"/>
-                </a:solidFill>
-              </a:endParaRPr>
-            </a:p>
-          </p:txBody>
-        </p:sp>
-      </p:grpSp>
-      <p:sp>
-        <p:nvSpPr>
-          <p:cNvPr id="435" name="Rectangle 434">
-            <a:extLst>
-              <a:ext uri="{FF2B5EF4-FFF2-40B4-BE49-F238E27FC236}">
-                <a16:creationId xmlns:a16="http://schemas.microsoft.com/office/drawing/2014/main" id="{02FC17E0-1455-FE4F-8EF5-9C8CA6632D54}"/>
-              </a:ext>
-            </a:extLst>
-          </p:cNvPr>
-          <p:cNvSpPr/>
-          <p:nvPr/>
-        </p:nvSpPr>
-        <p:spPr>
-          <a:xfrm>
-            <a:off x="5207280" y="1657756"/>
-            <a:ext cx="1554480" cy="246221"/>
-          </a:xfrm>
-          <a:prstGeom prst="rect">
-            <a:avLst/>
-          </a:prstGeom>
-          <a:solidFill>
-            <a:schemeClr val="bg1"/>
-          </a:solidFill>
-          <a:ln>
-            <a:solidFill>
-              <a:schemeClr val="tx1"/>
-            </a:solidFill>
-          </a:ln>
-        </p:spPr>
-        <p:style>
-          <a:lnRef idx="2">
-            <a:schemeClr val="accent1">
-              <a:shade val="50000"/>
-            </a:schemeClr>
-          </a:lnRef>
-          <a:fillRef idx="1">
-            <a:schemeClr val="accent1"/>
-          </a:fillRef>
-          <a:effectRef idx="0">
-            <a:schemeClr val="accent1"/>
-          </a:effectRef>
-          <a:fontRef idx="minor">
-            <a:schemeClr val="lt1"/>
-          </a:fontRef>
-        </p:style>
-        <p:txBody>
-          <a:bodyPr rtlCol="0" anchor="ctr"/>
-          <a:lstStyle/>
-          <a:p>
-            <a:pPr algn="ctr"/>
-            <a:r>
-              <a:rPr lang="en-US" sz="1000" dirty="0">
-                <a:solidFill>
-                  <a:schemeClr val="tx1"/>
-                </a:solidFill>
-              </a:rPr>
-              <a:t>△</a:t>
-            </a:r>
-            <a:r>
-              <a:rPr lang="en-US" sz="1000" i="1" dirty="0">
-                <a:solidFill>
-                  <a:schemeClr val="tx1"/>
-                </a:solidFill>
-              </a:rPr>
-              <a:t> delta.agb </a:t>
-            </a:r>
-            <a:r>
-              <a:rPr lang="en-US" sz="1000" i="1" baseline="30000" dirty="0">
-                <a:solidFill>
-                  <a:schemeClr val="tx1"/>
-                </a:solidFill>
-              </a:rPr>
-              <a:t>2</a:t>
-            </a:r>
-            <a:endParaRPr lang="en-US" sz="1000" dirty="0">
-              <a:solidFill>
-                <a:schemeClr val="tx1"/>
-              </a:solidFill>
-            </a:endParaRPr>
-          </a:p>
-        </p:txBody>
-      </p:sp>
-      <p:sp>
-        <p:nvSpPr>
-          <p:cNvPr id="436" name="Rectangle 435">
-            <a:extLst>
-              <a:ext uri="{FF2B5EF4-FFF2-40B4-BE49-F238E27FC236}">
-                <a16:creationId xmlns:a16="http://schemas.microsoft.com/office/drawing/2014/main" id="{B1E79ED9-6827-DB42-BD13-23D1E925A8D6}"/>
-              </a:ext>
-            </a:extLst>
-          </p:cNvPr>
-          <p:cNvSpPr/>
-          <p:nvPr/>
-        </p:nvSpPr>
-        <p:spPr>
-          <a:xfrm>
-            <a:off x="152739" y="1698005"/>
-            <a:ext cx="253595" cy="246221"/>
-          </a:xfrm>
-          <a:prstGeom prst="rect">
-            <a:avLst/>
-          </a:prstGeom>
-        </p:spPr>
-        <p:txBody>
-          <a:bodyPr wrap="none">
-            <a:spAutoFit/>
-          </a:bodyPr>
-          <a:lstStyle/>
-          <a:p>
-            <a:pPr algn="ctr"/>
-            <a:r>
-              <a:rPr lang="en-US" sz="1000" dirty="0"/>
-              <a:t>⌀</a:t>
-            </a:r>
-          </a:p>
-        </p:txBody>
-      </p:sp>
-      <p:cxnSp>
-        <p:nvCxnSpPr>
-          <p:cNvPr id="437" name="Straight Connector 436">
-            <a:extLst>
-              <a:ext uri="{FF2B5EF4-FFF2-40B4-BE49-F238E27FC236}">
-                <a16:creationId xmlns:a16="http://schemas.microsoft.com/office/drawing/2014/main" id="{BEF6CEA4-D75B-8A43-8335-563EC823F776}"/>
-              </a:ext>
-            </a:extLst>
-          </p:cNvPr>
-          <p:cNvCxnSpPr>
-            <a:cxnSpLocks/>
-          </p:cNvCxnSpPr>
-          <p:nvPr/>
-        </p:nvCxnSpPr>
-        <p:spPr>
-          <a:xfrm>
-            <a:off x="212311" y="1522066"/>
-            <a:ext cx="99951" cy="0"/>
-          </a:xfrm>
-          <a:prstGeom prst="line">
-            <a:avLst/>
-          </a:prstGeom>
-        </p:spPr>
-        <p:style>
-          <a:lnRef idx="1">
-            <a:schemeClr val="dk1"/>
-          </a:lnRef>
-          <a:fillRef idx="0">
-            <a:schemeClr val="dk1"/>
-          </a:fillRef>
-          <a:effectRef idx="0">
-            <a:schemeClr val="dk1"/>
-          </a:effectRef>
-          <a:fontRef idx="minor">
-            <a:schemeClr val="tx1"/>
-          </a:fontRef>
-        </p:style>
-      </p:cxnSp>
-      <p:sp>
-        <p:nvSpPr>
-          <p:cNvPr id="440" name="Rectangle 439">
-            <a:extLst>
-              <a:ext uri="{FF2B5EF4-FFF2-40B4-BE49-F238E27FC236}">
-                <a16:creationId xmlns:a16="http://schemas.microsoft.com/office/drawing/2014/main" id="{3207B2B2-74FF-174B-909A-B31888380F23}"/>
-              </a:ext>
-            </a:extLst>
-          </p:cNvPr>
-          <p:cNvSpPr/>
-          <p:nvPr/>
-        </p:nvSpPr>
-        <p:spPr>
-          <a:xfrm>
-            <a:off x="317878" y="1395185"/>
-            <a:ext cx="1047082" cy="553998"/>
-          </a:xfrm>
-          <a:prstGeom prst="rect">
-            <a:avLst/>
-          </a:prstGeom>
-        </p:spPr>
-        <p:txBody>
-          <a:bodyPr wrap="none">
-            <a:spAutoFit/>
-          </a:bodyPr>
-          <a:lstStyle/>
-          <a:p>
-            <a:r>
-              <a:rPr lang="en-US" sz="1000" dirty="0"/>
-              <a:t>component</a:t>
-            </a:r>
-          </a:p>
-          <a:p>
-            <a:r>
-              <a:rPr lang="en-US" sz="1000" dirty="0"/>
-              <a:t>C flow</a:t>
-            </a:r>
-          </a:p>
-          <a:p>
-            <a:r>
-              <a:rPr lang="en-US" sz="1000" dirty="0"/>
-              <a:t>no ForC variable</a:t>
-            </a:r>
-          </a:p>
-        </p:txBody>
-      </p:sp>
-      <p:cxnSp>
-        <p:nvCxnSpPr>
-          <p:cNvPr id="442" name="Straight Arrow Connector 441">
-            <a:extLst>
-              <a:ext uri="{FF2B5EF4-FFF2-40B4-BE49-F238E27FC236}">
-                <a16:creationId xmlns:a16="http://schemas.microsoft.com/office/drawing/2014/main" id="{491650C2-C3C0-AA43-9529-4675E08245EF}"/>
-              </a:ext>
-            </a:extLst>
-          </p:cNvPr>
-          <p:cNvCxnSpPr/>
-          <p:nvPr/>
-        </p:nvCxnSpPr>
-        <p:spPr>
-          <a:xfrm>
-            <a:off x="212834" y="1677903"/>
-            <a:ext cx="133407" cy="0"/>
-          </a:xfrm>
-          <a:prstGeom prst="straightConnector1">
-            <a:avLst/>
-          </a:prstGeom>
-          <a:ln w="12700">
-            <a:solidFill>
-              <a:schemeClr val="tx1">
-                <a:lumMod val="50000"/>
-                <a:lumOff val="50000"/>
-              </a:schemeClr>
-            </a:solidFill>
-            <a:prstDash val="sysDash"/>
-            <a:tailEnd type="triangle"/>
-          </a:ln>
-        </p:spPr>
-        <p:style>
-          <a:lnRef idx="1">
-            <a:schemeClr val="accent1"/>
-          </a:lnRef>
-          <a:fillRef idx="0">
-            <a:schemeClr val="accent1"/>
-          </a:fillRef>
-          <a:effectRef idx="0">
-            <a:schemeClr val="accent1"/>
-          </a:effectRef>
-          <a:fontRef idx="minor">
-            <a:schemeClr val="tx1"/>
-          </a:fontRef>
-        </p:style>
-      </p:cxnSp>
-    </p:spTree>
-    <p:extLst>
-      <p:ext uri="{BB962C8B-B14F-4D97-AF65-F5344CB8AC3E}">
-        <p14:creationId xmlns:p14="http://schemas.microsoft.com/office/powerpoint/2010/main" val="511794393"/>
       </p:ext>
     </p:extLst>
   </p:cSld>
